--- a/images/image_maker.pptx
+++ b/images/image_maker.pptx
@@ -5,12 +5,13 @@
     <p:sldMasterId id="2147483648" r:id="rId1"/>
   </p:sldMasterIdLst>
   <p:sldIdLst>
-    <p:sldId id="257" r:id="rId2"/>
-    <p:sldId id="258" r:id="rId3"/>
-    <p:sldId id="259" r:id="rId4"/>
+    <p:sldId id="258" r:id="rId2"/>
+    <p:sldId id="259" r:id="rId3"/>
+    <p:sldId id="263" r:id="rId4"/>
     <p:sldId id="260" r:id="rId5"/>
     <p:sldId id="261" r:id="rId6"/>
     <p:sldId id="262" r:id="rId7"/>
+    <p:sldId id="264" r:id="rId8"/>
   </p:sldIdLst>
   <p:sldSz cx="12192000" cy="6858000"/>
   <p:notesSz cx="6858000" cy="9144000"/>
@@ -266,7 +267,7 @@
           <a:p>
             <a:fld id="{C4C33896-74DC-4DC9-8FFE-C8D9D6A25E64}" type="datetimeFigureOut">
               <a:rPr lang="en-SG" smtClean="0"/>
-              <a:t>16/5/2025</a:t>
+              <a:t>20/5/2025</a:t>
             </a:fld>
             <a:endParaRPr lang="en-SG"/>
           </a:p>
@@ -466,7 +467,7 @@
           <a:p>
             <a:fld id="{C4C33896-74DC-4DC9-8FFE-C8D9D6A25E64}" type="datetimeFigureOut">
               <a:rPr lang="en-SG" smtClean="0"/>
-              <a:t>16/5/2025</a:t>
+              <a:t>20/5/2025</a:t>
             </a:fld>
             <a:endParaRPr lang="en-SG"/>
           </a:p>
@@ -676,7 +677,7 @@
           <a:p>
             <a:fld id="{C4C33896-74DC-4DC9-8FFE-C8D9D6A25E64}" type="datetimeFigureOut">
               <a:rPr lang="en-SG" smtClean="0"/>
-              <a:t>16/5/2025</a:t>
+              <a:t>20/5/2025</a:t>
             </a:fld>
             <a:endParaRPr lang="en-SG"/>
           </a:p>
@@ -876,7 +877,7 @@
           <a:p>
             <a:fld id="{C4C33896-74DC-4DC9-8FFE-C8D9D6A25E64}" type="datetimeFigureOut">
               <a:rPr lang="en-SG" smtClean="0"/>
-              <a:t>16/5/2025</a:t>
+              <a:t>20/5/2025</a:t>
             </a:fld>
             <a:endParaRPr lang="en-SG"/>
           </a:p>
@@ -1152,7 +1153,7 @@
           <a:p>
             <a:fld id="{C4C33896-74DC-4DC9-8FFE-C8D9D6A25E64}" type="datetimeFigureOut">
               <a:rPr lang="en-SG" smtClean="0"/>
-              <a:t>16/5/2025</a:t>
+              <a:t>20/5/2025</a:t>
             </a:fld>
             <a:endParaRPr lang="en-SG"/>
           </a:p>
@@ -1420,7 +1421,7 @@
           <a:p>
             <a:fld id="{C4C33896-74DC-4DC9-8FFE-C8D9D6A25E64}" type="datetimeFigureOut">
               <a:rPr lang="en-SG" smtClean="0"/>
-              <a:t>16/5/2025</a:t>
+              <a:t>20/5/2025</a:t>
             </a:fld>
             <a:endParaRPr lang="en-SG"/>
           </a:p>
@@ -1835,7 +1836,7 @@
           <a:p>
             <a:fld id="{C4C33896-74DC-4DC9-8FFE-C8D9D6A25E64}" type="datetimeFigureOut">
               <a:rPr lang="en-SG" smtClean="0"/>
-              <a:t>16/5/2025</a:t>
+              <a:t>20/5/2025</a:t>
             </a:fld>
             <a:endParaRPr lang="en-SG"/>
           </a:p>
@@ -1977,7 +1978,7 @@
           <a:p>
             <a:fld id="{C4C33896-74DC-4DC9-8FFE-C8D9D6A25E64}" type="datetimeFigureOut">
               <a:rPr lang="en-SG" smtClean="0"/>
-              <a:t>16/5/2025</a:t>
+              <a:t>20/5/2025</a:t>
             </a:fld>
             <a:endParaRPr lang="en-SG"/>
           </a:p>
@@ -2090,7 +2091,7 @@
           <a:p>
             <a:fld id="{C4C33896-74DC-4DC9-8FFE-C8D9D6A25E64}" type="datetimeFigureOut">
               <a:rPr lang="en-SG" smtClean="0"/>
-              <a:t>16/5/2025</a:t>
+              <a:t>20/5/2025</a:t>
             </a:fld>
             <a:endParaRPr lang="en-SG"/>
           </a:p>
@@ -2403,7 +2404,7 @@
           <a:p>
             <a:fld id="{C4C33896-74DC-4DC9-8FFE-C8D9D6A25E64}" type="datetimeFigureOut">
               <a:rPr lang="en-SG" smtClean="0"/>
-              <a:t>16/5/2025</a:t>
+              <a:t>20/5/2025</a:t>
             </a:fld>
             <a:endParaRPr lang="en-SG"/>
           </a:p>
@@ -2692,7 +2693,7 @@
           <a:p>
             <a:fld id="{C4C33896-74DC-4DC9-8FFE-C8D9D6A25E64}" type="datetimeFigureOut">
               <a:rPr lang="en-SG" smtClean="0"/>
-              <a:t>16/5/2025</a:t>
+              <a:t>20/5/2025</a:t>
             </a:fld>
             <a:endParaRPr lang="en-SG"/>
           </a:p>
@@ -2935,7 +2936,7 @@
           <a:p>
             <a:fld id="{C4C33896-74DC-4DC9-8FFE-C8D9D6A25E64}" type="datetimeFigureOut">
               <a:rPr lang="en-SG" smtClean="0"/>
-              <a:t>16/5/2025</a:t>
+              <a:t>20/5/2025</a:t>
             </a:fld>
             <a:endParaRPr lang="en-SG"/>
           </a:p>
@@ -3352,38 +3353,626 @@
           <a:chExt cx="0" cy="0"/>
         </a:xfrm>
       </p:grpSpPr>
-      <p:pic>
-        <p:nvPicPr>
-          <p:cNvPr id="2" name="New picture">
-            <a:extLst>
-              <a:ext uri="{FF2B5EF4-FFF2-40B4-BE49-F238E27FC236}">
-                <a16:creationId xmlns:a16="http://schemas.microsoft.com/office/drawing/2014/main" id="{5BC80FF2-15E1-32C4-9BDC-29A6EA4FD807}"/>
-              </a:ext>
-            </a:extLst>
-          </p:cNvPr>
-          <p:cNvPicPr/>
+      <p:grpSp>
+        <p:nvGrpSpPr>
+          <p:cNvPr id="68" name="Group 67">
+            <a:extLst>
+              <a:ext uri="{FF2B5EF4-FFF2-40B4-BE49-F238E27FC236}">
+                <a16:creationId xmlns:a16="http://schemas.microsoft.com/office/drawing/2014/main" id="{ED3D8374-2387-996C-5952-A671EF0CDB7F}"/>
+              </a:ext>
+            </a:extLst>
+          </p:cNvPr>
+          <p:cNvGrpSpPr/>
           <p:nvPr/>
-        </p:nvPicPr>
-        <p:blipFill>
-          <a:blip r:embed="rId2"/>
-          <a:stretch>
-            <a:fillRect/>
-          </a:stretch>
-        </p:blipFill>
-        <p:spPr>
+        </p:nvGrpSpPr>
+        <p:grpSpPr>
           <a:xfrm>
-            <a:off x="2676423" y="366773"/>
-            <a:ext cx="5668924" cy="4876559"/>
+            <a:off x="455973" y="287752"/>
+            <a:ext cx="11437370" cy="5902089"/>
+            <a:chOff x="476867" y="327081"/>
+            <a:chExt cx="11437370" cy="5902089"/>
           </a:xfrm>
-          <a:prstGeom prst="rect">
-            <a:avLst/>
-          </a:prstGeom>
-        </p:spPr>
-      </p:pic>
+        </p:grpSpPr>
+        <p:sp>
+          <p:nvSpPr>
+            <p:cNvPr id="2" name="Rectangle 1">
+              <a:extLst>
+                <a:ext uri="{FF2B5EF4-FFF2-40B4-BE49-F238E27FC236}">
+                  <a16:creationId xmlns:a16="http://schemas.microsoft.com/office/drawing/2014/main" id="{7FE8DD76-79E3-8EC5-834C-76A86D92ABD5}"/>
+                </a:ext>
+              </a:extLst>
+            </p:cNvPr>
+            <p:cNvSpPr/>
+            <p:nvPr/>
+          </p:nvSpPr>
+          <p:spPr>
+            <a:xfrm>
+              <a:off x="484240" y="3625947"/>
+              <a:ext cx="2679289" cy="643427"/>
+            </a:xfrm>
+            <a:prstGeom prst="rect">
+              <a:avLst/>
+            </a:prstGeom>
+            <a:solidFill>
+              <a:srgbClr val="003E2F"/>
+            </a:solidFill>
+          </p:spPr>
+          <p:style>
+            <a:lnRef idx="2">
+              <a:schemeClr val="accent1">
+                <a:shade val="15000"/>
+              </a:schemeClr>
+            </a:lnRef>
+            <a:fillRef idx="1">
+              <a:schemeClr val="accent1"/>
+            </a:fillRef>
+            <a:effectRef idx="0">
+              <a:schemeClr val="accent1"/>
+            </a:effectRef>
+            <a:fontRef idx="minor">
+              <a:schemeClr val="lt1"/>
+            </a:fontRef>
+          </p:style>
+          <p:txBody>
+            <a:bodyPr rtlCol="0" anchor="ctr"/>
+            <a:lstStyle/>
+            <a:p>
+              <a:pPr algn="ctr"/>
+              <a:r>
+                <a:rPr lang="en-US" dirty="0">
+                  <a:latin typeface="Lato" panose="020F0502020204030203" pitchFamily="34" charset="0"/>
+                  <a:ea typeface="Lato" panose="020F0502020204030203" pitchFamily="34" charset="0"/>
+                  <a:cs typeface="Lato" panose="020F0502020204030203" pitchFamily="34" charset="0"/>
+                </a:rPr>
+                <a:t>Introduce mapping procedure</a:t>
+              </a:r>
+              <a:endParaRPr lang="en-SG" dirty="0">
+                <a:latin typeface="Lato" panose="020F0502020204030203" pitchFamily="34" charset="0"/>
+                <a:ea typeface="Lato" panose="020F0502020204030203" pitchFamily="34" charset="0"/>
+                <a:cs typeface="Lato" panose="020F0502020204030203" pitchFamily="34" charset="0"/>
+              </a:endParaRPr>
+            </a:p>
+          </p:txBody>
+        </p:sp>
+        <p:sp>
+          <p:nvSpPr>
+            <p:cNvPr id="3" name="Rectangle 2">
+              <a:extLst>
+                <a:ext uri="{FF2B5EF4-FFF2-40B4-BE49-F238E27FC236}">
+                  <a16:creationId xmlns:a16="http://schemas.microsoft.com/office/drawing/2014/main" id="{B09EEDD3-BF4F-4CD4-349E-B1C35EE58C89}"/>
+                </a:ext>
+              </a:extLst>
+            </p:cNvPr>
+            <p:cNvSpPr/>
+            <p:nvPr/>
+          </p:nvSpPr>
+          <p:spPr>
+            <a:xfrm>
+              <a:off x="2740738" y="5684183"/>
+              <a:ext cx="2344992" cy="508820"/>
+            </a:xfrm>
+            <a:prstGeom prst="rect">
+              <a:avLst/>
+            </a:prstGeom>
+            <a:solidFill>
+              <a:srgbClr val="003E2F"/>
+            </a:solidFill>
+          </p:spPr>
+          <p:style>
+            <a:lnRef idx="2">
+              <a:schemeClr val="accent1">
+                <a:shade val="15000"/>
+              </a:schemeClr>
+            </a:lnRef>
+            <a:fillRef idx="1">
+              <a:schemeClr val="accent1"/>
+            </a:fillRef>
+            <a:effectRef idx="0">
+              <a:schemeClr val="accent1"/>
+            </a:effectRef>
+            <a:fontRef idx="minor">
+              <a:schemeClr val="lt1"/>
+            </a:fontRef>
+          </p:style>
+          <p:txBody>
+            <a:bodyPr rtlCol="0" anchor="ctr"/>
+            <a:lstStyle/>
+            <a:p>
+              <a:pPr algn="ctr"/>
+              <a:r>
+                <a:rPr lang="en-US" dirty="0">
+                  <a:latin typeface="Lato" panose="020F0502020204030203" pitchFamily="34" charset="0"/>
+                  <a:ea typeface="Lato" panose="020F0502020204030203" pitchFamily="34" charset="0"/>
+                  <a:cs typeface="Lato" panose="020F0502020204030203" pitchFamily="34" charset="0"/>
+                </a:rPr>
+                <a:t>Code to do mapping</a:t>
+              </a:r>
+              <a:endParaRPr lang="en-SG" dirty="0">
+                <a:latin typeface="Lato" panose="020F0502020204030203" pitchFamily="34" charset="0"/>
+                <a:ea typeface="Lato" panose="020F0502020204030203" pitchFamily="34" charset="0"/>
+                <a:cs typeface="Lato" panose="020F0502020204030203" pitchFamily="34" charset="0"/>
+              </a:endParaRPr>
+            </a:p>
+          </p:txBody>
+        </p:sp>
+        <p:sp>
+          <p:nvSpPr>
+            <p:cNvPr id="4" name="Rectangle 3">
+              <a:extLst>
+                <a:ext uri="{FF2B5EF4-FFF2-40B4-BE49-F238E27FC236}">
+                  <a16:creationId xmlns:a16="http://schemas.microsoft.com/office/drawing/2014/main" id="{92421369-C931-B8A6-1BC9-63D9C3F1C534}"/>
+                </a:ext>
+              </a:extLst>
+            </p:cNvPr>
+            <p:cNvSpPr/>
+            <p:nvPr/>
+          </p:nvSpPr>
+          <p:spPr>
+            <a:xfrm>
+              <a:off x="7364357" y="972288"/>
+              <a:ext cx="2467896" cy="1322350"/>
+            </a:xfrm>
+            <a:prstGeom prst="rect">
+              <a:avLst/>
+            </a:prstGeom>
+            <a:solidFill>
+              <a:srgbClr val="003E2F"/>
+            </a:solidFill>
+          </p:spPr>
+          <p:style>
+            <a:lnRef idx="2">
+              <a:schemeClr val="accent1">
+                <a:shade val="15000"/>
+              </a:schemeClr>
+            </a:lnRef>
+            <a:fillRef idx="1">
+              <a:schemeClr val="accent1"/>
+            </a:fillRef>
+            <a:effectRef idx="0">
+              <a:schemeClr val="accent1"/>
+            </a:effectRef>
+            <a:fontRef idx="minor">
+              <a:schemeClr val="lt1"/>
+            </a:fontRef>
+          </p:style>
+          <p:txBody>
+            <a:bodyPr rtlCol="0" anchor="ctr"/>
+            <a:lstStyle/>
+            <a:p>
+              <a:pPr algn="ctr"/>
+              <a:r>
+                <a:rPr lang="en-US" sz="2000" dirty="0">
+                  <a:latin typeface="Lato" panose="020F0502020204030203" pitchFamily="34" charset="0"/>
+                  <a:ea typeface="Lato" panose="020F0502020204030203" pitchFamily="34" charset="0"/>
+                  <a:cs typeface="Lato" panose="020F0502020204030203" pitchFamily="34" charset="0"/>
+                </a:rPr>
+                <a:t>Show examples that the code works</a:t>
+              </a:r>
+              <a:endParaRPr lang="en-SG" sz="2000" dirty="0">
+                <a:latin typeface="Lato" panose="020F0502020204030203" pitchFamily="34" charset="0"/>
+                <a:ea typeface="Lato" panose="020F0502020204030203" pitchFamily="34" charset="0"/>
+                <a:cs typeface="Lato" panose="020F0502020204030203" pitchFamily="34" charset="0"/>
+              </a:endParaRPr>
+            </a:p>
+          </p:txBody>
+        </p:sp>
+        <p:sp>
+          <p:nvSpPr>
+            <p:cNvPr id="9" name="Rectangle 8">
+              <a:extLst>
+                <a:ext uri="{FF2B5EF4-FFF2-40B4-BE49-F238E27FC236}">
+                  <a16:creationId xmlns:a16="http://schemas.microsoft.com/office/drawing/2014/main" id="{CA3F8631-012A-6723-33AA-B11B97CE0902}"/>
+                </a:ext>
+              </a:extLst>
+            </p:cNvPr>
+            <p:cNvSpPr/>
+            <p:nvPr/>
+          </p:nvSpPr>
+          <p:spPr>
+            <a:xfrm>
+              <a:off x="5019365" y="3646226"/>
+              <a:ext cx="1966453" cy="508820"/>
+            </a:xfrm>
+            <a:prstGeom prst="rect">
+              <a:avLst/>
+            </a:prstGeom>
+            <a:solidFill>
+              <a:srgbClr val="003E2F"/>
+            </a:solidFill>
+          </p:spPr>
+          <p:style>
+            <a:lnRef idx="2">
+              <a:schemeClr val="accent1">
+                <a:shade val="15000"/>
+              </a:schemeClr>
+            </a:lnRef>
+            <a:fillRef idx="1">
+              <a:schemeClr val="accent1"/>
+            </a:fillRef>
+            <a:effectRef idx="0">
+              <a:schemeClr val="accent1"/>
+            </a:effectRef>
+            <a:fontRef idx="minor">
+              <a:schemeClr val="lt1"/>
+            </a:fontRef>
+          </p:style>
+          <p:txBody>
+            <a:bodyPr rtlCol="0" anchor="ctr"/>
+            <a:lstStyle/>
+            <a:p>
+              <a:pPr algn="ctr"/>
+              <a:r>
+                <a:rPr lang="en-US" dirty="0">
+                  <a:latin typeface="Lato" panose="020F0502020204030203" pitchFamily="34" charset="0"/>
+                  <a:ea typeface="Lato" panose="020F0502020204030203" pitchFamily="34" charset="0"/>
+                  <a:cs typeface="Lato" panose="020F0502020204030203" pitchFamily="34" charset="0"/>
+                </a:rPr>
+                <a:t>Code to validate</a:t>
+              </a:r>
+              <a:endParaRPr lang="en-SG" dirty="0">
+                <a:latin typeface="Lato" panose="020F0502020204030203" pitchFamily="34" charset="0"/>
+                <a:ea typeface="Lato" panose="020F0502020204030203" pitchFamily="34" charset="0"/>
+                <a:cs typeface="Lato" panose="020F0502020204030203" pitchFamily="34" charset="0"/>
+              </a:endParaRPr>
+            </a:p>
+          </p:txBody>
+        </p:sp>
+        <p:sp>
+          <p:nvSpPr>
+            <p:cNvPr id="10" name="Rectangle 9">
+              <a:extLst>
+                <a:ext uri="{FF2B5EF4-FFF2-40B4-BE49-F238E27FC236}">
+                  <a16:creationId xmlns:a16="http://schemas.microsoft.com/office/drawing/2014/main" id="{36835B8F-FBCB-ECB9-7951-52937CBCFE95}"/>
+                </a:ext>
+              </a:extLst>
+            </p:cNvPr>
+            <p:cNvSpPr/>
+            <p:nvPr/>
+          </p:nvSpPr>
+          <p:spPr>
+            <a:xfrm>
+              <a:off x="9695837" y="5549513"/>
+              <a:ext cx="2218400" cy="679657"/>
+            </a:xfrm>
+            <a:prstGeom prst="rect">
+              <a:avLst/>
+            </a:prstGeom>
+            <a:solidFill>
+              <a:srgbClr val="003E2F"/>
+            </a:solidFill>
+          </p:spPr>
+          <p:style>
+            <a:lnRef idx="2">
+              <a:schemeClr val="accent1">
+                <a:shade val="15000"/>
+              </a:schemeClr>
+            </a:lnRef>
+            <a:fillRef idx="1">
+              <a:schemeClr val="accent1"/>
+            </a:fillRef>
+            <a:effectRef idx="0">
+              <a:schemeClr val="accent1"/>
+            </a:effectRef>
+            <a:fontRef idx="minor">
+              <a:schemeClr val="lt1"/>
+            </a:fontRef>
+          </p:style>
+          <p:txBody>
+            <a:bodyPr rtlCol="0" anchor="ctr"/>
+            <a:lstStyle/>
+            <a:p>
+              <a:pPr algn="ctr"/>
+              <a:r>
+                <a:rPr lang="en-US" dirty="0">
+                  <a:latin typeface="Lato" panose="020F0502020204030203" pitchFamily="34" charset="0"/>
+                  <a:ea typeface="Lato" panose="020F0502020204030203" pitchFamily="34" charset="0"/>
+                  <a:cs typeface="Lato" panose="020F0502020204030203" pitchFamily="34" charset="0"/>
+                </a:rPr>
+                <a:t>Clean up variables for merging</a:t>
+              </a:r>
+              <a:endParaRPr lang="en-SG" dirty="0">
+                <a:latin typeface="Lato" panose="020F0502020204030203" pitchFamily="34" charset="0"/>
+                <a:ea typeface="Lato" panose="020F0502020204030203" pitchFamily="34" charset="0"/>
+                <a:cs typeface="Lato" panose="020F0502020204030203" pitchFamily="34" charset="0"/>
+              </a:endParaRPr>
+            </a:p>
+          </p:txBody>
+        </p:sp>
+        <p:sp>
+          <p:nvSpPr>
+            <p:cNvPr id="6" name="Oval 5">
+              <a:extLst>
+                <a:ext uri="{FF2B5EF4-FFF2-40B4-BE49-F238E27FC236}">
+                  <a16:creationId xmlns:a16="http://schemas.microsoft.com/office/drawing/2014/main" id="{46A66D6F-0657-A174-1199-8A21D191050E}"/>
+                </a:ext>
+              </a:extLst>
+            </p:cNvPr>
+            <p:cNvSpPr/>
+            <p:nvPr/>
+          </p:nvSpPr>
+          <p:spPr>
+            <a:xfrm>
+              <a:off x="476867" y="327081"/>
+              <a:ext cx="2679289" cy="2593100"/>
+            </a:xfrm>
+            <a:prstGeom prst="ellipse">
+              <a:avLst/>
+            </a:prstGeom>
+            <a:solidFill>
+              <a:srgbClr val="660066"/>
+            </a:solidFill>
+          </p:spPr>
+          <p:style>
+            <a:lnRef idx="2">
+              <a:schemeClr val="accent1">
+                <a:shade val="15000"/>
+              </a:schemeClr>
+            </a:lnRef>
+            <a:fillRef idx="1">
+              <a:schemeClr val="accent1"/>
+            </a:fillRef>
+            <a:effectRef idx="0">
+              <a:schemeClr val="accent1"/>
+            </a:effectRef>
+            <a:fontRef idx="minor">
+              <a:schemeClr val="lt1"/>
+            </a:fontRef>
+          </p:style>
+          <p:txBody>
+            <a:bodyPr rtlCol="0" anchor="ctr"/>
+            <a:lstStyle/>
+            <a:p>
+              <a:pPr algn="ctr"/>
+              <a:r>
+                <a:rPr lang="en-US" sz="2800" dirty="0">
+                  <a:latin typeface="Lato" panose="020F0502020204030203" pitchFamily="34" charset="0"/>
+                  <a:ea typeface="Lato" panose="020F0502020204030203" pitchFamily="34" charset="0"/>
+                  <a:cs typeface="Lato" panose="020F0502020204030203" pitchFamily="34" charset="0"/>
+                </a:rPr>
+                <a:t>Variable Mapping Reporting Workflow</a:t>
+              </a:r>
+              <a:endParaRPr lang="en-SG" sz="2800" dirty="0">
+                <a:latin typeface="Lato" panose="020F0502020204030203" pitchFamily="34" charset="0"/>
+                <a:ea typeface="Lato" panose="020F0502020204030203" pitchFamily="34" charset="0"/>
+                <a:cs typeface="Lato" panose="020F0502020204030203" pitchFamily="34" charset="0"/>
+              </a:endParaRPr>
+            </a:p>
+          </p:txBody>
+        </p:sp>
+        <p:cxnSp>
+          <p:nvCxnSpPr>
+            <p:cNvPr id="11" name="Straight Arrow Connector 10">
+              <a:extLst>
+                <a:ext uri="{FF2B5EF4-FFF2-40B4-BE49-F238E27FC236}">
+                  <a16:creationId xmlns:a16="http://schemas.microsoft.com/office/drawing/2014/main" id="{FECFD31C-81CC-2544-B88D-67AD3CD497FD}"/>
+                </a:ext>
+              </a:extLst>
+            </p:cNvPr>
+            <p:cNvCxnSpPr>
+              <a:cxnSpLocks/>
+              <a:stCxn id="6" idx="4"/>
+              <a:endCxn id="2" idx="0"/>
+            </p:cNvCxnSpPr>
+            <p:nvPr/>
+          </p:nvCxnSpPr>
+          <p:spPr>
+            <a:xfrm>
+              <a:off x="1816512" y="2920181"/>
+              <a:ext cx="7373" cy="705766"/>
+            </a:xfrm>
+            <a:prstGeom prst="straightConnector1">
+              <a:avLst/>
+            </a:prstGeom>
+            <a:ln w="57150">
+              <a:solidFill>
+                <a:schemeClr val="tx1"/>
+              </a:solidFill>
+              <a:tailEnd type="triangle"/>
+            </a:ln>
+          </p:spPr>
+          <p:style>
+            <a:lnRef idx="1">
+              <a:schemeClr val="accent1"/>
+            </a:lnRef>
+            <a:fillRef idx="0">
+              <a:schemeClr val="accent1"/>
+            </a:fillRef>
+            <a:effectRef idx="0">
+              <a:schemeClr val="accent1"/>
+            </a:effectRef>
+            <a:fontRef idx="minor">
+              <a:schemeClr val="tx1"/>
+            </a:fontRef>
+          </p:style>
+        </p:cxnSp>
+        <p:cxnSp>
+          <p:nvCxnSpPr>
+            <p:cNvPr id="54" name="Connector: Elbow 53">
+              <a:extLst>
+                <a:ext uri="{FF2B5EF4-FFF2-40B4-BE49-F238E27FC236}">
+                  <a16:creationId xmlns:a16="http://schemas.microsoft.com/office/drawing/2014/main" id="{0140291C-B026-797D-EAD8-7A8A422A17C1}"/>
+                </a:ext>
+              </a:extLst>
+            </p:cNvPr>
+            <p:cNvCxnSpPr>
+              <a:stCxn id="2" idx="2"/>
+              <a:endCxn id="3" idx="1"/>
+            </p:cNvCxnSpPr>
+            <p:nvPr/>
+          </p:nvCxnSpPr>
+          <p:spPr>
+            <a:xfrm rot="16200000" flipH="1">
+              <a:off x="1447702" y="4645556"/>
+              <a:ext cx="1669219" cy="916853"/>
+            </a:xfrm>
+            <a:prstGeom prst="bentConnector2">
+              <a:avLst/>
+            </a:prstGeom>
+            <a:ln w="57150">
+              <a:solidFill>
+                <a:schemeClr val="tx1"/>
+              </a:solidFill>
+              <a:tailEnd type="triangle"/>
+            </a:ln>
+          </p:spPr>
+          <p:style>
+            <a:lnRef idx="1">
+              <a:schemeClr val="accent1"/>
+            </a:lnRef>
+            <a:fillRef idx="0">
+              <a:schemeClr val="accent1"/>
+            </a:fillRef>
+            <a:effectRef idx="0">
+              <a:schemeClr val="accent1"/>
+            </a:effectRef>
+            <a:fontRef idx="minor">
+              <a:schemeClr val="tx1"/>
+            </a:fontRef>
+          </p:style>
+        </p:cxnSp>
+        <p:cxnSp>
+          <p:nvCxnSpPr>
+            <p:cNvPr id="55" name="Connector: Elbow 54">
+              <a:extLst>
+                <a:ext uri="{FF2B5EF4-FFF2-40B4-BE49-F238E27FC236}">
+                  <a16:creationId xmlns:a16="http://schemas.microsoft.com/office/drawing/2014/main" id="{59933AB2-AD2A-630D-050E-127B427B8EA3}"/>
+                </a:ext>
+              </a:extLst>
+            </p:cNvPr>
+            <p:cNvCxnSpPr>
+              <a:cxnSpLocks/>
+              <a:stCxn id="3" idx="3"/>
+              <a:endCxn id="9" idx="2"/>
+            </p:cNvCxnSpPr>
+            <p:nvPr/>
+          </p:nvCxnSpPr>
+          <p:spPr>
+            <a:xfrm flipV="1">
+              <a:off x="5085730" y="4155046"/>
+              <a:ext cx="916862" cy="1783547"/>
+            </a:xfrm>
+            <a:prstGeom prst="bentConnector2">
+              <a:avLst/>
+            </a:prstGeom>
+            <a:ln w="57150">
+              <a:solidFill>
+                <a:schemeClr val="tx1"/>
+              </a:solidFill>
+              <a:tailEnd type="triangle"/>
+            </a:ln>
+          </p:spPr>
+          <p:style>
+            <a:lnRef idx="1">
+              <a:schemeClr val="accent1"/>
+            </a:lnRef>
+            <a:fillRef idx="0">
+              <a:schemeClr val="accent1"/>
+            </a:fillRef>
+            <a:effectRef idx="0">
+              <a:schemeClr val="accent1"/>
+            </a:effectRef>
+            <a:fontRef idx="minor">
+              <a:schemeClr val="tx1"/>
+            </a:fontRef>
+          </p:style>
+        </p:cxnSp>
+        <p:cxnSp>
+          <p:nvCxnSpPr>
+            <p:cNvPr id="58" name="Connector: Elbow 57">
+              <a:extLst>
+                <a:ext uri="{FF2B5EF4-FFF2-40B4-BE49-F238E27FC236}">
+                  <a16:creationId xmlns:a16="http://schemas.microsoft.com/office/drawing/2014/main" id="{88F33233-75F4-AD53-732F-E9C1E74F286F}"/>
+                </a:ext>
+              </a:extLst>
+            </p:cNvPr>
+            <p:cNvCxnSpPr>
+              <a:cxnSpLocks/>
+              <a:stCxn id="9" idx="0"/>
+              <a:endCxn id="4" idx="1"/>
+            </p:cNvCxnSpPr>
+            <p:nvPr/>
+          </p:nvCxnSpPr>
+          <p:spPr>
+            <a:xfrm rot="5400000" flipH="1" flipV="1">
+              <a:off x="5677093" y="1958963"/>
+              <a:ext cx="2012763" cy="1361765"/>
+            </a:xfrm>
+            <a:prstGeom prst="bentConnector2">
+              <a:avLst/>
+            </a:prstGeom>
+            <a:ln w="57150">
+              <a:solidFill>
+                <a:schemeClr val="tx1"/>
+              </a:solidFill>
+              <a:tailEnd type="triangle"/>
+            </a:ln>
+          </p:spPr>
+          <p:style>
+            <a:lnRef idx="1">
+              <a:schemeClr val="accent1"/>
+            </a:lnRef>
+            <a:fillRef idx="0">
+              <a:schemeClr val="accent1"/>
+            </a:fillRef>
+            <a:effectRef idx="0">
+              <a:schemeClr val="accent1"/>
+            </a:effectRef>
+            <a:fontRef idx="minor">
+              <a:schemeClr val="tx1"/>
+            </a:fontRef>
+          </p:style>
+        </p:cxnSp>
+        <p:cxnSp>
+          <p:nvCxnSpPr>
+            <p:cNvPr id="61" name="Connector: Elbow 60">
+              <a:extLst>
+                <a:ext uri="{FF2B5EF4-FFF2-40B4-BE49-F238E27FC236}">
+                  <a16:creationId xmlns:a16="http://schemas.microsoft.com/office/drawing/2014/main" id="{4AB54415-1F53-9577-B554-9FB6CA3C1B19}"/>
+                </a:ext>
+              </a:extLst>
+            </p:cNvPr>
+            <p:cNvCxnSpPr>
+              <a:cxnSpLocks/>
+              <a:stCxn id="4" idx="3"/>
+              <a:endCxn id="10" idx="0"/>
+            </p:cNvCxnSpPr>
+            <p:nvPr/>
+          </p:nvCxnSpPr>
+          <p:spPr>
+            <a:xfrm>
+              <a:off x="9832253" y="1633463"/>
+              <a:ext cx="972784" cy="3916050"/>
+            </a:xfrm>
+            <a:prstGeom prst="bentConnector2">
+              <a:avLst/>
+            </a:prstGeom>
+            <a:ln w="57150">
+              <a:solidFill>
+                <a:schemeClr val="tx1"/>
+              </a:solidFill>
+              <a:tailEnd type="triangle"/>
+            </a:ln>
+          </p:spPr>
+          <p:style>
+            <a:lnRef idx="1">
+              <a:schemeClr val="accent1"/>
+            </a:lnRef>
+            <a:fillRef idx="0">
+              <a:schemeClr val="accent1"/>
+            </a:fillRef>
+            <a:effectRef idx="0">
+              <a:schemeClr val="accent1"/>
+            </a:effectRef>
+            <a:fontRef idx="minor">
+              <a:schemeClr val="tx1"/>
+            </a:fontRef>
+          </p:style>
+        </p:cxnSp>
+      </p:grpSp>
     </p:spTree>
     <p:extLst>
       <p:ext uri="{BB962C8B-B14F-4D97-AF65-F5344CB8AC3E}">
-        <p14:creationId xmlns:p14="http://schemas.microsoft.com/office/powerpoint/2010/main" val="770976666"/>
+        <p14:creationId xmlns:p14="http://schemas.microsoft.com/office/powerpoint/2010/main" val="550445637"/>
       </p:ext>
     </p:extLst>
   </p:cSld>
@@ -3410,55 +3999,152 @@
           <a:chExt cx="0" cy="0"/>
         </a:xfrm>
       </p:grpSpPr>
-      <p:pic>
-        <p:nvPicPr>
-          <p:cNvPr id="1026" name="Picture 2">
-            <a:extLst>
-              <a:ext uri="{FF2B5EF4-FFF2-40B4-BE49-F238E27FC236}">
-                <a16:creationId xmlns:a16="http://schemas.microsoft.com/office/drawing/2014/main" id="{78D70610-6E4F-FD00-96B9-DE9B3EC5D73A}"/>
-              </a:ext>
-            </a:extLst>
-          </p:cNvPr>
-          <p:cNvPicPr>
-            <a:picLocks noChangeAspect="1" noChangeArrowheads="1"/>
-          </p:cNvPicPr>
+      <p:grpSp>
+        <p:nvGrpSpPr>
+          <p:cNvPr id="3" name="Group 2">
+            <a:extLst>
+              <a:ext uri="{FF2B5EF4-FFF2-40B4-BE49-F238E27FC236}">
+                <a16:creationId xmlns:a16="http://schemas.microsoft.com/office/drawing/2014/main" id="{055F7EC7-2FE4-B46B-A0FB-90A4B520FB74}"/>
+              </a:ext>
+            </a:extLst>
+          </p:cNvPr>
+          <p:cNvGrpSpPr/>
           <p:nvPr/>
-        </p:nvPicPr>
-        <p:blipFill rotWithShape="1">
-          <a:blip r:embed="rId2">
-            <a:extLst>
-              <a:ext uri="{28A0092B-C50C-407E-A947-70E740481C1C}">
-                <a14:useLocalDpi xmlns:a14="http://schemas.microsoft.com/office/drawing/2010/main" val="0"/>
-              </a:ext>
-            </a:extLst>
-          </a:blip>
-          <a:srcRect t="48968"/>
-          <a:stretch/>
-        </p:blipFill>
-        <p:spPr bwMode="auto">
+        </p:nvGrpSpPr>
+        <p:grpSpPr>
           <a:xfrm>
-            <a:off x="2729354" y="1327354"/>
-            <a:ext cx="5559240" cy="2929204"/>
+            <a:off x="894735" y="550608"/>
+            <a:ext cx="10849108" cy="4621160"/>
+            <a:chOff x="894735" y="550608"/>
+            <a:chExt cx="10849108" cy="4621160"/>
           </a:xfrm>
-          <a:prstGeom prst="rect">
-            <a:avLst/>
-          </a:prstGeom>
-          <a:noFill/>
-          <a:extLst>
-            <a:ext uri="{909E8E84-426E-40DD-AFC4-6F175D3DCCD1}">
-              <a14:hiddenFill xmlns:a14="http://schemas.microsoft.com/office/drawing/2010/main">
-                <a:solidFill>
-                  <a:srgbClr val="FFFFFF"/>
-                </a:solidFill>
-              </a14:hiddenFill>
-            </a:ext>
-          </a:extLst>
-        </p:spPr>
-      </p:pic>
+        </p:grpSpPr>
+        <p:pic>
+          <p:nvPicPr>
+            <p:cNvPr id="4" name="Picture 3">
+              <a:extLst>
+                <a:ext uri="{FF2B5EF4-FFF2-40B4-BE49-F238E27FC236}">
+                  <a16:creationId xmlns:a16="http://schemas.microsoft.com/office/drawing/2014/main" id="{17D9B4F5-ADEC-AFD2-C0FA-36AC85BC47F3}"/>
+                </a:ext>
+              </a:extLst>
+            </p:cNvPr>
+            <p:cNvPicPr>
+              <a:picLocks noChangeAspect="1"/>
+            </p:cNvPicPr>
+            <p:nvPr/>
+          </p:nvPicPr>
+          <p:blipFill>
+            <a:blip r:embed="rId2"/>
+            <a:stretch>
+              <a:fillRect/>
+            </a:stretch>
+          </p:blipFill>
+          <p:spPr>
+            <a:xfrm>
+              <a:off x="5317019" y="550608"/>
+              <a:ext cx="6426824" cy="4621160"/>
+            </a:xfrm>
+            <a:prstGeom prst="rect">
+              <a:avLst/>
+            </a:prstGeom>
+          </p:spPr>
+        </p:pic>
+        <p:pic>
+          <p:nvPicPr>
+            <p:cNvPr id="6" name="Picture 5">
+              <a:extLst>
+                <a:ext uri="{FF2B5EF4-FFF2-40B4-BE49-F238E27FC236}">
+                  <a16:creationId xmlns:a16="http://schemas.microsoft.com/office/drawing/2014/main" id="{12F7C40E-5AE2-14AC-AD67-1D60B8401B81}"/>
+                </a:ext>
+              </a:extLst>
+            </p:cNvPr>
+            <p:cNvPicPr>
+              <a:picLocks noChangeAspect="1"/>
+            </p:cNvPicPr>
+            <p:nvPr/>
+          </p:nvPicPr>
+          <p:blipFill>
+            <a:blip r:embed="rId3"/>
+            <a:stretch>
+              <a:fillRect/>
+            </a:stretch>
+          </p:blipFill>
+          <p:spPr>
+            <a:xfrm>
+              <a:off x="894735" y="1615283"/>
+              <a:ext cx="3916209" cy="3477827"/>
+            </a:xfrm>
+            <a:prstGeom prst="rect">
+              <a:avLst/>
+            </a:prstGeom>
+          </p:spPr>
+        </p:pic>
+        <p:sp>
+          <p:nvSpPr>
+            <p:cNvPr id="2" name="Rectangle 1">
+              <a:extLst>
+                <a:ext uri="{FF2B5EF4-FFF2-40B4-BE49-F238E27FC236}">
+                  <a16:creationId xmlns:a16="http://schemas.microsoft.com/office/drawing/2014/main" id="{C6460331-9CA8-886C-DD00-90D5137CE567}"/>
+                </a:ext>
+              </a:extLst>
+            </p:cNvPr>
+            <p:cNvSpPr/>
+            <p:nvPr/>
+          </p:nvSpPr>
+          <p:spPr>
+            <a:xfrm>
+              <a:off x="1513194" y="550608"/>
+              <a:ext cx="2679289" cy="643427"/>
+            </a:xfrm>
+            <a:prstGeom prst="rect">
+              <a:avLst/>
+            </a:prstGeom>
+            <a:solidFill>
+              <a:srgbClr val="003E2F"/>
+            </a:solidFill>
+          </p:spPr>
+          <p:style>
+            <a:lnRef idx="2">
+              <a:schemeClr val="accent1">
+                <a:shade val="15000"/>
+              </a:schemeClr>
+            </a:lnRef>
+            <a:fillRef idx="1">
+              <a:schemeClr val="accent1"/>
+            </a:fillRef>
+            <a:effectRef idx="0">
+              <a:schemeClr val="accent1"/>
+            </a:effectRef>
+            <a:fontRef idx="minor">
+              <a:schemeClr val="lt1"/>
+            </a:fontRef>
+          </p:style>
+          <p:txBody>
+            <a:bodyPr rtlCol="0" anchor="ctr"/>
+            <a:lstStyle/>
+            <a:p>
+              <a:pPr algn="ctr"/>
+              <a:r>
+                <a:rPr lang="en-US" dirty="0">
+                  <a:latin typeface="Lato" panose="020F0502020204030203" pitchFamily="34" charset="0"/>
+                  <a:ea typeface="Lato" panose="020F0502020204030203" pitchFamily="34" charset="0"/>
+                  <a:cs typeface="Lato" panose="020F0502020204030203" pitchFamily="34" charset="0"/>
+                </a:rPr>
+                <a:t>Introduce mapping procedure</a:t>
+              </a:r>
+              <a:endParaRPr lang="en-SG" dirty="0">
+                <a:latin typeface="Lato" panose="020F0502020204030203" pitchFamily="34" charset="0"/>
+                <a:ea typeface="Lato" panose="020F0502020204030203" pitchFamily="34" charset="0"/>
+                <a:cs typeface="Lato" panose="020F0502020204030203" pitchFamily="34" charset="0"/>
+              </a:endParaRPr>
+            </a:p>
+          </p:txBody>
+        </p:sp>
+      </p:grpSp>
     </p:spTree>
     <p:extLst>
       <p:ext uri="{BB962C8B-B14F-4D97-AF65-F5344CB8AC3E}">
-        <p14:creationId xmlns:p14="http://schemas.microsoft.com/office/powerpoint/2010/main" val="550445637"/>
+        <p14:creationId xmlns:p14="http://schemas.microsoft.com/office/powerpoint/2010/main" val="1491759852"/>
       </p:ext>
     </p:extLst>
   </p:cSld>
@@ -3485,62 +4171,12 @@
           <a:chExt cx="0" cy="0"/>
         </a:xfrm>
       </p:grpSpPr>
-      <p:sp>
-        <p:nvSpPr>
-          <p:cNvPr id="2" name="Title 1">
-            <a:extLst>
-              <a:ext uri="{FF2B5EF4-FFF2-40B4-BE49-F238E27FC236}">
-                <a16:creationId xmlns:a16="http://schemas.microsoft.com/office/drawing/2014/main" id="{8FDD5B74-B326-CD0B-E474-9EAAB0B5785B}"/>
-              </a:ext>
-            </a:extLst>
-          </p:cNvPr>
-          <p:cNvSpPr>
-            <a:spLocks noGrp="1"/>
-          </p:cNvSpPr>
-          <p:nvPr>
-            <p:ph type="title"/>
-          </p:nvPr>
-        </p:nvSpPr>
-        <p:spPr/>
-        <p:txBody>
-          <a:bodyPr/>
-          <a:lstStyle/>
-          <a:p>
-            <a:endParaRPr lang="en-SG"/>
-          </a:p>
-        </p:txBody>
-      </p:sp>
-      <p:sp>
-        <p:nvSpPr>
-          <p:cNvPr id="3" name="Content Placeholder 2">
-            <a:extLst>
-              <a:ext uri="{FF2B5EF4-FFF2-40B4-BE49-F238E27FC236}">
-                <a16:creationId xmlns:a16="http://schemas.microsoft.com/office/drawing/2014/main" id="{F1FE6E5E-5F82-88BB-9525-C264EBC7CDD9}"/>
-              </a:ext>
-            </a:extLst>
-          </p:cNvPr>
-          <p:cNvSpPr>
-            <a:spLocks noGrp="1"/>
-          </p:cNvSpPr>
-          <p:nvPr>
-            <p:ph idx="1"/>
-          </p:nvPr>
-        </p:nvSpPr>
-        <p:spPr/>
-        <p:txBody>
-          <a:bodyPr/>
-          <a:lstStyle/>
-          <a:p>
-            <a:endParaRPr lang="en-SG"/>
-          </a:p>
-        </p:txBody>
-      </p:sp>
       <p:pic>
         <p:nvPicPr>
-          <p:cNvPr id="7" name="Picture 6">
-            <a:extLst>
-              <a:ext uri="{FF2B5EF4-FFF2-40B4-BE49-F238E27FC236}">
-                <a16:creationId xmlns:a16="http://schemas.microsoft.com/office/drawing/2014/main" id="{15F5693E-9E35-37C8-95FC-85E456003A60}"/>
+          <p:cNvPr id="5" name="Picture 4">
+            <a:extLst>
+              <a:ext uri="{FF2B5EF4-FFF2-40B4-BE49-F238E27FC236}">
+                <a16:creationId xmlns:a16="http://schemas.microsoft.com/office/drawing/2014/main" id="{D0C8E66A-53B1-7034-1559-CA6FFE5D83E5}"/>
               </a:ext>
             </a:extLst>
           </p:cNvPr>
@@ -3551,14 +4187,13 @@
         </p:nvPicPr>
         <p:blipFill>
           <a:blip r:embed="rId2"/>
-          <a:stretch>
-            <a:fillRect/>
-          </a:stretch>
+          <a:srcRect b="26383"/>
+          <a:stretch/>
         </p:blipFill>
         <p:spPr>
           <a:xfrm>
-            <a:off x="3438333" y="1471235"/>
-            <a:ext cx="5806943" cy="2530059"/>
+            <a:off x="2882588" y="550608"/>
+            <a:ext cx="6426824" cy="3401960"/>
           </a:xfrm>
           <a:prstGeom prst="rect">
             <a:avLst/>
@@ -3568,7 +4203,7 @@
     </p:spTree>
     <p:extLst>
       <p:ext uri="{BB962C8B-B14F-4D97-AF65-F5344CB8AC3E}">
-        <p14:creationId xmlns:p14="http://schemas.microsoft.com/office/powerpoint/2010/main" val="1491759852"/>
+        <p14:creationId xmlns:p14="http://schemas.microsoft.com/office/powerpoint/2010/main" val="1257854851"/>
       </p:ext>
     </p:extLst>
   </p:cSld>
@@ -3597,14 +4232,16 @@
       </p:grpSpPr>
       <p:pic>
         <p:nvPicPr>
-          <p:cNvPr id="4" name="New picture">
-            <a:extLst>
-              <a:ext uri="{FF2B5EF4-FFF2-40B4-BE49-F238E27FC236}">
-                <a16:creationId xmlns:a16="http://schemas.microsoft.com/office/drawing/2014/main" id="{40F83A13-D976-A7F7-7DD3-56B52460F8E6}"/>
-              </a:ext>
-            </a:extLst>
-          </p:cNvPr>
-          <p:cNvPicPr/>
+          <p:cNvPr id="8" name="Picture 7">
+            <a:extLst>
+              <a:ext uri="{FF2B5EF4-FFF2-40B4-BE49-F238E27FC236}">
+                <a16:creationId xmlns:a16="http://schemas.microsoft.com/office/drawing/2014/main" id="{F50AB535-CCD4-1287-6160-B505A2C6B06A}"/>
+              </a:ext>
+            </a:extLst>
+          </p:cNvPr>
+          <p:cNvPicPr>
+            <a:picLocks noChangeAspect="1"/>
+          </p:cNvPicPr>
           <p:nvPr/>
         </p:nvPicPr>
         <p:blipFill>
@@ -3615,8 +4252,8 @@
         </p:blipFill>
         <p:spPr>
           <a:xfrm>
-            <a:off x="718582" y="315247"/>
-            <a:ext cx="4481855" cy="4457700"/>
+            <a:off x="1199535" y="1693967"/>
+            <a:ext cx="3731114" cy="2474910"/>
           </a:xfrm>
           <a:prstGeom prst="rect">
             <a:avLst/>
@@ -3625,31 +4262,156 @@
       </p:pic>
       <p:pic>
         <p:nvPicPr>
-          <p:cNvPr id="2" name="New picture">
-            <a:extLst>
-              <a:ext uri="{FF2B5EF4-FFF2-40B4-BE49-F238E27FC236}">
-                <a16:creationId xmlns:a16="http://schemas.microsoft.com/office/drawing/2014/main" id="{1C0FEE85-ED5E-9421-7B71-63657C0209B2}"/>
-              </a:ext>
-            </a:extLst>
-          </p:cNvPr>
-          <p:cNvPicPr/>
+          <p:cNvPr id="10" name="Picture 9">
+            <a:extLst>
+              <a:ext uri="{FF2B5EF4-FFF2-40B4-BE49-F238E27FC236}">
+                <a16:creationId xmlns:a16="http://schemas.microsoft.com/office/drawing/2014/main" id="{7192CC7C-7C8F-7AAE-E4AD-ACE94106878C}"/>
+              </a:ext>
+            </a:extLst>
+          </p:cNvPr>
+          <p:cNvPicPr>
+            <a:picLocks noChangeAspect="1"/>
+          </p:cNvPicPr>
           <p:nvPr/>
         </p:nvPicPr>
         <p:blipFill>
-          <a:blip r:embed="rId2"/>
-          <a:srcRect l="2632" t="61415" r="1938" b="809"/>
-          <a:stretch/>
+          <a:blip r:embed="rId3"/>
+          <a:stretch>
+            <a:fillRect/>
+          </a:stretch>
         </p:blipFill>
         <p:spPr>
           <a:xfrm>
-            <a:off x="5981700" y="1259901"/>
-            <a:ext cx="4277032" cy="1683959"/>
+            <a:off x="5221518" y="1829334"/>
+            <a:ext cx="6271803" cy="2339543"/>
           </a:xfrm>
           <a:prstGeom prst="rect">
             <a:avLst/>
           </a:prstGeom>
         </p:spPr>
       </p:pic>
+      <p:sp>
+        <p:nvSpPr>
+          <p:cNvPr id="2" name="Rectangle 1">
+            <a:extLst>
+              <a:ext uri="{FF2B5EF4-FFF2-40B4-BE49-F238E27FC236}">
+                <a16:creationId xmlns:a16="http://schemas.microsoft.com/office/drawing/2014/main" id="{6743BB82-8806-0A2B-EBDB-72E70A8AF6FB}"/>
+              </a:ext>
+            </a:extLst>
+          </p:cNvPr>
+          <p:cNvSpPr/>
+          <p:nvPr/>
+        </p:nvSpPr>
+        <p:spPr>
+          <a:xfrm>
+            <a:off x="1892596" y="683452"/>
+            <a:ext cx="2344992" cy="508820"/>
+          </a:xfrm>
+          <a:prstGeom prst="rect">
+            <a:avLst/>
+          </a:prstGeom>
+          <a:solidFill>
+            <a:srgbClr val="003E2F"/>
+          </a:solidFill>
+        </p:spPr>
+        <p:style>
+          <a:lnRef idx="2">
+            <a:schemeClr val="accent1">
+              <a:shade val="15000"/>
+            </a:schemeClr>
+          </a:lnRef>
+          <a:fillRef idx="1">
+            <a:schemeClr val="accent1"/>
+          </a:fillRef>
+          <a:effectRef idx="0">
+            <a:schemeClr val="accent1"/>
+          </a:effectRef>
+          <a:fontRef idx="minor">
+            <a:schemeClr val="lt1"/>
+          </a:fontRef>
+        </p:style>
+        <p:txBody>
+          <a:bodyPr rtlCol="0" anchor="ctr"/>
+          <a:lstStyle/>
+          <a:p>
+            <a:pPr algn="ctr"/>
+            <a:r>
+              <a:rPr lang="en-US" dirty="0">
+                <a:latin typeface="Lato" panose="020F0502020204030203" pitchFamily="34" charset="0"/>
+                <a:ea typeface="Lato" panose="020F0502020204030203" pitchFamily="34" charset="0"/>
+                <a:cs typeface="Lato" panose="020F0502020204030203" pitchFamily="34" charset="0"/>
+              </a:rPr>
+              <a:t>Code to do mapping</a:t>
+            </a:r>
+            <a:endParaRPr lang="en-SG" dirty="0">
+              <a:latin typeface="Lato" panose="020F0502020204030203" pitchFamily="34" charset="0"/>
+              <a:ea typeface="Lato" panose="020F0502020204030203" pitchFamily="34" charset="0"/>
+              <a:cs typeface="Lato" panose="020F0502020204030203" pitchFamily="34" charset="0"/>
+            </a:endParaRPr>
+          </a:p>
+        </p:txBody>
+      </p:sp>
+      <p:sp>
+        <p:nvSpPr>
+          <p:cNvPr id="4" name="Rectangle 3">
+            <a:extLst>
+              <a:ext uri="{FF2B5EF4-FFF2-40B4-BE49-F238E27FC236}">
+                <a16:creationId xmlns:a16="http://schemas.microsoft.com/office/drawing/2014/main" id="{A0475BAB-A13C-8C08-7494-6DD3C03D253A}"/>
+              </a:ext>
+            </a:extLst>
+          </p:cNvPr>
+          <p:cNvSpPr/>
+          <p:nvPr/>
+        </p:nvSpPr>
+        <p:spPr>
+          <a:xfrm>
+            <a:off x="7192294" y="683452"/>
+            <a:ext cx="1966453" cy="508820"/>
+          </a:xfrm>
+          <a:prstGeom prst="rect">
+            <a:avLst/>
+          </a:prstGeom>
+          <a:solidFill>
+            <a:srgbClr val="003E2F"/>
+          </a:solidFill>
+        </p:spPr>
+        <p:style>
+          <a:lnRef idx="2">
+            <a:schemeClr val="accent1">
+              <a:shade val="15000"/>
+            </a:schemeClr>
+          </a:lnRef>
+          <a:fillRef idx="1">
+            <a:schemeClr val="accent1"/>
+          </a:fillRef>
+          <a:effectRef idx="0">
+            <a:schemeClr val="accent1"/>
+          </a:effectRef>
+          <a:fontRef idx="minor">
+            <a:schemeClr val="lt1"/>
+          </a:fontRef>
+        </p:style>
+        <p:txBody>
+          <a:bodyPr rtlCol="0" anchor="ctr"/>
+          <a:lstStyle/>
+          <a:p>
+            <a:pPr algn="ctr"/>
+            <a:r>
+              <a:rPr lang="en-US" dirty="0">
+                <a:latin typeface="Lato" panose="020F0502020204030203" pitchFamily="34" charset="0"/>
+                <a:ea typeface="Lato" panose="020F0502020204030203" pitchFamily="34" charset="0"/>
+                <a:cs typeface="Lato" panose="020F0502020204030203" pitchFamily="34" charset="0"/>
+              </a:rPr>
+              <a:t>Code to validate</a:t>
+            </a:r>
+            <a:endParaRPr lang="en-SG" dirty="0">
+              <a:latin typeface="Lato" panose="020F0502020204030203" pitchFamily="34" charset="0"/>
+              <a:ea typeface="Lato" panose="020F0502020204030203" pitchFamily="34" charset="0"/>
+              <a:cs typeface="Lato" panose="020F0502020204030203" pitchFamily="34" charset="0"/>
+            </a:endParaRPr>
+          </a:p>
+        </p:txBody>
+      </p:sp>
     </p:spTree>
     <p:extLst>
       <p:ext uri="{BB962C8B-B14F-4D97-AF65-F5344CB8AC3E}">
@@ -3682,10 +4444,10 @@
       </p:grpSpPr>
       <p:sp>
         <p:nvSpPr>
-          <p:cNvPr id="5" name="TextBox 4">
-            <a:extLst>
-              <a:ext uri="{FF2B5EF4-FFF2-40B4-BE49-F238E27FC236}">
-                <a16:creationId xmlns:a16="http://schemas.microsoft.com/office/drawing/2014/main" id="{E3D502C9-C28E-8B81-A9B4-5726C3141859}"/>
+          <p:cNvPr id="7" name="TextBox 6">
+            <a:extLst>
+              <a:ext uri="{FF2B5EF4-FFF2-40B4-BE49-F238E27FC236}">
+                <a16:creationId xmlns:a16="http://schemas.microsoft.com/office/drawing/2014/main" id="{F34B7508-B46F-2C13-328F-4CEEB13B9FB9}"/>
               </a:ext>
             </a:extLst>
           </p:cNvPr>
@@ -3694,8 +4456,8 @@
         </p:nvSpPr>
         <p:spPr>
           <a:xfrm>
-            <a:off x="5906946" y="4444243"/>
-            <a:ext cx="5828145" cy="646331"/>
+            <a:off x="1071716" y="3274142"/>
+            <a:ext cx="4365523" cy="369332"/>
           </a:xfrm>
           <a:prstGeom prst="rect">
             <a:avLst/>
@@ -3703,291 +4465,84 @@
           <a:noFill/>
         </p:spPr>
         <p:txBody>
-          <a:bodyPr wrap="square">
+          <a:bodyPr wrap="square" rtlCol="0">
             <a:spAutoFit/>
           </a:bodyPr>
           <a:lstStyle/>
           <a:p>
             <a:r>
-              <a:rPr lang="en-US" b="1" i="0" dirty="0">
-                <a:solidFill>
-                  <a:srgbClr val="5C5C5C"/>
-                </a:solidFill>
-                <a:effectLst/>
-                <a:latin typeface="__Inter_aa45b7"/>
-              </a:rPr>
-              <a:t>Crowd of people wearing face masks</a:t>
-            </a:r>
-            <a:r>
-              <a:rPr lang="en-US" b="1" dirty="0">
-                <a:solidFill>
-                  <a:srgbClr val="5C5C5C"/>
-                </a:solidFill>
-                <a:latin typeface="__Inter_aa45b7"/>
-              </a:rPr>
-              <a:t> d</a:t>
-            </a:r>
-            <a:r>
-              <a:rPr lang="en-US" b="1" i="0" dirty="0">
-                <a:solidFill>
-                  <a:srgbClr val="5C5C5C"/>
-                </a:solidFill>
-                <a:effectLst/>
-                <a:latin typeface="__Inter_aa45b7"/>
-              </a:rPr>
-              <a:t>esigned by </a:t>
-            </a:r>
-            <a:r>
-              <a:rPr lang="en-US" b="1" i="0" dirty="0" err="1">
-                <a:solidFill>
-                  <a:srgbClr val="5C5C5C"/>
-                </a:solidFill>
-                <a:effectLst/>
-                <a:latin typeface="__Inter_aa45b7"/>
-              </a:rPr>
-              <a:t>Freepik</a:t>
-            </a:r>
-            <a:r>
-              <a:rPr lang="en-US" b="1" i="0" dirty="0">
-                <a:solidFill>
-                  <a:srgbClr val="5C5C5C"/>
-                </a:solidFill>
-                <a:effectLst/>
-                <a:latin typeface="__Inter_aa45b7"/>
-              </a:rPr>
-              <a:t> https://www.freepik.com/author/freepik</a:t>
+              <a:rPr lang="en-US" dirty="0"/>
+              <a:t>Show data</a:t>
             </a:r>
             <a:endParaRPr lang="en-SG" dirty="0"/>
           </a:p>
         </p:txBody>
       </p:sp>
-      <p:pic>
-        <p:nvPicPr>
-          <p:cNvPr id="7" name="Picture 6">
-            <a:extLst>
-              <a:ext uri="{FF2B5EF4-FFF2-40B4-BE49-F238E27FC236}">
-                <a16:creationId xmlns:a16="http://schemas.microsoft.com/office/drawing/2014/main" id="{42DA296D-9866-E23A-689F-1244D814F7C5}"/>
-              </a:ext>
-            </a:extLst>
-          </p:cNvPr>
-          <p:cNvPicPr>
-            <a:picLocks noChangeAspect="1"/>
-          </p:cNvPicPr>
+      <p:sp>
+        <p:nvSpPr>
+          <p:cNvPr id="2" name="Rectangle 1">
+            <a:extLst>
+              <a:ext uri="{FF2B5EF4-FFF2-40B4-BE49-F238E27FC236}">
+                <a16:creationId xmlns:a16="http://schemas.microsoft.com/office/drawing/2014/main" id="{BD944281-0F2F-A49F-52DA-72BF2BC8EAE3}"/>
+              </a:ext>
+            </a:extLst>
+          </p:cNvPr>
+          <p:cNvSpPr/>
           <p:nvPr/>
-        </p:nvPicPr>
-        <p:blipFill>
-          <a:blip r:embed="rId2">
-            <a:extLst>
-              <a:ext uri="{28A0092B-C50C-407E-A947-70E740481C1C}">
-                <a14:useLocalDpi xmlns:a14="http://schemas.microsoft.com/office/drawing/2010/main" val="0"/>
-              </a:ext>
-            </a:extLst>
-          </a:blip>
-          <a:stretch>
-            <a:fillRect/>
-          </a:stretch>
-        </p:blipFill>
+        </p:nvSpPr>
         <p:spPr>
           <a:xfrm>
-            <a:off x="5637738" y="305025"/>
-            <a:ext cx="5828145" cy="3885430"/>
+            <a:off x="786580" y="156212"/>
+            <a:ext cx="4473677" cy="561544"/>
           </a:xfrm>
           <a:prstGeom prst="rect">
             <a:avLst/>
           </a:prstGeom>
+          <a:solidFill>
+            <a:srgbClr val="003E2F"/>
+          </a:solidFill>
         </p:spPr>
-      </p:pic>
-      <p:sp>
-        <p:nvSpPr>
-          <p:cNvPr id="11" name="TextBox 10">
-            <a:extLst>
-              <a:ext uri="{FF2B5EF4-FFF2-40B4-BE49-F238E27FC236}">
-                <a16:creationId xmlns:a16="http://schemas.microsoft.com/office/drawing/2014/main" id="{CAE8A0A5-E519-267D-AB75-3310E9E295D9}"/>
-              </a:ext>
-            </a:extLst>
-          </p:cNvPr>
-          <p:cNvSpPr txBox="1"/>
-          <p:nvPr/>
-        </p:nvSpPr>
-        <p:spPr>
-          <a:xfrm>
-            <a:off x="726117" y="4502245"/>
-            <a:ext cx="4881623" cy="923330"/>
-          </a:xfrm>
-          <a:prstGeom prst="rect">
-            <a:avLst/>
-          </a:prstGeom>
-          <a:noFill/>
-        </p:spPr>
-        <p:txBody>
-          <a:bodyPr wrap="square">
-            <a:spAutoFit/>
-          </a:bodyPr>
-          <a:lstStyle/>
-          <a:p>
-            <a:r>
-              <a:rPr lang="en-US" b="1" i="0" dirty="0">
-                <a:solidFill>
-                  <a:srgbClr val="5C5C5C"/>
-                </a:solidFill>
-                <a:effectLst/>
-                <a:latin typeface="__Inter_aa45b7"/>
+        <p:style>
+          <a:lnRef idx="2">
+            <a:schemeClr val="accent1">
+              <a:shade val="15000"/>
+            </a:schemeClr>
+          </a:lnRef>
+          <a:fillRef idx="1">
+            <a:schemeClr val="accent1"/>
+          </a:fillRef>
+          <a:effectRef idx="0">
+            <a:schemeClr val="accent1"/>
+          </a:effectRef>
+          <a:fontRef idx="minor">
+            <a:schemeClr val="lt1"/>
+          </a:fontRef>
+        </p:style>
+        <p:txBody>
+          <a:bodyPr rtlCol="0" anchor="ctr"/>
+          <a:lstStyle/>
+          <a:p>
+            <a:pPr algn="ctr"/>
+            <a:r>
+              <a:rPr lang="en-US" sz="2000" dirty="0">
+                <a:latin typeface="Lato" panose="020F0502020204030203" pitchFamily="34" charset="0"/>
+                <a:ea typeface="Lato" panose="020F0502020204030203" pitchFamily="34" charset="0"/>
+                <a:cs typeface="Lato" panose="020F0502020204030203" pitchFamily="34" charset="0"/>
               </a:rPr>
-              <a:t>Hand drawn flat design overwhelmed people illustration </a:t>
-            </a:r>
-            <a:r>
-              <a:rPr lang="en-US" b="1" dirty="0">
-                <a:solidFill>
-                  <a:srgbClr val="5C5C5C"/>
-                </a:solidFill>
-                <a:latin typeface="__Inter_aa45b7"/>
-              </a:rPr>
-              <a:t>d</a:t>
-            </a:r>
-            <a:r>
-              <a:rPr lang="en-US" b="1" i="0" dirty="0">
-                <a:solidFill>
-                  <a:srgbClr val="5C5C5C"/>
-                </a:solidFill>
-                <a:effectLst/>
-                <a:latin typeface="__Inter_aa45b7"/>
-              </a:rPr>
-              <a:t>esigned by </a:t>
-            </a:r>
-            <a:r>
-              <a:rPr lang="en-US" b="1" i="0" dirty="0" err="1">
-                <a:solidFill>
-                  <a:srgbClr val="5C5C5C"/>
-                </a:solidFill>
-                <a:effectLst/>
-                <a:latin typeface="__Inter_aa45b7"/>
-              </a:rPr>
-              <a:t>Freepik</a:t>
-            </a:r>
-            <a:r>
-              <a:rPr lang="en-US" b="1" i="0" dirty="0">
-                <a:solidFill>
-                  <a:srgbClr val="5C5C5C"/>
-                </a:solidFill>
-                <a:effectLst/>
-                <a:latin typeface="__Inter_aa45b7"/>
-              </a:rPr>
-              <a:t> https://www.freepik.com/author/freepik</a:t>
-            </a:r>
-            <a:endParaRPr lang="en-SG" dirty="0"/>
-          </a:p>
-        </p:txBody>
-      </p:sp>
-      <p:pic>
-        <p:nvPicPr>
-          <p:cNvPr id="13" name="Picture 12">
-            <a:extLst>
-              <a:ext uri="{FF2B5EF4-FFF2-40B4-BE49-F238E27FC236}">
-                <a16:creationId xmlns:a16="http://schemas.microsoft.com/office/drawing/2014/main" id="{0107FF42-CFC7-003A-EDDC-18E145A08C35}"/>
-              </a:ext>
-            </a:extLst>
-          </p:cNvPr>
-          <p:cNvPicPr>
-            <a:picLocks noChangeAspect="1"/>
-          </p:cNvPicPr>
-          <p:nvPr/>
-        </p:nvPicPr>
-        <p:blipFill>
-          <a:blip r:embed="rId3">
-            <a:extLst>
-              <a:ext uri="{28A0092B-C50C-407E-A947-70E740481C1C}">
-                <a14:useLocalDpi xmlns:a14="http://schemas.microsoft.com/office/drawing/2010/main" val="0"/>
-              </a:ext>
-            </a:extLst>
-          </a:blip>
-          <a:stretch>
-            <a:fillRect/>
-          </a:stretch>
-        </p:blipFill>
-        <p:spPr>
-          <a:xfrm>
-            <a:off x="726117" y="305025"/>
-            <a:ext cx="3903757" cy="3903757"/>
-          </a:xfrm>
-          <a:prstGeom prst="rect">
-            <a:avLst/>
-          </a:prstGeom>
-        </p:spPr>
-      </p:pic>
-      <p:sp>
-        <p:nvSpPr>
-          <p:cNvPr id="15" name="TextBox 14">
-            <a:extLst>
-              <a:ext uri="{FF2B5EF4-FFF2-40B4-BE49-F238E27FC236}">
-                <a16:creationId xmlns:a16="http://schemas.microsoft.com/office/drawing/2014/main" id="{29B11598-C234-3452-AAA5-D3EB9F79162B}"/>
-              </a:ext>
-            </a:extLst>
-          </p:cNvPr>
-          <p:cNvSpPr txBox="1"/>
-          <p:nvPr/>
-        </p:nvSpPr>
-        <p:spPr>
-          <a:xfrm>
-            <a:off x="280687" y="5906644"/>
-            <a:ext cx="6094070" cy="646331"/>
-          </a:xfrm>
-          <a:prstGeom prst="rect">
-            <a:avLst/>
-          </a:prstGeom>
-          <a:noFill/>
-        </p:spPr>
-        <p:txBody>
-          <a:bodyPr wrap="square">
-            <a:spAutoFit/>
-          </a:bodyPr>
-          <a:lstStyle/>
-          <a:p>
-            <a:r>
-              <a:rPr lang="en-SG" dirty="0"/>
-              <a:t>https://www.freepik.com/free-vector/hand-drawn-flat-design-overwhelmed-people-illustration_24683083.htm</a:t>
-            </a:r>
-          </a:p>
-        </p:txBody>
-      </p:sp>
-      <p:sp>
-        <p:nvSpPr>
-          <p:cNvPr id="17" name="TextBox 16">
-            <a:extLst>
-              <a:ext uri="{FF2B5EF4-FFF2-40B4-BE49-F238E27FC236}">
-                <a16:creationId xmlns:a16="http://schemas.microsoft.com/office/drawing/2014/main" id="{EB072B7F-FB46-E719-BFA6-9228EEDCE82C}"/>
-              </a:ext>
-            </a:extLst>
-          </p:cNvPr>
-          <p:cNvSpPr txBox="1"/>
-          <p:nvPr/>
-        </p:nvSpPr>
-        <p:spPr>
-          <a:xfrm>
-            <a:off x="6374757" y="5902502"/>
-            <a:ext cx="6094070" cy="646331"/>
-          </a:xfrm>
-          <a:prstGeom prst="rect">
-            <a:avLst/>
-          </a:prstGeom>
-          <a:noFill/>
-        </p:spPr>
-        <p:txBody>
-          <a:bodyPr wrap="square">
-            <a:spAutoFit/>
-          </a:bodyPr>
-          <a:lstStyle/>
-          <a:p>
-            <a:r>
-              <a:rPr lang="en-SG" dirty="0"/>
-              <a:t>https://www.freepik.com/free-vector/crowd-people-wearing-face-masks_8445486.htm</a:t>
-            </a:r>
+              <a:t>Show examples that the code works</a:t>
+            </a:r>
+            <a:endParaRPr lang="en-SG" sz="2000" dirty="0">
+              <a:latin typeface="Lato" panose="020F0502020204030203" pitchFamily="34" charset="0"/>
+              <a:ea typeface="Lato" panose="020F0502020204030203" pitchFamily="34" charset="0"/>
+              <a:cs typeface="Lato" panose="020F0502020204030203" pitchFamily="34" charset="0"/>
+            </a:endParaRPr>
           </a:p>
         </p:txBody>
       </p:sp>
     </p:spTree>
     <p:extLst>
       <p:ext uri="{BB962C8B-B14F-4D97-AF65-F5344CB8AC3E}">
-        <p14:creationId xmlns:p14="http://schemas.microsoft.com/office/powerpoint/2010/main" val="3669215954"/>
+        <p14:creationId xmlns:p14="http://schemas.microsoft.com/office/powerpoint/2010/main" val="3360594054"/>
       </p:ext>
     </p:extLst>
   </p:cSld>
@@ -4002,7 +4557,13 @@
   <p:cSld>
     <p:spTree>
       <p:nvGrpSpPr>
-        <p:cNvPr id="1" name=""/>
+        <p:cNvPr id="1" name="">
+          <a:extLst>
+            <a:ext uri="{FF2B5EF4-FFF2-40B4-BE49-F238E27FC236}">
+              <a16:creationId xmlns:a16="http://schemas.microsoft.com/office/drawing/2014/main" id="{1BA22CFD-0261-1430-7EFD-6D24CD27BD96}"/>
+            </a:ext>
+          </a:extLst>
+        </p:cNvPr>
         <p:cNvGrpSpPr/>
         <p:nvPr/>
       </p:nvGrpSpPr>
@@ -4014,128 +4575,12 @@
           <a:chExt cx="0" cy="0"/>
         </a:xfrm>
       </p:grpSpPr>
-      <p:sp>
-        <p:nvSpPr>
-          <p:cNvPr id="5" name="TextBox 4">
-            <a:extLst>
-              <a:ext uri="{FF2B5EF4-FFF2-40B4-BE49-F238E27FC236}">
-                <a16:creationId xmlns:a16="http://schemas.microsoft.com/office/drawing/2014/main" id="{3CD0E91A-AC9D-2FB1-D7D2-51249B0CFEFA}"/>
-              </a:ext>
-            </a:extLst>
-          </p:cNvPr>
-          <p:cNvSpPr txBox="1"/>
-          <p:nvPr/>
-        </p:nvSpPr>
-        <p:spPr>
-          <a:xfrm>
-            <a:off x="581628" y="4001294"/>
-            <a:ext cx="6094070" cy="646331"/>
-          </a:xfrm>
-          <a:prstGeom prst="rect">
-            <a:avLst/>
-          </a:prstGeom>
-          <a:noFill/>
-        </p:spPr>
-        <p:txBody>
-          <a:bodyPr wrap="square">
-            <a:spAutoFit/>
-          </a:bodyPr>
-          <a:lstStyle/>
-          <a:p>
-            <a:r>
-              <a:rPr lang="en-SG" b="1" i="0" dirty="0">
-                <a:solidFill>
-                  <a:srgbClr val="5C5C5C"/>
-                </a:solidFill>
-                <a:effectLst/>
-                <a:latin typeface="__Inter_aa45b7"/>
-              </a:rPr>
-              <a:t>Hand drawn college entrance exam illustration </a:t>
-            </a:r>
-            <a:r>
-              <a:rPr lang="en-US" b="1" dirty="0">
-                <a:solidFill>
-                  <a:srgbClr val="5C5C5C"/>
-                </a:solidFill>
-                <a:latin typeface="__Inter_aa45b7"/>
-              </a:rPr>
-              <a:t>d</a:t>
-            </a:r>
-            <a:r>
-              <a:rPr lang="en-US" b="1" i="0" dirty="0">
-                <a:solidFill>
-                  <a:srgbClr val="5C5C5C"/>
-                </a:solidFill>
-                <a:effectLst/>
-                <a:latin typeface="__Inter_aa45b7"/>
-              </a:rPr>
-              <a:t>esigned by </a:t>
-            </a:r>
-            <a:r>
-              <a:rPr lang="en-US" b="1" i="0" dirty="0" err="1">
-                <a:solidFill>
-                  <a:srgbClr val="5C5C5C"/>
-                </a:solidFill>
-                <a:effectLst/>
-                <a:latin typeface="__Inter_aa45b7"/>
-              </a:rPr>
-              <a:t>Freepik</a:t>
-            </a:r>
-            <a:r>
-              <a:rPr lang="en-US" b="1" i="0" dirty="0">
-                <a:solidFill>
-                  <a:srgbClr val="5C5C5C"/>
-                </a:solidFill>
-                <a:effectLst/>
-                <a:latin typeface="__Inter_aa45b7"/>
-              </a:rPr>
-              <a:t> https://www.freepik.com/author/freepik</a:t>
-            </a:r>
-            <a:endParaRPr lang="en-SG" dirty="0"/>
-          </a:p>
-        </p:txBody>
-      </p:sp>
-      <p:sp>
-        <p:nvSpPr>
-          <p:cNvPr id="7" name="TextBox 6">
-            <a:extLst>
-              <a:ext uri="{FF2B5EF4-FFF2-40B4-BE49-F238E27FC236}">
-                <a16:creationId xmlns:a16="http://schemas.microsoft.com/office/drawing/2014/main" id="{3059A547-8333-0518-BA43-24B29D9934B5}"/>
-              </a:ext>
-            </a:extLst>
-          </p:cNvPr>
-          <p:cNvSpPr txBox="1"/>
-          <p:nvPr/>
-        </p:nvSpPr>
-        <p:spPr>
-          <a:xfrm>
-            <a:off x="1930" y="4995402"/>
-            <a:ext cx="6094070" cy="646331"/>
-          </a:xfrm>
-          <a:prstGeom prst="rect">
-            <a:avLst/>
-          </a:prstGeom>
-          <a:noFill/>
-        </p:spPr>
-        <p:txBody>
-          <a:bodyPr wrap="square">
-            <a:spAutoFit/>
-          </a:bodyPr>
-          <a:lstStyle/>
-          <a:p>
-            <a:r>
-              <a:rPr lang="en-SG" dirty="0"/>
-              <a:t>https://www.freepik.com/free-vector/hand-drawn-college-entrance-exam-illustration_41156802.htm</a:t>
-            </a:r>
-          </a:p>
-        </p:txBody>
-      </p:sp>
       <p:pic>
         <p:nvPicPr>
-          <p:cNvPr id="11" name="Picture 10">
-            <a:extLst>
-              <a:ext uri="{FF2B5EF4-FFF2-40B4-BE49-F238E27FC236}">
-                <a16:creationId xmlns:a16="http://schemas.microsoft.com/office/drawing/2014/main" id="{498CC1AD-484A-0B11-04B1-357F000A1324}"/>
+          <p:cNvPr id="6" name="Picture 5">
+            <a:extLst>
+              <a:ext uri="{FF2B5EF4-FFF2-40B4-BE49-F238E27FC236}">
+                <a16:creationId xmlns:a16="http://schemas.microsoft.com/office/drawing/2014/main" id="{4D42E1F7-E742-8FEA-9CB2-46BF9C839CB6}"/>
               </a:ext>
             </a:extLst>
           </p:cNvPr>
@@ -4145,160 +4590,151 @@
           <p:nvPr/>
         </p:nvPicPr>
         <p:blipFill>
-          <a:blip r:embed="rId2">
-            <a:extLst>
-              <a:ext uri="{28A0092B-C50C-407E-A947-70E740481C1C}">
-                <a14:useLocalDpi xmlns:a14="http://schemas.microsoft.com/office/drawing/2010/main" val="0"/>
-              </a:ext>
-            </a:extLst>
-          </a:blip>
+          <a:blip r:embed="rId2"/>
+          <a:srcRect t="35515" r="56063"/>
+          <a:stretch/>
+        </p:blipFill>
+        <p:spPr>
+          <a:xfrm>
+            <a:off x="801328" y="1582993"/>
+            <a:ext cx="4124634" cy="904568"/>
+          </a:xfrm>
+          <a:prstGeom prst="rect">
+            <a:avLst/>
+          </a:prstGeom>
+        </p:spPr>
+      </p:pic>
+      <p:sp>
+        <p:nvSpPr>
+          <p:cNvPr id="3" name="Rectangle 2">
+            <a:extLst>
+              <a:ext uri="{FF2B5EF4-FFF2-40B4-BE49-F238E27FC236}">
+                <a16:creationId xmlns:a16="http://schemas.microsoft.com/office/drawing/2014/main" id="{EDFF889C-1F56-1582-4131-7DAED5F5EED5}"/>
+              </a:ext>
+            </a:extLst>
+          </p:cNvPr>
+          <p:cNvSpPr/>
+          <p:nvPr/>
+        </p:nvSpPr>
+        <p:spPr>
+          <a:xfrm>
+            <a:off x="1804217" y="680466"/>
+            <a:ext cx="2059857" cy="679657"/>
+          </a:xfrm>
+          <a:prstGeom prst="rect">
+            <a:avLst/>
+          </a:prstGeom>
+          <a:solidFill>
+            <a:srgbClr val="003E2F"/>
+          </a:solidFill>
+        </p:spPr>
+        <p:style>
+          <a:lnRef idx="2">
+            <a:schemeClr val="accent1">
+              <a:shade val="15000"/>
+            </a:schemeClr>
+          </a:lnRef>
+          <a:fillRef idx="1">
+            <a:schemeClr val="accent1"/>
+          </a:fillRef>
+          <a:effectRef idx="0">
+            <a:schemeClr val="accent1"/>
+          </a:effectRef>
+          <a:fontRef idx="minor">
+            <a:schemeClr val="lt1"/>
+          </a:fontRef>
+        </p:style>
+        <p:txBody>
+          <a:bodyPr rtlCol="0" anchor="ctr"/>
+          <a:lstStyle/>
+          <a:p>
+            <a:pPr algn="ctr"/>
+            <a:r>
+              <a:rPr lang="en-US" dirty="0">
+                <a:latin typeface="Lato" panose="020F0502020204030203" pitchFamily="34" charset="0"/>
+                <a:ea typeface="Lato" panose="020F0502020204030203" pitchFamily="34" charset="0"/>
+                <a:cs typeface="Lato" panose="020F0502020204030203" pitchFamily="34" charset="0"/>
+              </a:rPr>
+              <a:t>Clean up variables for merging</a:t>
+            </a:r>
+            <a:endParaRPr lang="en-SG" dirty="0">
+              <a:latin typeface="Lato" panose="020F0502020204030203" pitchFamily="34" charset="0"/>
+              <a:ea typeface="Lato" panose="020F0502020204030203" pitchFamily="34" charset="0"/>
+              <a:cs typeface="Lato" panose="020F0502020204030203" pitchFamily="34" charset="0"/>
+            </a:endParaRPr>
+          </a:p>
+        </p:txBody>
+      </p:sp>
+    </p:spTree>
+    <p:extLst>
+      <p:ext uri="{BB962C8B-B14F-4D97-AF65-F5344CB8AC3E}">
+        <p14:creationId xmlns:p14="http://schemas.microsoft.com/office/powerpoint/2010/main" val="2920380530"/>
+      </p:ext>
+    </p:extLst>
+  </p:cSld>
+  <p:clrMapOvr>
+    <a:masterClrMapping/>
+  </p:clrMapOvr>
+</p:sld>
+</file>
+
+<file path=ppt/slides/slide7.xml><?xml version="1.0" encoding="utf-8"?>
+<p:sld xmlns:a="http://schemas.openxmlformats.org/drawingml/2006/main" xmlns:r="http://schemas.openxmlformats.org/officeDocument/2006/relationships" xmlns:p="http://schemas.openxmlformats.org/presentationml/2006/main">
+  <p:cSld>
+    <p:spTree>
+      <p:nvGrpSpPr>
+        <p:cNvPr id="1" name="">
+          <a:extLst>
+            <a:ext uri="{FF2B5EF4-FFF2-40B4-BE49-F238E27FC236}">
+              <a16:creationId xmlns:a16="http://schemas.microsoft.com/office/drawing/2014/main" id="{0FFEE4CF-9F80-1FB8-B38D-ED52EE1B076F}"/>
+            </a:ext>
+          </a:extLst>
+        </p:cNvPr>
+        <p:cNvGrpSpPr/>
+        <p:nvPr/>
+      </p:nvGrpSpPr>
+      <p:grpSpPr>
+        <a:xfrm>
+          <a:off x="0" y="0"/>
+          <a:ext cx="0" cy="0"/>
+          <a:chOff x="0" y="0"/>
+          <a:chExt cx="0" cy="0"/>
+        </a:xfrm>
+      </p:grpSpPr>
+      <p:pic>
+        <p:nvPicPr>
+          <p:cNvPr id="5" name="Picture 4">
+            <a:extLst>
+              <a:ext uri="{FF2B5EF4-FFF2-40B4-BE49-F238E27FC236}">
+                <a16:creationId xmlns:a16="http://schemas.microsoft.com/office/drawing/2014/main" id="{32A3A947-9B7F-AB7B-3C0C-AFFCDE307FF4}"/>
+              </a:ext>
+            </a:extLst>
+          </p:cNvPr>
+          <p:cNvPicPr>
+            <a:picLocks noChangeAspect="1"/>
+          </p:cNvPicPr>
+          <p:nvPr/>
+        </p:nvPicPr>
+        <p:blipFill>
+          <a:blip r:embed="rId2"/>
           <a:stretch>
             <a:fillRect/>
           </a:stretch>
         </p:blipFill>
         <p:spPr>
           <a:xfrm>
-            <a:off x="1034970" y="0"/>
-            <a:ext cx="3653517" cy="3653517"/>
+            <a:off x="852530" y="252367"/>
+            <a:ext cx="4642583" cy="4864928"/>
           </a:xfrm>
           <a:prstGeom prst="rect">
             <a:avLst/>
           </a:prstGeom>
         </p:spPr>
       </p:pic>
-      <p:grpSp>
-        <p:nvGrpSpPr>
-          <p:cNvPr id="20" name="Group 19">
-            <a:extLst>
-              <a:ext uri="{FF2B5EF4-FFF2-40B4-BE49-F238E27FC236}">
-                <a16:creationId xmlns:a16="http://schemas.microsoft.com/office/drawing/2014/main" id="{9B482876-401D-5BA3-3216-B3613A15D63C}"/>
-              </a:ext>
-            </a:extLst>
-          </p:cNvPr>
-          <p:cNvGrpSpPr/>
-          <p:nvPr/>
-        </p:nvGrpSpPr>
-        <p:grpSpPr>
-          <a:xfrm>
-            <a:off x="7306870" y="852374"/>
-            <a:ext cx="3598927" cy="3795251"/>
-            <a:chOff x="7338256" y="698090"/>
-            <a:chExt cx="3598927" cy="3795251"/>
-          </a:xfrm>
-        </p:grpSpPr>
-        <p:pic>
-          <p:nvPicPr>
-            <p:cNvPr id="13" name="Picture 12">
-              <a:extLst>
-                <a:ext uri="{FF2B5EF4-FFF2-40B4-BE49-F238E27FC236}">
-                  <a16:creationId xmlns:a16="http://schemas.microsoft.com/office/drawing/2014/main" id="{41245587-2895-62AC-1D50-808B2D24A00D}"/>
-                </a:ext>
-              </a:extLst>
-            </p:cNvPr>
-            <p:cNvPicPr>
-              <a:picLocks noChangeAspect="1"/>
-            </p:cNvPicPr>
-            <p:nvPr/>
-          </p:nvPicPr>
-          <p:blipFill>
-            <a:blip r:embed="rId3">
-              <a:extLst>
-                <a:ext uri="{28A0092B-C50C-407E-A947-70E740481C1C}">
-                  <a14:useLocalDpi xmlns:a14="http://schemas.microsoft.com/office/drawing/2010/main" val="0"/>
-                </a:ext>
-              </a:extLst>
-            </a:blip>
-            <a:stretch>
-              <a:fillRect/>
-            </a:stretch>
-          </p:blipFill>
-          <p:spPr>
-            <a:xfrm>
-              <a:off x="7338256" y="2410439"/>
-              <a:ext cx="1796406" cy="2082902"/>
-            </a:xfrm>
-            <a:prstGeom prst="rect">
-              <a:avLst/>
-            </a:prstGeom>
-          </p:spPr>
-        </p:pic>
-        <p:pic>
-          <p:nvPicPr>
-            <p:cNvPr id="19" name="Picture 18">
-              <a:extLst>
-                <a:ext uri="{FF2B5EF4-FFF2-40B4-BE49-F238E27FC236}">
-                  <a16:creationId xmlns:a16="http://schemas.microsoft.com/office/drawing/2014/main" id="{F624D1A9-8708-C796-3709-13CB6DEABB86}"/>
-                </a:ext>
-              </a:extLst>
-            </p:cNvPr>
-            <p:cNvPicPr>
-              <a:picLocks noChangeAspect="1"/>
-            </p:cNvPicPr>
-            <p:nvPr/>
-          </p:nvPicPr>
-          <p:blipFill>
-            <a:blip r:embed="rId4">
-              <a:extLst>
-                <a:ext uri="{28A0092B-C50C-407E-A947-70E740481C1C}">
-                  <a14:useLocalDpi xmlns:a14="http://schemas.microsoft.com/office/drawing/2010/main" val="0"/>
-                </a:ext>
-              </a:extLst>
-            </a:blip>
-            <a:stretch>
-              <a:fillRect/>
-            </a:stretch>
-          </p:blipFill>
-          <p:spPr>
-            <a:xfrm>
-              <a:off x="9140777" y="2412562"/>
-              <a:ext cx="1796406" cy="2080779"/>
-            </a:xfrm>
-            <a:prstGeom prst="rect">
-              <a:avLst/>
-            </a:prstGeom>
-          </p:spPr>
-        </p:pic>
-        <p:pic>
-          <p:nvPicPr>
-            <p:cNvPr id="15" name="Picture 14">
-              <a:extLst>
-                <a:ext uri="{FF2B5EF4-FFF2-40B4-BE49-F238E27FC236}">
-                  <a16:creationId xmlns:a16="http://schemas.microsoft.com/office/drawing/2014/main" id="{DDEA85EC-83AE-BE98-3128-25C2B60EF69D}"/>
-                </a:ext>
-              </a:extLst>
-            </p:cNvPr>
-            <p:cNvPicPr>
-              <a:picLocks noChangeAspect="1"/>
-            </p:cNvPicPr>
-            <p:nvPr/>
-          </p:nvPicPr>
-          <p:blipFill>
-            <a:blip r:embed="rId5">
-              <a:extLst>
-                <a:ext uri="{28A0092B-C50C-407E-A947-70E740481C1C}">
-                  <a14:useLocalDpi xmlns:a14="http://schemas.microsoft.com/office/drawing/2010/main" val="0"/>
-                </a:ext>
-              </a:extLst>
-            </a:blip>
-            <a:stretch>
-              <a:fillRect/>
-            </a:stretch>
-          </p:blipFill>
-          <p:spPr>
-            <a:xfrm>
-              <a:off x="8022264" y="698090"/>
-              <a:ext cx="2230911" cy="2310581"/>
-            </a:xfrm>
-            <a:prstGeom prst="rect">
-              <a:avLst/>
-            </a:prstGeom>
-          </p:spPr>
-        </p:pic>
-      </p:grpSp>
     </p:spTree>
     <p:extLst>
       <p:ext uri="{BB962C8B-B14F-4D97-AF65-F5344CB8AC3E}">
-        <p14:creationId xmlns:p14="http://schemas.microsoft.com/office/powerpoint/2010/main" val="2373842009"/>
+        <p14:creationId xmlns:p14="http://schemas.microsoft.com/office/powerpoint/2010/main" val="3615868238"/>
       </p:ext>
     </p:extLst>
   </p:cSld>

--- a/images/image_maker.pptx
+++ b/images/image_maker.pptx
@@ -5,13 +5,16 @@
     <p:sldMasterId id="2147483648" r:id="rId1"/>
   </p:sldMasterIdLst>
   <p:sldIdLst>
-    <p:sldId id="258" r:id="rId2"/>
-    <p:sldId id="259" r:id="rId3"/>
-    <p:sldId id="263" r:id="rId4"/>
-    <p:sldId id="260" r:id="rId5"/>
-    <p:sldId id="261" r:id="rId6"/>
-    <p:sldId id="262" r:id="rId7"/>
-    <p:sldId id="264" r:id="rId8"/>
+    <p:sldId id="267" r:id="rId2"/>
+    <p:sldId id="258" r:id="rId3"/>
+    <p:sldId id="259" r:id="rId4"/>
+    <p:sldId id="263" r:id="rId5"/>
+    <p:sldId id="260" r:id="rId6"/>
+    <p:sldId id="261" r:id="rId7"/>
+    <p:sldId id="262" r:id="rId8"/>
+    <p:sldId id="264" r:id="rId9"/>
+    <p:sldId id="265" r:id="rId10"/>
+    <p:sldId id="266" r:id="rId11"/>
   </p:sldIdLst>
   <p:sldSz cx="12192000" cy="6858000"/>
   <p:notesSz cx="6858000" cy="9144000"/>
@@ -267,7 +270,7 @@
           <a:p>
             <a:fld id="{C4C33896-74DC-4DC9-8FFE-C8D9D6A25E64}" type="datetimeFigureOut">
               <a:rPr lang="en-SG" smtClean="0"/>
-              <a:t>20/5/2025</a:t>
+              <a:t>21/5/2025</a:t>
             </a:fld>
             <a:endParaRPr lang="en-SG"/>
           </a:p>
@@ -467,7 +470,7 @@
           <a:p>
             <a:fld id="{C4C33896-74DC-4DC9-8FFE-C8D9D6A25E64}" type="datetimeFigureOut">
               <a:rPr lang="en-SG" smtClean="0"/>
-              <a:t>20/5/2025</a:t>
+              <a:t>21/5/2025</a:t>
             </a:fld>
             <a:endParaRPr lang="en-SG"/>
           </a:p>
@@ -677,7 +680,7 @@
           <a:p>
             <a:fld id="{C4C33896-74DC-4DC9-8FFE-C8D9D6A25E64}" type="datetimeFigureOut">
               <a:rPr lang="en-SG" smtClean="0"/>
-              <a:t>20/5/2025</a:t>
+              <a:t>21/5/2025</a:t>
             </a:fld>
             <a:endParaRPr lang="en-SG"/>
           </a:p>
@@ -877,7 +880,7 @@
           <a:p>
             <a:fld id="{C4C33896-74DC-4DC9-8FFE-C8D9D6A25E64}" type="datetimeFigureOut">
               <a:rPr lang="en-SG" smtClean="0"/>
-              <a:t>20/5/2025</a:t>
+              <a:t>21/5/2025</a:t>
             </a:fld>
             <a:endParaRPr lang="en-SG"/>
           </a:p>
@@ -1153,7 +1156,7 @@
           <a:p>
             <a:fld id="{C4C33896-74DC-4DC9-8FFE-C8D9D6A25E64}" type="datetimeFigureOut">
               <a:rPr lang="en-SG" smtClean="0"/>
-              <a:t>20/5/2025</a:t>
+              <a:t>21/5/2025</a:t>
             </a:fld>
             <a:endParaRPr lang="en-SG"/>
           </a:p>
@@ -1421,7 +1424,7 @@
           <a:p>
             <a:fld id="{C4C33896-74DC-4DC9-8FFE-C8D9D6A25E64}" type="datetimeFigureOut">
               <a:rPr lang="en-SG" smtClean="0"/>
-              <a:t>20/5/2025</a:t>
+              <a:t>21/5/2025</a:t>
             </a:fld>
             <a:endParaRPr lang="en-SG"/>
           </a:p>
@@ -1836,7 +1839,7 @@
           <a:p>
             <a:fld id="{C4C33896-74DC-4DC9-8FFE-C8D9D6A25E64}" type="datetimeFigureOut">
               <a:rPr lang="en-SG" smtClean="0"/>
-              <a:t>20/5/2025</a:t>
+              <a:t>21/5/2025</a:t>
             </a:fld>
             <a:endParaRPr lang="en-SG"/>
           </a:p>
@@ -1978,7 +1981,7 @@
           <a:p>
             <a:fld id="{C4C33896-74DC-4DC9-8FFE-C8D9D6A25E64}" type="datetimeFigureOut">
               <a:rPr lang="en-SG" smtClean="0"/>
-              <a:t>20/5/2025</a:t>
+              <a:t>21/5/2025</a:t>
             </a:fld>
             <a:endParaRPr lang="en-SG"/>
           </a:p>
@@ -2091,7 +2094,7 @@
           <a:p>
             <a:fld id="{C4C33896-74DC-4DC9-8FFE-C8D9D6A25E64}" type="datetimeFigureOut">
               <a:rPr lang="en-SG" smtClean="0"/>
-              <a:t>20/5/2025</a:t>
+              <a:t>21/5/2025</a:t>
             </a:fld>
             <a:endParaRPr lang="en-SG"/>
           </a:p>
@@ -2404,7 +2407,7 @@
           <a:p>
             <a:fld id="{C4C33896-74DC-4DC9-8FFE-C8D9D6A25E64}" type="datetimeFigureOut">
               <a:rPr lang="en-SG" smtClean="0"/>
-              <a:t>20/5/2025</a:t>
+              <a:t>21/5/2025</a:t>
             </a:fld>
             <a:endParaRPr lang="en-SG"/>
           </a:p>
@@ -2693,7 +2696,7 @@
           <a:p>
             <a:fld id="{C4C33896-74DC-4DC9-8FFE-C8D9D6A25E64}" type="datetimeFigureOut">
               <a:rPr lang="en-SG" smtClean="0"/>
-              <a:t>20/5/2025</a:t>
+              <a:t>21/5/2025</a:t>
             </a:fld>
             <a:endParaRPr lang="en-SG"/>
           </a:p>
@@ -2936,7 +2939,7 @@
           <a:p>
             <a:fld id="{C4C33896-74DC-4DC9-8FFE-C8D9D6A25E64}" type="datetimeFigureOut">
               <a:rPr lang="en-SG" smtClean="0"/>
-              <a:t>20/5/2025</a:t>
+              <a:t>21/5/2025</a:t>
             </a:fld>
             <a:endParaRPr lang="en-SG"/>
           </a:p>
@@ -3337,6 +3340,827 @@
 </file>
 
 <file path=ppt/slides/slide1.xml><?xml version="1.0" encoding="utf-8"?>
+<p:sld xmlns:a="http://schemas.openxmlformats.org/drawingml/2006/main" xmlns:r="http://schemas.openxmlformats.org/officeDocument/2006/relationships" xmlns:p="http://schemas.openxmlformats.org/presentationml/2006/main">
+  <p:cSld>
+    <p:spTree>
+      <p:nvGrpSpPr>
+        <p:cNvPr id="1" name=""/>
+        <p:cNvGrpSpPr/>
+        <p:nvPr/>
+      </p:nvGrpSpPr>
+      <p:grpSpPr>
+        <a:xfrm>
+          <a:off x="0" y="0"/>
+          <a:ext cx="0" cy="0"/>
+          <a:chOff x="0" y="0"/>
+          <a:chExt cx="0" cy="0"/>
+        </a:xfrm>
+      </p:grpSpPr>
+      <p:grpSp>
+        <p:nvGrpSpPr>
+          <p:cNvPr id="27" name="Group 26">
+            <a:extLst>
+              <a:ext uri="{FF2B5EF4-FFF2-40B4-BE49-F238E27FC236}">
+                <a16:creationId xmlns:a16="http://schemas.microsoft.com/office/drawing/2014/main" id="{713BAADC-C7D8-59D9-C829-8FBA5E293235}"/>
+              </a:ext>
+            </a:extLst>
+          </p:cNvPr>
+          <p:cNvGrpSpPr/>
+          <p:nvPr/>
+        </p:nvGrpSpPr>
+        <p:grpSpPr>
+          <a:xfrm>
+            <a:off x="226145" y="432461"/>
+            <a:ext cx="11402953" cy="3720154"/>
+            <a:chOff x="226145" y="432461"/>
+            <a:chExt cx="11402953" cy="3720154"/>
+          </a:xfrm>
+        </p:grpSpPr>
+        <p:sp>
+          <p:nvSpPr>
+            <p:cNvPr id="10" name="Oval 9">
+              <a:extLst>
+                <a:ext uri="{FF2B5EF4-FFF2-40B4-BE49-F238E27FC236}">
+                  <a16:creationId xmlns:a16="http://schemas.microsoft.com/office/drawing/2014/main" id="{EDBAF1C4-3530-32BC-A34A-3253F2B77BED}"/>
+                </a:ext>
+              </a:extLst>
+            </p:cNvPr>
+            <p:cNvSpPr/>
+            <p:nvPr/>
+          </p:nvSpPr>
+          <p:spPr>
+            <a:xfrm>
+              <a:off x="4901380" y="432461"/>
+              <a:ext cx="2172927" cy="2172612"/>
+            </a:xfrm>
+            <a:prstGeom prst="ellipse">
+              <a:avLst/>
+            </a:prstGeom>
+            <a:solidFill>
+              <a:srgbClr val="660066"/>
+            </a:solidFill>
+          </p:spPr>
+          <p:style>
+            <a:lnRef idx="2">
+              <a:schemeClr val="accent1">
+                <a:shade val="15000"/>
+              </a:schemeClr>
+            </a:lnRef>
+            <a:fillRef idx="1">
+              <a:schemeClr val="accent1"/>
+            </a:fillRef>
+            <a:effectRef idx="0">
+              <a:schemeClr val="accent1"/>
+            </a:effectRef>
+            <a:fontRef idx="minor">
+              <a:schemeClr val="lt1"/>
+            </a:fontRef>
+          </p:style>
+          <p:txBody>
+            <a:bodyPr rtlCol="0" anchor="ctr"/>
+            <a:lstStyle/>
+            <a:p>
+              <a:pPr algn="ctr"/>
+              <a:r>
+                <a:rPr lang="en-US" dirty="0">
+                  <a:latin typeface="Lato" panose="020F0502020204030203" pitchFamily="34" charset="0"/>
+                  <a:ea typeface="Lato" panose="020F0502020204030203" pitchFamily="34" charset="0"/>
+                  <a:cs typeface="Lato" panose="020F0502020204030203" pitchFamily="34" charset="0"/>
+                </a:rPr>
+                <a:t>Return to collaborator cleaned / </a:t>
+              </a:r>
+              <a:r>
+                <a:rPr lang="en-US" dirty="0" err="1">
+                  <a:latin typeface="Lato" panose="020F0502020204030203" pitchFamily="34" charset="0"/>
+                  <a:ea typeface="Lato" panose="020F0502020204030203" pitchFamily="34" charset="0"/>
+                  <a:cs typeface="Lato" panose="020F0502020204030203" pitchFamily="34" charset="0"/>
+                </a:rPr>
+                <a:t>harmonised</a:t>
+              </a:r>
+              <a:r>
+                <a:rPr lang="en-US" dirty="0">
+                  <a:latin typeface="Lato" panose="020F0502020204030203" pitchFamily="34" charset="0"/>
+                  <a:ea typeface="Lato" panose="020F0502020204030203" pitchFamily="34" charset="0"/>
+                  <a:cs typeface="Lato" panose="020F0502020204030203" pitchFamily="34" charset="0"/>
+                </a:rPr>
+                <a:t> dataset and report</a:t>
+              </a:r>
+            </a:p>
+          </p:txBody>
+        </p:sp>
+        <p:sp>
+          <p:nvSpPr>
+            <p:cNvPr id="12" name="Rectangle 11">
+              <a:extLst>
+                <a:ext uri="{FF2B5EF4-FFF2-40B4-BE49-F238E27FC236}">
+                  <a16:creationId xmlns:a16="http://schemas.microsoft.com/office/drawing/2014/main" id="{90B80D38-D17C-1D0D-30E5-44EDBDAA4138}"/>
+                </a:ext>
+              </a:extLst>
+            </p:cNvPr>
+            <p:cNvSpPr/>
+            <p:nvPr/>
+          </p:nvSpPr>
+          <p:spPr>
+            <a:xfrm>
+              <a:off x="300500" y="2790027"/>
+              <a:ext cx="2024215" cy="643427"/>
+            </a:xfrm>
+            <a:prstGeom prst="rect">
+              <a:avLst/>
+            </a:prstGeom>
+            <a:solidFill>
+              <a:srgbClr val="003E2F"/>
+            </a:solidFill>
+          </p:spPr>
+          <p:style>
+            <a:lnRef idx="2">
+              <a:schemeClr val="accent1">
+                <a:shade val="15000"/>
+              </a:schemeClr>
+            </a:lnRef>
+            <a:fillRef idx="1">
+              <a:schemeClr val="accent1"/>
+            </a:fillRef>
+            <a:effectRef idx="0">
+              <a:schemeClr val="accent1"/>
+            </a:effectRef>
+            <a:fontRef idx="minor">
+              <a:schemeClr val="lt1"/>
+            </a:fontRef>
+          </p:style>
+          <p:txBody>
+            <a:bodyPr rtlCol="0" anchor="ctr"/>
+            <a:lstStyle/>
+            <a:p>
+              <a:pPr algn="ctr"/>
+              <a:r>
+                <a:rPr lang="en-US" sz="1400" dirty="0">
+                  <a:latin typeface="Lato" panose="020F0502020204030203" pitchFamily="34" charset="0"/>
+                  <a:ea typeface="Lato" panose="020F0502020204030203" pitchFamily="34" charset="0"/>
+                  <a:cs typeface="Lato" panose="020F0502020204030203" pitchFamily="34" charset="0"/>
+                </a:rPr>
+                <a:t>Provide a data dictionary</a:t>
+              </a:r>
+            </a:p>
+          </p:txBody>
+        </p:sp>
+        <p:sp>
+          <p:nvSpPr>
+            <p:cNvPr id="13" name="Rectangle 12">
+              <a:extLst>
+                <a:ext uri="{FF2B5EF4-FFF2-40B4-BE49-F238E27FC236}">
+                  <a16:creationId xmlns:a16="http://schemas.microsoft.com/office/drawing/2014/main" id="{D19E9D6B-F554-F98E-052A-99DB0D363AF6}"/>
+                </a:ext>
+              </a:extLst>
+            </p:cNvPr>
+            <p:cNvSpPr/>
+            <p:nvPr/>
+          </p:nvSpPr>
+          <p:spPr>
+            <a:xfrm>
+              <a:off x="300500" y="3509187"/>
+              <a:ext cx="2024215" cy="643427"/>
+            </a:xfrm>
+            <a:prstGeom prst="rect">
+              <a:avLst/>
+            </a:prstGeom>
+            <a:solidFill>
+              <a:srgbClr val="003E2F"/>
+            </a:solidFill>
+          </p:spPr>
+          <p:style>
+            <a:lnRef idx="2">
+              <a:schemeClr val="accent1">
+                <a:shade val="15000"/>
+              </a:schemeClr>
+            </a:lnRef>
+            <a:fillRef idx="1">
+              <a:schemeClr val="accent1"/>
+            </a:fillRef>
+            <a:effectRef idx="0">
+              <a:schemeClr val="accent1"/>
+            </a:effectRef>
+            <a:fontRef idx="minor">
+              <a:schemeClr val="lt1"/>
+            </a:fontRef>
+          </p:style>
+          <p:txBody>
+            <a:bodyPr rtlCol="0" anchor="ctr"/>
+            <a:lstStyle/>
+            <a:p>
+              <a:pPr algn="ctr"/>
+              <a:r>
+                <a:rPr lang="en-US" sz="1400" dirty="0">
+                  <a:latin typeface="Lato" panose="020F0502020204030203" pitchFamily="34" charset="0"/>
+                  <a:ea typeface="Lato" panose="020F0502020204030203" pitchFamily="34" charset="0"/>
+                  <a:cs typeface="Lato" panose="020F0502020204030203" pitchFamily="34" charset="0"/>
+                </a:rPr>
+                <a:t>Provide an input template file</a:t>
+              </a:r>
+              <a:endParaRPr lang="en-SG" sz="1400" dirty="0">
+                <a:latin typeface="Lato" panose="020F0502020204030203" pitchFamily="34" charset="0"/>
+                <a:ea typeface="Lato" panose="020F0502020204030203" pitchFamily="34" charset="0"/>
+                <a:cs typeface="Lato" panose="020F0502020204030203" pitchFamily="34" charset="0"/>
+              </a:endParaRPr>
+            </a:p>
+          </p:txBody>
+        </p:sp>
+        <p:sp>
+          <p:nvSpPr>
+            <p:cNvPr id="4" name="Oval 3">
+              <a:extLst>
+                <a:ext uri="{FF2B5EF4-FFF2-40B4-BE49-F238E27FC236}">
+                  <a16:creationId xmlns:a16="http://schemas.microsoft.com/office/drawing/2014/main" id="{A0B6C0A0-23D1-F701-6981-D0C62E91708F}"/>
+                </a:ext>
+              </a:extLst>
+            </p:cNvPr>
+            <p:cNvSpPr/>
+            <p:nvPr/>
+          </p:nvSpPr>
+          <p:spPr>
+            <a:xfrm>
+              <a:off x="226145" y="432461"/>
+              <a:ext cx="2172927" cy="2172612"/>
+            </a:xfrm>
+            <a:prstGeom prst="ellipse">
+              <a:avLst/>
+            </a:prstGeom>
+            <a:solidFill>
+              <a:srgbClr val="660066"/>
+            </a:solidFill>
+          </p:spPr>
+          <p:style>
+            <a:lnRef idx="2">
+              <a:schemeClr val="accent1">
+                <a:shade val="15000"/>
+              </a:schemeClr>
+            </a:lnRef>
+            <a:fillRef idx="1">
+              <a:schemeClr val="accent1"/>
+            </a:fillRef>
+            <a:effectRef idx="0">
+              <a:schemeClr val="accent1"/>
+            </a:effectRef>
+            <a:fontRef idx="minor">
+              <a:schemeClr val="lt1"/>
+            </a:fontRef>
+          </p:style>
+          <p:txBody>
+            <a:bodyPr rtlCol="0" anchor="ctr"/>
+            <a:lstStyle/>
+            <a:p>
+              <a:pPr algn="ctr"/>
+              <a:r>
+                <a:rPr lang="en-US" dirty="0">
+                  <a:latin typeface="Lato" panose="020F0502020204030203" pitchFamily="34" charset="0"/>
+                  <a:ea typeface="Lato" panose="020F0502020204030203" pitchFamily="34" charset="0"/>
+                  <a:cs typeface="Lato" panose="020F0502020204030203" pitchFamily="34" charset="0"/>
+                </a:rPr>
+                <a:t>Liaise with collaborator on what variables we need and collect them</a:t>
+              </a:r>
+            </a:p>
+          </p:txBody>
+        </p:sp>
+        <p:sp>
+          <p:nvSpPr>
+            <p:cNvPr id="11" name="Oval 10">
+              <a:extLst>
+                <a:ext uri="{FF2B5EF4-FFF2-40B4-BE49-F238E27FC236}">
+                  <a16:creationId xmlns:a16="http://schemas.microsoft.com/office/drawing/2014/main" id="{32F7A395-A419-937A-FFDE-15249254871C}"/>
+                </a:ext>
+              </a:extLst>
+            </p:cNvPr>
+            <p:cNvSpPr/>
+            <p:nvPr/>
+          </p:nvSpPr>
+          <p:spPr>
+            <a:xfrm>
+              <a:off x="9456171" y="432461"/>
+              <a:ext cx="2172927" cy="2172612"/>
+            </a:xfrm>
+            <a:prstGeom prst="ellipse">
+              <a:avLst/>
+            </a:prstGeom>
+            <a:solidFill>
+              <a:srgbClr val="660066"/>
+            </a:solidFill>
+          </p:spPr>
+          <p:style>
+            <a:lnRef idx="2">
+              <a:schemeClr val="accent1">
+                <a:shade val="15000"/>
+              </a:schemeClr>
+            </a:lnRef>
+            <a:fillRef idx="1">
+              <a:schemeClr val="accent1"/>
+            </a:fillRef>
+            <a:effectRef idx="0">
+              <a:schemeClr val="accent1"/>
+            </a:effectRef>
+            <a:fontRef idx="minor">
+              <a:schemeClr val="lt1"/>
+            </a:fontRef>
+          </p:style>
+          <p:txBody>
+            <a:bodyPr rtlCol="0" anchor="ctr"/>
+            <a:lstStyle/>
+            <a:p>
+              <a:pPr algn="ctr"/>
+              <a:r>
+                <a:rPr lang="en-US" dirty="0">
+                  <a:latin typeface="Lato" panose="020F0502020204030203" pitchFamily="34" charset="0"/>
+                  <a:ea typeface="Lato" panose="020F0502020204030203" pitchFamily="34" charset="0"/>
+                  <a:cs typeface="Lato" panose="020F0502020204030203" pitchFamily="34" charset="0"/>
+                </a:rPr>
+                <a:t>Provide analyst team combined data for further analysis </a:t>
+              </a:r>
+            </a:p>
+          </p:txBody>
+        </p:sp>
+        <p:cxnSp>
+          <p:nvCxnSpPr>
+            <p:cNvPr id="14" name="Straight Arrow Connector 13">
+              <a:extLst>
+                <a:ext uri="{FF2B5EF4-FFF2-40B4-BE49-F238E27FC236}">
+                  <a16:creationId xmlns:a16="http://schemas.microsoft.com/office/drawing/2014/main" id="{4CD1DD12-4EC6-DAD8-A340-8F1E3FF908D7}"/>
+                </a:ext>
+              </a:extLst>
+            </p:cNvPr>
+            <p:cNvCxnSpPr>
+              <a:cxnSpLocks/>
+              <a:stCxn id="4" idx="6"/>
+              <a:endCxn id="10" idx="2"/>
+            </p:cNvCxnSpPr>
+            <p:nvPr/>
+          </p:nvCxnSpPr>
+          <p:spPr>
+            <a:xfrm>
+              <a:off x="2399072" y="1518767"/>
+              <a:ext cx="2502308" cy="0"/>
+            </a:xfrm>
+            <a:prstGeom prst="straightConnector1">
+              <a:avLst/>
+            </a:prstGeom>
+            <a:ln w="57150">
+              <a:solidFill>
+                <a:schemeClr val="tx1"/>
+              </a:solidFill>
+              <a:tailEnd type="triangle"/>
+            </a:ln>
+          </p:spPr>
+          <p:style>
+            <a:lnRef idx="1">
+              <a:schemeClr val="accent1"/>
+            </a:lnRef>
+            <a:fillRef idx="0">
+              <a:schemeClr val="accent1"/>
+            </a:fillRef>
+            <a:effectRef idx="0">
+              <a:schemeClr val="accent1"/>
+            </a:effectRef>
+            <a:fontRef idx="minor">
+              <a:schemeClr val="tx1"/>
+            </a:fontRef>
+          </p:style>
+        </p:cxnSp>
+        <p:sp>
+          <p:nvSpPr>
+            <p:cNvPr id="18" name="Rectangle: Rounded Corners 17">
+              <a:extLst>
+                <a:ext uri="{FF2B5EF4-FFF2-40B4-BE49-F238E27FC236}">
+                  <a16:creationId xmlns:a16="http://schemas.microsoft.com/office/drawing/2014/main" id="{DA0A5165-C198-EAB3-DF20-C815371D3F87}"/>
+                </a:ext>
+              </a:extLst>
+            </p:cNvPr>
+            <p:cNvSpPr/>
+            <p:nvPr/>
+          </p:nvSpPr>
+          <p:spPr>
+            <a:xfrm>
+              <a:off x="2657175" y="578886"/>
+              <a:ext cx="1877955" cy="762900"/>
+            </a:xfrm>
+            <a:prstGeom prst="roundRect">
+              <a:avLst/>
+            </a:prstGeom>
+          </p:spPr>
+          <p:style>
+            <a:lnRef idx="2">
+              <a:schemeClr val="accent1">
+                <a:shade val="15000"/>
+              </a:schemeClr>
+            </a:lnRef>
+            <a:fillRef idx="1">
+              <a:schemeClr val="accent1"/>
+            </a:fillRef>
+            <a:effectRef idx="0">
+              <a:schemeClr val="accent1"/>
+            </a:effectRef>
+            <a:fontRef idx="minor">
+              <a:schemeClr val="lt1"/>
+            </a:fontRef>
+          </p:style>
+          <p:txBody>
+            <a:bodyPr rtlCol="0" anchor="ctr"/>
+            <a:lstStyle/>
+            <a:p>
+              <a:pPr algn="ctr"/>
+              <a:r>
+                <a:rPr lang="en-US" sz="1400" dirty="0" err="1">
+                  <a:latin typeface="Lato" panose="020F0502020204030203" pitchFamily="34" charset="0"/>
+                  <a:ea typeface="Lato" panose="020F0502020204030203" pitchFamily="34" charset="0"/>
+                  <a:cs typeface="Lato" panose="020F0502020204030203" pitchFamily="34" charset="0"/>
+                </a:rPr>
+                <a:t>Harmonise</a:t>
+              </a:r>
+              <a:r>
+                <a:rPr lang="en-US" sz="1400" dirty="0">
+                  <a:latin typeface="Lato" panose="020F0502020204030203" pitchFamily="34" charset="0"/>
+                  <a:ea typeface="Lato" panose="020F0502020204030203" pitchFamily="34" charset="0"/>
+                  <a:cs typeface="Lato" panose="020F0502020204030203" pitchFamily="34" charset="0"/>
+                </a:rPr>
+                <a:t> data provided from each collaborator</a:t>
+              </a:r>
+              <a:endParaRPr lang="en-SG" sz="1400" dirty="0">
+                <a:latin typeface="Lato" panose="020F0502020204030203" pitchFamily="34" charset="0"/>
+                <a:ea typeface="Lato" panose="020F0502020204030203" pitchFamily="34" charset="0"/>
+                <a:cs typeface="Lato" panose="020F0502020204030203" pitchFamily="34" charset="0"/>
+              </a:endParaRPr>
+            </a:p>
+          </p:txBody>
+        </p:sp>
+        <p:cxnSp>
+          <p:nvCxnSpPr>
+            <p:cNvPr id="19" name="Straight Arrow Connector 18">
+              <a:extLst>
+                <a:ext uri="{FF2B5EF4-FFF2-40B4-BE49-F238E27FC236}">
+                  <a16:creationId xmlns:a16="http://schemas.microsoft.com/office/drawing/2014/main" id="{24E0513D-2195-9608-431B-CE9B54CECC30}"/>
+                </a:ext>
+              </a:extLst>
+            </p:cNvPr>
+            <p:cNvCxnSpPr>
+              <a:cxnSpLocks/>
+              <a:stCxn id="10" idx="6"/>
+              <a:endCxn id="11" idx="2"/>
+            </p:cNvCxnSpPr>
+            <p:nvPr/>
+          </p:nvCxnSpPr>
+          <p:spPr>
+            <a:xfrm>
+              <a:off x="7074307" y="1518767"/>
+              <a:ext cx="2381864" cy="0"/>
+            </a:xfrm>
+            <a:prstGeom prst="straightConnector1">
+              <a:avLst/>
+            </a:prstGeom>
+            <a:ln w="57150">
+              <a:solidFill>
+                <a:schemeClr val="tx1"/>
+              </a:solidFill>
+              <a:tailEnd type="triangle"/>
+            </a:ln>
+          </p:spPr>
+          <p:style>
+            <a:lnRef idx="1">
+              <a:schemeClr val="accent1"/>
+            </a:lnRef>
+            <a:fillRef idx="0">
+              <a:schemeClr val="accent1"/>
+            </a:fillRef>
+            <a:effectRef idx="0">
+              <a:schemeClr val="accent1"/>
+            </a:effectRef>
+            <a:fontRef idx="minor">
+              <a:schemeClr val="tx1"/>
+            </a:fontRef>
+          </p:style>
+        </p:cxnSp>
+        <p:sp>
+          <p:nvSpPr>
+            <p:cNvPr id="22" name="Rectangle 21">
+              <a:extLst>
+                <a:ext uri="{FF2B5EF4-FFF2-40B4-BE49-F238E27FC236}">
+                  <a16:creationId xmlns:a16="http://schemas.microsoft.com/office/drawing/2014/main" id="{8C1E4CE9-CDD7-1251-2D8C-353283556657}"/>
+                </a:ext>
+              </a:extLst>
+            </p:cNvPr>
+            <p:cNvSpPr/>
+            <p:nvPr/>
+          </p:nvSpPr>
+          <p:spPr>
+            <a:xfrm>
+              <a:off x="4901380" y="2790027"/>
+              <a:ext cx="2172927" cy="643426"/>
+            </a:xfrm>
+            <a:prstGeom prst="rect">
+              <a:avLst/>
+            </a:prstGeom>
+            <a:solidFill>
+              <a:srgbClr val="003E2F"/>
+            </a:solidFill>
+          </p:spPr>
+          <p:style>
+            <a:lnRef idx="2">
+              <a:schemeClr val="accent1">
+                <a:shade val="15000"/>
+              </a:schemeClr>
+            </a:lnRef>
+            <a:fillRef idx="1">
+              <a:schemeClr val="accent1"/>
+            </a:fillRef>
+            <a:effectRef idx="0">
+              <a:schemeClr val="accent1"/>
+            </a:effectRef>
+            <a:fontRef idx="minor">
+              <a:schemeClr val="lt1"/>
+            </a:fontRef>
+          </p:style>
+          <p:txBody>
+            <a:bodyPr rtlCol="0" anchor="ctr"/>
+            <a:lstStyle/>
+            <a:p>
+              <a:pPr algn="ctr"/>
+              <a:r>
+                <a:rPr lang="en-US" sz="1400" dirty="0">
+                  <a:latin typeface="Lato" panose="020F0502020204030203" pitchFamily="34" charset="0"/>
+                  <a:ea typeface="Lato" panose="020F0502020204030203" pitchFamily="34" charset="0"/>
+                  <a:cs typeface="Lato" panose="020F0502020204030203" pitchFamily="34" charset="0"/>
+                </a:rPr>
+                <a:t>Return harmonized data and data dictionary</a:t>
+              </a:r>
+            </a:p>
+          </p:txBody>
+        </p:sp>
+        <p:sp>
+          <p:nvSpPr>
+            <p:cNvPr id="23" name="Rectangle 22">
+              <a:extLst>
+                <a:ext uri="{FF2B5EF4-FFF2-40B4-BE49-F238E27FC236}">
+                  <a16:creationId xmlns:a16="http://schemas.microsoft.com/office/drawing/2014/main" id="{FCB32665-B1EA-C18C-597A-BB9DF00B4924}"/>
+                </a:ext>
+              </a:extLst>
+            </p:cNvPr>
+            <p:cNvSpPr/>
+            <p:nvPr/>
+          </p:nvSpPr>
+          <p:spPr>
+            <a:xfrm>
+              <a:off x="4901380" y="3509188"/>
+              <a:ext cx="2172927" cy="643427"/>
+            </a:xfrm>
+            <a:prstGeom prst="rect">
+              <a:avLst/>
+            </a:prstGeom>
+            <a:solidFill>
+              <a:srgbClr val="003E2F"/>
+            </a:solidFill>
+          </p:spPr>
+          <p:style>
+            <a:lnRef idx="2">
+              <a:schemeClr val="accent1">
+                <a:shade val="15000"/>
+              </a:schemeClr>
+            </a:lnRef>
+            <a:fillRef idx="1">
+              <a:schemeClr val="accent1"/>
+            </a:fillRef>
+            <a:effectRef idx="0">
+              <a:schemeClr val="accent1"/>
+            </a:effectRef>
+            <a:fontRef idx="minor">
+              <a:schemeClr val="lt1"/>
+            </a:fontRef>
+          </p:style>
+          <p:txBody>
+            <a:bodyPr rtlCol="0" anchor="ctr"/>
+            <a:lstStyle/>
+            <a:p>
+              <a:pPr algn="ctr"/>
+              <a:r>
+                <a:rPr lang="en-US" sz="1400" dirty="0">
+                  <a:latin typeface="Lato" panose="020F0502020204030203" pitchFamily="34" charset="0"/>
+                  <a:ea typeface="Lato" panose="020F0502020204030203" pitchFamily="34" charset="0"/>
+                  <a:cs typeface="Lato" panose="020F0502020204030203" pitchFamily="34" charset="0"/>
+                </a:rPr>
+                <a:t>Return cleaning/ harmonization report</a:t>
+              </a:r>
+              <a:endParaRPr lang="en-SG" sz="1400" dirty="0">
+                <a:latin typeface="Lato" panose="020F0502020204030203" pitchFamily="34" charset="0"/>
+                <a:ea typeface="Lato" panose="020F0502020204030203" pitchFamily="34" charset="0"/>
+                <a:cs typeface="Lato" panose="020F0502020204030203" pitchFamily="34" charset="0"/>
+              </a:endParaRPr>
+            </a:p>
+          </p:txBody>
+        </p:sp>
+        <p:sp>
+          <p:nvSpPr>
+            <p:cNvPr id="24" name="Rectangle: Rounded Corners 23">
+              <a:extLst>
+                <a:ext uri="{FF2B5EF4-FFF2-40B4-BE49-F238E27FC236}">
+                  <a16:creationId xmlns:a16="http://schemas.microsoft.com/office/drawing/2014/main" id="{FB1B901D-24CE-218D-FFD6-E19E42C6B79C}"/>
+                </a:ext>
+              </a:extLst>
+            </p:cNvPr>
+            <p:cNvSpPr/>
+            <p:nvPr/>
+          </p:nvSpPr>
+          <p:spPr>
+            <a:xfrm>
+              <a:off x="7326261" y="553989"/>
+              <a:ext cx="1877955" cy="787797"/>
+            </a:xfrm>
+            <a:prstGeom prst="roundRect">
+              <a:avLst/>
+            </a:prstGeom>
+          </p:spPr>
+          <p:style>
+            <a:lnRef idx="2">
+              <a:schemeClr val="accent1">
+                <a:shade val="15000"/>
+              </a:schemeClr>
+            </a:lnRef>
+            <a:fillRef idx="1">
+              <a:schemeClr val="accent1"/>
+            </a:fillRef>
+            <a:effectRef idx="0">
+              <a:schemeClr val="accent1"/>
+            </a:effectRef>
+            <a:fontRef idx="minor">
+              <a:schemeClr val="lt1"/>
+            </a:fontRef>
+          </p:style>
+          <p:txBody>
+            <a:bodyPr rtlCol="0" anchor="ctr"/>
+            <a:lstStyle/>
+            <a:p>
+              <a:pPr algn="ctr"/>
+              <a:r>
+                <a:rPr lang="en-US" sz="1400" dirty="0">
+                  <a:latin typeface="Lato" panose="020F0502020204030203" pitchFamily="34" charset="0"/>
+                  <a:ea typeface="Lato" panose="020F0502020204030203" pitchFamily="34" charset="0"/>
+                  <a:cs typeface="Lato" panose="020F0502020204030203" pitchFamily="34" charset="0"/>
+                </a:rPr>
+                <a:t>Combine/Filter harmonized data from all cohorts </a:t>
+              </a:r>
+              <a:endParaRPr lang="en-SG" sz="1400" dirty="0">
+                <a:latin typeface="Lato" panose="020F0502020204030203" pitchFamily="34" charset="0"/>
+                <a:ea typeface="Lato" panose="020F0502020204030203" pitchFamily="34" charset="0"/>
+                <a:cs typeface="Lato" panose="020F0502020204030203" pitchFamily="34" charset="0"/>
+              </a:endParaRPr>
+            </a:p>
+          </p:txBody>
+        </p:sp>
+        <p:sp>
+          <p:nvSpPr>
+            <p:cNvPr id="25" name="Rectangle 24">
+              <a:extLst>
+                <a:ext uri="{FF2B5EF4-FFF2-40B4-BE49-F238E27FC236}">
+                  <a16:creationId xmlns:a16="http://schemas.microsoft.com/office/drawing/2014/main" id="{10429252-860A-0DE0-A8AA-1D3E0E54E8CB}"/>
+                </a:ext>
+              </a:extLst>
+            </p:cNvPr>
+            <p:cNvSpPr/>
+            <p:nvPr/>
+          </p:nvSpPr>
+          <p:spPr>
+            <a:xfrm>
+              <a:off x="9530526" y="2785574"/>
+              <a:ext cx="2024215" cy="643427"/>
+            </a:xfrm>
+            <a:prstGeom prst="rect">
+              <a:avLst/>
+            </a:prstGeom>
+            <a:solidFill>
+              <a:srgbClr val="003E2F"/>
+            </a:solidFill>
+          </p:spPr>
+          <p:style>
+            <a:lnRef idx="2">
+              <a:schemeClr val="accent1">
+                <a:shade val="15000"/>
+              </a:schemeClr>
+            </a:lnRef>
+            <a:fillRef idx="1">
+              <a:schemeClr val="accent1"/>
+            </a:fillRef>
+            <a:effectRef idx="0">
+              <a:schemeClr val="accent1"/>
+            </a:effectRef>
+            <a:fontRef idx="minor">
+              <a:schemeClr val="lt1"/>
+            </a:fontRef>
+          </p:style>
+          <p:txBody>
+            <a:bodyPr rtlCol="0" anchor="ctr"/>
+            <a:lstStyle/>
+            <a:p>
+              <a:pPr algn="ctr"/>
+              <a:r>
+                <a:rPr lang="en-US" sz="1400" dirty="0">
+                  <a:latin typeface="Lato" panose="020F0502020204030203" pitchFamily="34" charset="0"/>
+                  <a:ea typeface="Lato" panose="020F0502020204030203" pitchFamily="34" charset="0"/>
+                  <a:cs typeface="Lato" panose="020F0502020204030203" pitchFamily="34" charset="0"/>
+                </a:rPr>
+                <a:t>Send harmonized/ filtered data for study</a:t>
+              </a:r>
+            </a:p>
+          </p:txBody>
+        </p:sp>
+      </p:grpSp>
+    </p:spTree>
+    <p:extLst>
+      <p:ext uri="{BB962C8B-B14F-4D97-AF65-F5344CB8AC3E}">
+        <p14:creationId xmlns:p14="http://schemas.microsoft.com/office/powerpoint/2010/main" val="2811018039"/>
+      </p:ext>
+    </p:extLst>
+  </p:cSld>
+  <p:clrMapOvr>
+    <a:masterClrMapping/>
+  </p:clrMapOvr>
+</p:sld>
+</file>
+
+<file path=ppt/slides/slide10.xml><?xml version="1.0" encoding="utf-8"?>
+<p:sld xmlns:a="http://schemas.openxmlformats.org/drawingml/2006/main" xmlns:r="http://schemas.openxmlformats.org/officeDocument/2006/relationships" xmlns:p="http://schemas.openxmlformats.org/presentationml/2006/main">
+  <p:cSld>
+    <p:spTree>
+      <p:nvGrpSpPr>
+        <p:cNvPr id="1" name=""/>
+        <p:cNvGrpSpPr/>
+        <p:nvPr/>
+      </p:nvGrpSpPr>
+      <p:grpSpPr>
+        <a:xfrm>
+          <a:off x="0" y="0"/>
+          <a:ext cx="0" cy="0"/>
+          <a:chOff x="0" y="0"/>
+          <a:chExt cx="0" cy="0"/>
+        </a:xfrm>
+      </p:grpSpPr>
+      <p:sp>
+        <p:nvSpPr>
+          <p:cNvPr id="2" name="Title 1">
+            <a:extLst>
+              <a:ext uri="{FF2B5EF4-FFF2-40B4-BE49-F238E27FC236}">
+                <a16:creationId xmlns:a16="http://schemas.microsoft.com/office/drawing/2014/main" id="{2DFF2438-5740-EEC1-0BC8-86095A74E7AD}"/>
+              </a:ext>
+            </a:extLst>
+          </p:cNvPr>
+          <p:cNvSpPr>
+            <a:spLocks noGrp="1"/>
+          </p:cNvSpPr>
+          <p:nvPr>
+            <p:ph type="title"/>
+          </p:nvPr>
+        </p:nvSpPr>
+        <p:spPr/>
+        <p:txBody>
+          <a:bodyPr/>
+          <a:lstStyle/>
+          <a:p>
+            <a:endParaRPr lang="en-SG"/>
+          </a:p>
+        </p:txBody>
+      </p:sp>
+      <p:sp>
+        <p:nvSpPr>
+          <p:cNvPr id="3" name="Content Placeholder 2">
+            <a:extLst>
+              <a:ext uri="{FF2B5EF4-FFF2-40B4-BE49-F238E27FC236}">
+                <a16:creationId xmlns:a16="http://schemas.microsoft.com/office/drawing/2014/main" id="{084E494F-D18B-E7CE-D5BE-89193606D1D3}"/>
+              </a:ext>
+            </a:extLst>
+          </p:cNvPr>
+          <p:cNvSpPr>
+            <a:spLocks noGrp="1"/>
+          </p:cNvSpPr>
+          <p:nvPr>
+            <p:ph idx="1"/>
+          </p:nvPr>
+        </p:nvSpPr>
+        <p:spPr/>
+        <p:txBody>
+          <a:bodyPr/>
+          <a:lstStyle/>
+          <a:p>
+            <a:endParaRPr lang="en-SG"/>
+          </a:p>
+        </p:txBody>
+      </p:sp>
+    </p:spTree>
+    <p:extLst>
+      <p:ext uri="{BB962C8B-B14F-4D97-AF65-F5344CB8AC3E}">
+        <p14:creationId xmlns:p14="http://schemas.microsoft.com/office/powerpoint/2010/main" val="2306458636"/>
+      </p:ext>
+    </p:extLst>
+  </p:cSld>
+  <p:clrMapOvr>
+    <a:masterClrMapping/>
+  </p:clrMapOvr>
+</p:sld>
+</file>
+
+<file path=ppt/slides/slide2.xml><?xml version="1.0" encoding="utf-8"?>
 <p:sld xmlns:a="http://schemas.openxmlformats.org/drawingml/2006/main" xmlns:r="http://schemas.openxmlformats.org/officeDocument/2006/relationships" xmlns:p="http://schemas.openxmlformats.org/presentationml/2006/main">
   <p:cSld>
     <p:spTree>
@@ -3982,7 +4806,7 @@
 </p:sld>
 </file>
 
-<file path=ppt/slides/slide2.xml><?xml version="1.0" encoding="utf-8"?>
+<file path=ppt/slides/slide3.xml><?xml version="1.0" encoding="utf-8"?>
 <p:sld xmlns:a="http://schemas.openxmlformats.org/drawingml/2006/main" xmlns:r="http://schemas.openxmlformats.org/officeDocument/2006/relationships" xmlns:p="http://schemas.openxmlformats.org/presentationml/2006/main">
   <p:cSld>
     <p:spTree>
@@ -4154,7 +4978,7 @@
 </p:sld>
 </file>
 
-<file path=ppt/slides/slide3.xml><?xml version="1.0" encoding="utf-8"?>
+<file path=ppt/slides/slide4.xml><?xml version="1.0" encoding="utf-8"?>
 <p:sld xmlns:a="http://schemas.openxmlformats.org/drawingml/2006/main" xmlns:r="http://schemas.openxmlformats.org/officeDocument/2006/relationships" xmlns:p="http://schemas.openxmlformats.org/presentationml/2006/main">
   <p:cSld>
     <p:spTree>
@@ -4213,7 +5037,7 @@
 </p:sld>
 </file>
 
-<file path=ppt/slides/slide4.xml><?xml version="1.0" encoding="utf-8"?>
+<file path=ppt/slides/slide5.xml><?xml version="1.0" encoding="utf-8"?>
 <p:sld xmlns:a="http://schemas.openxmlformats.org/drawingml/2006/main" xmlns:r="http://schemas.openxmlformats.org/officeDocument/2006/relationships" xmlns:p="http://schemas.openxmlformats.org/presentationml/2006/main">
   <p:cSld>
     <p:spTree>
@@ -4425,7 +5249,7 @@
 </p:sld>
 </file>
 
-<file path=ppt/slides/slide5.xml><?xml version="1.0" encoding="utf-8"?>
+<file path=ppt/slides/slide6.xml><?xml version="1.0" encoding="utf-8"?>
 <p:sld xmlns:a="http://schemas.openxmlformats.org/drawingml/2006/main" xmlns:r="http://schemas.openxmlformats.org/officeDocument/2006/relationships" xmlns:p="http://schemas.openxmlformats.org/presentationml/2006/main">
   <p:cSld>
     <p:spTree>
@@ -4552,7 +5376,7 @@
 </p:sld>
 </file>
 
-<file path=ppt/slides/slide6.xml><?xml version="1.0" encoding="utf-8"?>
+<file path=ppt/slides/slide7.xml><?xml version="1.0" encoding="utf-8"?>
 <p:sld xmlns:a="http://schemas.openxmlformats.org/drawingml/2006/main" xmlns:r="http://schemas.openxmlformats.org/officeDocument/2006/relationships" xmlns:p="http://schemas.openxmlformats.org/presentationml/2006/main">
   <p:cSld>
     <p:spTree>
@@ -4678,7 +5502,7 @@
 </p:sld>
 </file>
 
-<file path=ppt/slides/slide7.xml><?xml version="1.0" encoding="utf-8"?>
+<file path=ppt/slides/slide8.xml><?xml version="1.0" encoding="utf-8"?>
 <p:sld xmlns:a="http://schemas.openxmlformats.org/drawingml/2006/main" xmlns:r="http://schemas.openxmlformats.org/officeDocument/2006/relationships" xmlns:p="http://schemas.openxmlformats.org/presentationml/2006/main">
   <p:cSld>
     <p:spTree>
@@ -4735,6 +5559,186 @@
     <p:extLst>
       <p:ext uri="{BB962C8B-B14F-4D97-AF65-F5344CB8AC3E}">
         <p14:creationId xmlns:p14="http://schemas.microsoft.com/office/powerpoint/2010/main" val="3615868238"/>
+      </p:ext>
+    </p:extLst>
+  </p:cSld>
+  <p:clrMapOvr>
+    <a:masterClrMapping/>
+  </p:clrMapOvr>
+</p:sld>
+</file>
+
+<file path=ppt/slides/slide9.xml><?xml version="1.0" encoding="utf-8"?>
+<p:sld xmlns:a="http://schemas.openxmlformats.org/drawingml/2006/main" xmlns:r="http://schemas.openxmlformats.org/officeDocument/2006/relationships" xmlns:p="http://schemas.openxmlformats.org/presentationml/2006/main">
+  <p:cSld>
+    <p:spTree>
+      <p:nvGrpSpPr>
+        <p:cNvPr id="1" name=""/>
+        <p:cNvGrpSpPr/>
+        <p:nvPr/>
+      </p:nvGrpSpPr>
+      <p:grpSpPr>
+        <a:xfrm>
+          <a:off x="0" y="0"/>
+          <a:ext cx="0" cy="0"/>
+          <a:chOff x="0" y="0"/>
+          <a:chExt cx="0" cy="0"/>
+        </a:xfrm>
+      </p:grpSpPr>
+      <p:sp>
+        <p:nvSpPr>
+          <p:cNvPr id="5" name="TextBox 4">
+            <a:extLst>
+              <a:ext uri="{FF2B5EF4-FFF2-40B4-BE49-F238E27FC236}">
+                <a16:creationId xmlns:a16="http://schemas.microsoft.com/office/drawing/2014/main" id="{B50709E8-5E3B-3E70-968C-B1AE440576C9}"/>
+              </a:ext>
+            </a:extLst>
+          </p:cNvPr>
+          <p:cNvSpPr txBox="1"/>
+          <p:nvPr/>
+        </p:nvSpPr>
+        <p:spPr>
+          <a:xfrm>
+            <a:off x="2900516" y="620731"/>
+            <a:ext cx="6096000" cy="646331"/>
+          </a:xfrm>
+          <a:prstGeom prst="rect">
+            <a:avLst/>
+          </a:prstGeom>
+          <a:noFill/>
+        </p:spPr>
+        <p:txBody>
+          <a:bodyPr wrap="square">
+            <a:spAutoFit/>
+          </a:bodyPr>
+          <a:lstStyle/>
+          <a:p>
+            <a:r>
+              <a:rPr lang="en-SG" dirty="0"/>
+              <a:t>https://www.vecteezy.com/vector-art/464863-businessman-kneel-on-floor-with-pointing-finger-to-him</a:t>
+            </a:r>
+          </a:p>
+        </p:txBody>
+      </p:sp>
+      <p:sp>
+        <p:nvSpPr>
+          <p:cNvPr id="7" name="TextBox 6">
+            <a:extLst>
+              <a:ext uri="{FF2B5EF4-FFF2-40B4-BE49-F238E27FC236}">
+                <a16:creationId xmlns:a16="http://schemas.microsoft.com/office/drawing/2014/main" id="{CC992FF0-1BC3-05FE-80A4-E19F9BED825F}"/>
+              </a:ext>
+            </a:extLst>
+          </p:cNvPr>
+          <p:cNvSpPr txBox="1"/>
+          <p:nvPr/>
+        </p:nvSpPr>
+        <p:spPr>
+          <a:xfrm>
+            <a:off x="3048000" y="3108293"/>
+            <a:ext cx="6096000" cy="1077218"/>
+          </a:xfrm>
+          <a:prstGeom prst="rect">
+            <a:avLst/>
+          </a:prstGeom>
+          <a:noFill/>
+        </p:spPr>
+        <p:txBody>
+          <a:bodyPr wrap="square">
+            <a:spAutoFit/>
+          </a:bodyPr>
+          <a:lstStyle/>
+          <a:p>
+            <a:pPr algn="ctr">
+              <a:spcBef>
+                <a:spcPts val="1200"/>
+              </a:spcBef>
+            </a:pPr>
+            <a:r>
+              <a:rPr lang="en-US" b="0" i="0" dirty="0">
+                <a:solidFill>
+                  <a:srgbClr val="9FA7AD"/>
+                </a:solidFill>
+                <a:effectLst/>
+                <a:latin typeface="system-ui"/>
+              </a:rPr>
+              <a:t>Businessman kneel on floor with pointing finger to him Free Vector </a:t>
+            </a:r>
+            <a:r>
+              <a:rPr lang="en-SG" sz="1800" b="0" i="0" u="none" strike="noStrike" baseline="0" dirty="0" err="1">
+                <a:solidFill>
+                  <a:srgbClr val="6E7B85"/>
+                </a:solidFill>
+                <a:latin typeface="Inter-Regular"/>
+              </a:rPr>
+              <a:t>Vecteezy</a:t>
+            </a:r>
+            <a:r>
+              <a:rPr lang="en-SG" sz="1800" b="0" i="0" u="none" strike="noStrike" baseline="0" dirty="0">
+                <a:solidFill>
+                  <a:srgbClr val="6E7B85"/>
+                </a:solidFill>
+                <a:latin typeface="Inter-Regular"/>
+              </a:rPr>
+              <a:t>! </a:t>
+            </a:r>
+            <a:r>
+              <a:rPr lang="en-SG" b="1" i="0" dirty="0" err="1">
+                <a:solidFill>
+                  <a:srgbClr val="0E2332"/>
+                </a:solidFill>
+                <a:effectLst/>
+                <a:latin typeface="system-ui"/>
+              </a:rPr>
+              <a:t>Amonrat</a:t>
+            </a:r>
+            <a:r>
+              <a:rPr lang="en-SG" b="1" i="0" dirty="0">
+                <a:solidFill>
+                  <a:srgbClr val="0E2332"/>
+                </a:solidFill>
+                <a:effectLst/>
+                <a:latin typeface="system-ui"/>
+              </a:rPr>
+              <a:t> </a:t>
+            </a:r>
+            <a:r>
+              <a:rPr lang="en-SG" b="1" i="0" dirty="0" err="1">
+                <a:solidFill>
+                  <a:srgbClr val="0E2332"/>
+                </a:solidFill>
+                <a:effectLst/>
+                <a:latin typeface="system-ui"/>
+              </a:rPr>
+              <a:t>Rungreangfangsai</a:t>
+            </a:r>
+            <a:endParaRPr lang="en-SG" b="1" i="0" dirty="0">
+              <a:solidFill>
+                <a:srgbClr val="0E2332"/>
+              </a:solidFill>
+              <a:effectLst/>
+              <a:latin typeface="system-ui"/>
+            </a:endParaRPr>
+          </a:p>
+          <a:p>
+            <a:pPr algn="ctr">
+              <a:spcBef>
+                <a:spcPts val="1200"/>
+              </a:spcBef>
+            </a:pPr>
+            <a:endParaRPr lang="en-US" b="0" i="0" dirty="0">
+              <a:solidFill>
+                <a:srgbClr val="9FA7AD"/>
+              </a:solidFill>
+              <a:effectLst/>
+              <a:latin typeface="system-ui"/>
+            </a:endParaRPr>
+          </a:p>
+        </p:txBody>
+      </p:sp>
+    </p:spTree>
+    <p:extLst>
+      <p:ext uri="{BB962C8B-B14F-4D97-AF65-F5344CB8AC3E}">
+        <p14:creationId xmlns:p14="http://schemas.microsoft.com/office/powerpoint/2010/main" val="1900755580"/>
       </p:ext>
     </p:extLst>
   </p:cSld>

--- a/images/image_maker.pptx
+++ b/images/image_maker.pptx
@@ -15,6 +15,11 @@
     <p:sldId id="264" r:id="rId9"/>
     <p:sldId id="265" r:id="rId10"/>
     <p:sldId id="266" r:id="rId11"/>
+    <p:sldId id="268" r:id="rId12"/>
+    <p:sldId id="269" r:id="rId13"/>
+    <p:sldId id="270" r:id="rId14"/>
+    <p:sldId id="271" r:id="rId15"/>
+    <p:sldId id="272" r:id="rId16"/>
   </p:sldIdLst>
   <p:sldSz cx="12192000" cy="6858000"/>
   <p:notesSz cx="6858000" cy="9144000"/>
@@ -270,7 +275,7 @@
           <a:p>
             <a:fld id="{C4C33896-74DC-4DC9-8FFE-C8D9D6A25E64}" type="datetimeFigureOut">
               <a:rPr lang="en-SG" smtClean="0"/>
-              <a:t>21/5/2025</a:t>
+              <a:t>23/5/2025</a:t>
             </a:fld>
             <a:endParaRPr lang="en-SG"/>
           </a:p>
@@ -470,7 +475,7 @@
           <a:p>
             <a:fld id="{C4C33896-74DC-4DC9-8FFE-C8D9D6A25E64}" type="datetimeFigureOut">
               <a:rPr lang="en-SG" smtClean="0"/>
-              <a:t>21/5/2025</a:t>
+              <a:t>23/5/2025</a:t>
             </a:fld>
             <a:endParaRPr lang="en-SG"/>
           </a:p>
@@ -680,7 +685,7 @@
           <a:p>
             <a:fld id="{C4C33896-74DC-4DC9-8FFE-C8D9D6A25E64}" type="datetimeFigureOut">
               <a:rPr lang="en-SG" smtClean="0"/>
-              <a:t>21/5/2025</a:t>
+              <a:t>23/5/2025</a:t>
             </a:fld>
             <a:endParaRPr lang="en-SG"/>
           </a:p>
@@ -880,7 +885,7 @@
           <a:p>
             <a:fld id="{C4C33896-74DC-4DC9-8FFE-C8D9D6A25E64}" type="datetimeFigureOut">
               <a:rPr lang="en-SG" smtClean="0"/>
-              <a:t>21/5/2025</a:t>
+              <a:t>23/5/2025</a:t>
             </a:fld>
             <a:endParaRPr lang="en-SG"/>
           </a:p>
@@ -1156,7 +1161,7 @@
           <a:p>
             <a:fld id="{C4C33896-74DC-4DC9-8FFE-C8D9D6A25E64}" type="datetimeFigureOut">
               <a:rPr lang="en-SG" smtClean="0"/>
-              <a:t>21/5/2025</a:t>
+              <a:t>23/5/2025</a:t>
             </a:fld>
             <a:endParaRPr lang="en-SG"/>
           </a:p>
@@ -1424,7 +1429,7 @@
           <a:p>
             <a:fld id="{C4C33896-74DC-4DC9-8FFE-C8D9D6A25E64}" type="datetimeFigureOut">
               <a:rPr lang="en-SG" smtClean="0"/>
-              <a:t>21/5/2025</a:t>
+              <a:t>23/5/2025</a:t>
             </a:fld>
             <a:endParaRPr lang="en-SG"/>
           </a:p>
@@ -1839,7 +1844,7 @@
           <a:p>
             <a:fld id="{C4C33896-74DC-4DC9-8FFE-C8D9D6A25E64}" type="datetimeFigureOut">
               <a:rPr lang="en-SG" smtClean="0"/>
-              <a:t>21/5/2025</a:t>
+              <a:t>23/5/2025</a:t>
             </a:fld>
             <a:endParaRPr lang="en-SG"/>
           </a:p>
@@ -1981,7 +1986,7 @@
           <a:p>
             <a:fld id="{C4C33896-74DC-4DC9-8FFE-C8D9D6A25E64}" type="datetimeFigureOut">
               <a:rPr lang="en-SG" smtClean="0"/>
-              <a:t>21/5/2025</a:t>
+              <a:t>23/5/2025</a:t>
             </a:fld>
             <a:endParaRPr lang="en-SG"/>
           </a:p>
@@ -2094,7 +2099,7 @@
           <a:p>
             <a:fld id="{C4C33896-74DC-4DC9-8FFE-C8D9D6A25E64}" type="datetimeFigureOut">
               <a:rPr lang="en-SG" smtClean="0"/>
-              <a:t>21/5/2025</a:t>
+              <a:t>23/5/2025</a:t>
             </a:fld>
             <a:endParaRPr lang="en-SG"/>
           </a:p>
@@ -2407,7 +2412,7 @@
           <a:p>
             <a:fld id="{C4C33896-74DC-4DC9-8FFE-C8D9D6A25E64}" type="datetimeFigureOut">
               <a:rPr lang="en-SG" smtClean="0"/>
-              <a:t>21/5/2025</a:t>
+              <a:t>23/5/2025</a:t>
             </a:fld>
             <a:endParaRPr lang="en-SG"/>
           </a:p>
@@ -2696,7 +2701,7 @@
           <a:p>
             <a:fld id="{C4C33896-74DC-4DC9-8FFE-C8D9D6A25E64}" type="datetimeFigureOut">
               <a:rPr lang="en-SG" smtClean="0"/>
-              <a:t>21/5/2025</a:t>
+              <a:t>23/5/2025</a:t>
             </a:fld>
             <a:endParaRPr lang="en-SG"/>
           </a:p>
@@ -2939,7 +2944,7 @@
           <a:p>
             <a:fld id="{C4C33896-74DC-4DC9-8FFE-C8D9D6A25E64}" type="datetimeFigureOut">
               <a:rPr lang="en-SG" smtClean="0"/>
-              <a:t>21/5/2025</a:t>
+              <a:t>23/5/2025</a:t>
             </a:fld>
             <a:endParaRPr lang="en-SG"/>
           </a:p>
@@ -4097,60 +4102,636 @@
           <a:chExt cx="0" cy="0"/>
         </a:xfrm>
       </p:grpSpPr>
-      <p:sp>
-        <p:nvSpPr>
-          <p:cNvPr id="2" name="Title 1">
-            <a:extLst>
-              <a:ext uri="{FF2B5EF4-FFF2-40B4-BE49-F238E27FC236}">
-                <a16:creationId xmlns:a16="http://schemas.microsoft.com/office/drawing/2014/main" id="{2DFF2438-5740-EEC1-0BC8-86095A74E7AD}"/>
-              </a:ext>
-            </a:extLst>
-          </p:cNvPr>
-          <p:cNvSpPr>
-            <a:spLocks noGrp="1"/>
-          </p:cNvSpPr>
-          <p:nvPr>
-            <p:ph type="title"/>
-          </p:nvPr>
-        </p:nvSpPr>
-        <p:spPr/>
-        <p:txBody>
-          <a:bodyPr/>
-          <a:lstStyle/>
-          <a:p>
-            <a:endParaRPr lang="en-SG"/>
-          </a:p>
-        </p:txBody>
-      </p:sp>
-      <p:sp>
-        <p:nvSpPr>
-          <p:cNvPr id="3" name="Content Placeholder 2">
-            <a:extLst>
-              <a:ext uri="{FF2B5EF4-FFF2-40B4-BE49-F238E27FC236}">
-                <a16:creationId xmlns:a16="http://schemas.microsoft.com/office/drawing/2014/main" id="{084E494F-D18B-E7CE-D5BE-89193606D1D3}"/>
-              </a:ext>
-            </a:extLst>
-          </p:cNvPr>
-          <p:cNvSpPr>
-            <a:spLocks noGrp="1"/>
-          </p:cNvSpPr>
-          <p:nvPr>
-            <p:ph idx="1"/>
-          </p:nvPr>
-        </p:nvSpPr>
-        <p:spPr/>
-        <p:txBody>
-          <a:bodyPr/>
-          <a:lstStyle/>
-          <a:p>
-            <a:endParaRPr lang="en-SG"/>
-          </a:p>
-        </p:txBody>
-      </p:sp>
+      <p:pic>
+        <p:nvPicPr>
+          <p:cNvPr id="5" name="Picture 4">
+            <a:extLst>
+              <a:ext uri="{FF2B5EF4-FFF2-40B4-BE49-F238E27FC236}">
+                <a16:creationId xmlns:a16="http://schemas.microsoft.com/office/drawing/2014/main" id="{4DD01E60-9EAD-5CEF-0D3B-46FCBE3E1E5E}"/>
+              </a:ext>
+            </a:extLst>
+          </p:cNvPr>
+          <p:cNvPicPr>
+            <a:picLocks noChangeAspect="1"/>
+          </p:cNvPicPr>
+          <p:nvPr/>
+        </p:nvPicPr>
+        <p:blipFill>
+          <a:blip r:embed="rId2"/>
+          <a:stretch>
+            <a:fillRect/>
+          </a:stretch>
+        </p:blipFill>
+        <p:spPr>
+          <a:xfrm>
+            <a:off x="655245" y="1744834"/>
+            <a:ext cx="4549534" cy="3368332"/>
+          </a:xfrm>
+          <a:prstGeom prst="rect">
+            <a:avLst/>
+          </a:prstGeom>
+        </p:spPr>
+      </p:pic>
+      <p:pic>
+        <p:nvPicPr>
+          <p:cNvPr id="9" name="Picture 8">
+            <a:extLst>
+              <a:ext uri="{FF2B5EF4-FFF2-40B4-BE49-F238E27FC236}">
+                <a16:creationId xmlns:a16="http://schemas.microsoft.com/office/drawing/2014/main" id="{77241BA4-923A-E8D7-E0A9-1698ABB0657D}"/>
+              </a:ext>
+            </a:extLst>
+          </p:cNvPr>
+          <p:cNvPicPr>
+            <a:picLocks noChangeAspect="1"/>
+          </p:cNvPicPr>
+          <p:nvPr/>
+        </p:nvPicPr>
+        <p:blipFill>
+          <a:blip r:embed="rId3"/>
+          <a:stretch>
+            <a:fillRect/>
+          </a:stretch>
+        </p:blipFill>
+        <p:spPr>
+          <a:xfrm>
+            <a:off x="6013826" y="1744834"/>
+            <a:ext cx="4568553" cy="3368332"/>
+          </a:xfrm>
+          <a:prstGeom prst="rect">
+            <a:avLst/>
+          </a:prstGeom>
+        </p:spPr>
+      </p:pic>
     </p:spTree>
     <p:extLst>
       <p:ext uri="{BB962C8B-B14F-4D97-AF65-F5344CB8AC3E}">
         <p14:creationId xmlns:p14="http://schemas.microsoft.com/office/powerpoint/2010/main" val="2306458636"/>
+      </p:ext>
+    </p:extLst>
+  </p:cSld>
+  <p:clrMapOvr>
+    <a:masterClrMapping/>
+  </p:clrMapOvr>
+</p:sld>
+</file>
+
+<file path=ppt/slides/slide11.xml><?xml version="1.0" encoding="utf-8"?>
+<p:sld xmlns:a="http://schemas.openxmlformats.org/drawingml/2006/main" xmlns:r="http://schemas.openxmlformats.org/officeDocument/2006/relationships" xmlns:p="http://schemas.openxmlformats.org/presentationml/2006/main">
+  <p:cSld>
+    <p:spTree>
+      <p:nvGrpSpPr>
+        <p:cNvPr id="1" name=""/>
+        <p:cNvGrpSpPr/>
+        <p:nvPr/>
+      </p:nvGrpSpPr>
+      <p:grpSpPr>
+        <a:xfrm>
+          <a:off x="0" y="0"/>
+          <a:ext cx="0" cy="0"/>
+          <a:chOff x="0" y="0"/>
+          <a:chExt cx="0" cy="0"/>
+        </a:xfrm>
+      </p:grpSpPr>
+      <p:pic>
+        <p:nvPicPr>
+          <p:cNvPr id="5" name="Picture 4">
+            <a:extLst>
+              <a:ext uri="{FF2B5EF4-FFF2-40B4-BE49-F238E27FC236}">
+                <a16:creationId xmlns:a16="http://schemas.microsoft.com/office/drawing/2014/main" id="{7729A11F-8FA8-76D9-8C44-C36AE585AD00}"/>
+              </a:ext>
+            </a:extLst>
+          </p:cNvPr>
+          <p:cNvPicPr>
+            <a:picLocks noChangeAspect="1"/>
+          </p:cNvPicPr>
+          <p:nvPr/>
+        </p:nvPicPr>
+        <p:blipFill>
+          <a:blip r:embed="rId2"/>
+          <a:stretch>
+            <a:fillRect/>
+          </a:stretch>
+        </p:blipFill>
+        <p:spPr>
+          <a:xfrm>
+            <a:off x="2209438" y="868882"/>
+            <a:ext cx="6885402" cy="5120235"/>
+          </a:xfrm>
+          <a:prstGeom prst="rect">
+            <a:avLst/>
+          </a:prstGeom>
+        </p:spPr>
+      </p:pic>
+    </p:spTree>
+    <p:extLst>
+      <p:ext uri="{BB962C8B-B14F-4D97-AF65-F5344CB8AC3E}">
+        <p14:creationId xmlns:p14="http://schemas.microsoft.com/office/powerpoint/2010/main" val="988539792"/>
+      </p:ext>
+    </p:extLst>
+  </p:cSld>
+  <p:clrMapOvr>
+    <a:masterClrMapping/>
+  </p:clrMapOvr>
+</p:sld>
+</file>
+
+<file path=ppt/slides/slide12.xml><?xml version="1.0" encoding="utf-8"?>
+<p:sld xmlns:a="http://schemas.openxmlformats.org/drawingml/2006/main" xmlns:r="http://schemas.openxmlformats.org/officeDocument/2006/relationships" xmlns:p="http://schemas.openxmlformats.org/presentationml/2006/main">
+  <p:cSld>
+    <p:spTree>
+      <p:nvGrpSpPr>
+        <p:cNvPr id="1" name=""/>
+        <p:cNvGrpSpPr/>
+        <p:nvPr/>
+      </p:nvGrpSpPr>
+      <p:grpSpPr>
+        <a:xfrm>
+          <a:off x="0" y="0"/>
+          <a:ext cx="0" cy="0"/>
+          <a:chOff x="0" y="0"/>
+          <a:chExt cx="0" cy="0"/>
+        </a:xfrm>
+      </p:grpSpPr>
+      <p:grpSp>
+        <p:nvGrpSpPr>
+          <p:cNvPr id="11" name="Group 10">
+            <a:extLst>
+              <a:ext uri="{FF2B5EF4-FFF2-40B4-BE49-F238E27FC236}">
+                <a16:creationId xmlns:a16="http://schemas.microsoft.com/office/drawing/2014/main" id="{03BFE45A-539F-47A0-57F6-AF395D90583A}"/>
+              </a:ext>
+            </a:extLst>
+          </p:cNvPr>
+          <p:cNvGrpSpPr/>
+          <p:nvPr/>
+        </p:nvGrpSpPr>
+        <p:grpSpPr>
+          <a:xfrm>
+            <a:off x="2383085" y="857760"/>
+            <a:ext cx="5852667" cy="5708767"/>
+            <a:chOff x="2383085" y="857760"/>
+            <a:chExt cx="5852667" cy="5708767"/>
+          </a:xfrm>
+        </p:grpSpPr>
+        <p:pic>
+          <p:nvPicPr>
+            <p:cNvPr id="5" name="Picture 4">
+              <a:extLst>
+                <a:ext uri="{FF2B5EF4-FFF2-40B4-BE49-F238E27FC236}">
+                  <a16:creationId xmlns:a16="http://schemas.microsoft.com/office/drawing/2014/main" id="{AFC012F9-2192-7588-2E20-34B19C1E6455}"/>
+                </a:ext>
+              </a:extLst>
+            </p:cNvPr>
+            <p:cNvPicPr>
+              <a:picLocks noChangeAspect="1"/>
+            </p:cNvPicPr>
+            <p:nvPr/>
+          </p:nvPicPr>
+          <p:blipFill>
+            <a:blip r:embed="rId2"/>
+            <a:stretch>
+              <a:fillRect/>
+            </a:stretch>
+          </p:blipFill>
+          <p:spPr>
+            <a:xfrm>
+              <a:off x="2383085" y="2474232"/>
+              <a:ext cx="5852667" cy="4092295"/>
+            </a:xfrm>
+            <a:prstGeom prst="rect">
+              <a:avLst/>
+            </a:prstGeom>
+          </p:spPr>
+        </p:pic>
+        <p:pic>
+          <p:nvPicPr>
+            <p:cNvPr id="10" name="Picture 9">
+              <a:extLst>
+                <a:ext uri="{FF2B5EF4-FFF2-40B4-BE49-F238E27FC236}">
+                  <a16:creationId xmlns:a16="http://schemas.microsoft.com/office/drawing/2014/main" id="{6E3893B1-811B-5D24-266E-0A38EEB5A485}"/>
+                </a:ext>
+              </a:extLst>
+            </p:cNvPr>
+            <p:cNvPicPr>
+              <a:picLocks noChangeAspect="1"/>
+            </p:cNvPicPr>
+            <p:nvPr/>
+          </p:nvPicPr>
+          <p:blipFill>
+            <a:blip r:embed="rId3"/>
+            <a:stretch>
+              <a:fillRect/>
+            </a:stretch>
+          </p:blipFill>
+          <p:spPr>
+            <a:xfrm>
+              <a:off x="2388442" y="857760"/>
+              <a:ext cx="5847310" cy="1616472"/>
+            </a:xfrm>
+            <a:prstGeom prst="rect">
+              <a:avLst/>
+            </a:prstGeom>
+          </p:spPr>
+        </p:pic>
+      </p:grpSp>
+    </p:spTree>
+    <p:extLst>
+      <p:ext uri="{BB962C8B-B14F-4D97-AF65-F5344CB8AC3E}">
+        <p14:creationId xmlns:p14="http://schemas.microsoft.com/office/powerpoint/2010/main" val="2381397133"/>
+      </p:ext>
+    </p:extLst>
+  </p:cSld>
+  <p:clrMapOvr>
+    <a:masterClrMapping/>
+  </p:clrMapOvr>
+</p:sld>
+</file>
+
+<file path=ppt/slides/slide13.xml><?xml version="1.0" encoding="utf-8"?>
+<p:sld xmlns:a="http://schemas.openxmlformats.org/drawingml/2006/main" xmlns:r="http://schemas.openxmlformats.org/officeDocument/2006/relationships" xmlns:p="http://schemas.openxmlformats.org/presentationml/2006/main">
+  <p:cSld>
+    <p:spTree>
+      <p:nvGrpSpPr>
+        <p:cNvPr id="1" name=""/>
+        <p:cNvGrpSpPr/>
+        <p:nvPr/>
+      </p:nvGrpSpPr>
+      <p:grpSpPr>
+        <a:xfrm>
+          <a:off x="0" y="0"/>
+          <a:ext cx="0" cy="0"/>
+          <a:chOff x="0" y="0"/>
+          <a:chExt cx="0" cy="0"/>
+        </a:xfrm>
+      </p:grpSpPr>
+      <p:grpSp>
+        <p:nvGrpSpPr>
+          <p:cNvPr id="12" name="Group 11">
+            <a:extLst>
+              <a:ext uri="{FF2B5EF4-FFF2-40B4-BE49-F238E27FC236}">
+                <a16:creationId xmlns:a16="http://schemas.microsoft.com/office/drawing/2014/main" id="{38D4D41C-5DA9-E9F3-0BA3-93B766D4299E}"/>
+              </a:ext>
+            </a:extLst>
+          </p:cNvPr>
+          <p:cNvGrpSpPr/>
+          <p:nvPr/>
+        </p:nvGrpSpPr>
+        <p:grpSpPr>
+          <a:xfrm>
+            <a:off x="818692" y="293098"/>
+            <a:ext cx="10554615" cy="6271803"/>
+            <a:chOff x="818692" y="293098"/>
+            <a:chExt cx="10554615" cy="6271803"/>
+          </a:xfrm>
+        </p:grpSpPr>
+        <p:pic>
+          <p:nvPicPr>
+            <p:cNvPr id="3" name="Picture 2">
+              <a:extLst>
+                <a:ext uri="{FF2B5EF4-FFF2-40B4-BE49-F238E27FC236}">
+                  <a16:creationId xmlns:a16="http://schemas.microsoft.com/office/drawing/2014/main" id="{9CAE24B9-E779-19F1-79D4-DFA5A3B55742}"/>
+                </a:ext>
+              </a:extLst>
+            </p:cNvPr>
+            <p:cNvPicPr>
+              <a:picLocks noChangeAspect="1"/>
+            </p:cNvPicPr>
+            <p:nvPr/>
+          </p:nvPicPr>
+          <p:blipFill>
+            <a:blip r:embed="rId2"/>
+            <a:stretch>
+              <a:fillRect/>
+            </a:stretch>
+          </p:blipFill>
+          <p:spPr>
+            <a:xfrm>
+              <a:off x="818692" y="293098"/>
+              <a:ext cx="10554615" cy="6271803"/>
+            </a:xfrm>
+            <a:prstGeom prst="rect">
+              <a:avLst/>
+            </a:prstGeom>
+          </p:spPr>
+        </p:pic>
+        <p:cxnSp>
+          <p:nvCxnSpPr>
+            <p:cNvPr id="5" name="Straight Arrow Connector 4">
+              <a:extLst>
+                <a:ext uri="{FF2B5EF4-FFF2-40B4-BE49-F238E27FC236}">
+                  <a16:creationId xmlns:a16="http://schemas.microsoft.com/office/drawing/2014/main" id="{6FAD1C8C-5C46-ABBC-53E7-4691EAEE6A5B}"/>
+                </a:ext>
+              </a:extLst>
+            </p:cNvPr>
+            <p:cNvCxnSpPr>
+              <a:cxnSpLocks/>
+            </p:cNvCxnSpPr>
+            <p:nvPr/>
+          </p:nvCxnSpPr>
+          <p:spPr>
+            <a:xfrm flipH="1">
+              <a:off x="1710813" y="2094271"/>
+              <a:ext cx="5338916" cy="2045110"/>
+            </a:xfrm>
+            <a:prstGeom prst="straightConnector1">
+              <a:avLst/>
+            </a:prstGeom>
+            <a:ln w="57150">
+              <a:solidFill>
+                <a:srgbClr val="016D55"/>
+              </a:solidFill>
+              <a:tailEnd type="triangle"/>
+            </a:ln>
+          </p:spPr>
+          <p:style>
+            <a:lnRef idx="1">
+              <a:schemeClr val="accent1"/>
+            </a:lnRef>
+            <a:fillRef idx="0">
+              <a:schemeClr val="accent1"/>
+            </a:fillRef>
+            <a:effectRef idx="0">
+              <a:schemeClr val="accent1"/>
+            </a:effectRef>
+            <a:fontRef idx="minor">
+              <a:schemeClr val="tx1"/>
+            </a:fontRef>
+          </p:style>
+        </p:cxnSp>
+      </p:grpSp>
+    </p:spTree>
+    <p:extLst>
+      <p:ext uri="{BB962C8B-B14F-4D97-AF65-F5344CB8AC3E}">
+        <p14:creationId xmlns:p14="http://schemas.microsoft.com/office/powerpoint/2010/main" val="2633294683"/>
+      </p:ext>
+    </p:extLst>
+  </p:cSld>
+  <p:clrMapOvr>
+    <a:masterClrMapping/>
+  </p:clrMapOvr>
+</p:sld>
+</file>
+
+<file path=ppt/slides/slide14.xml><?xml version="1.0" encoding="utf-8"?>
+<p:sld xmlns:a="http://schemas.openxmlformats.org/drawingml/2006/main" xmlns:r="http://schemas.openxmlformats.org/officeDocument/2006/relationships" xmlns:p="http://schemas.openxmlformats.org/presentationml/2006/main">
+  <p:cSld>
+    <p:spTree>
+      <p:nvGrpSpPr>
+        <p:cNvPr id="1" name="">
+          <a:extLst>
+            <a:ext uri="{FF2B5EF4-FFF2-40B4-BE49-F238E27FC236}">
+              <a16:creationId xmlns:a16="http://schemas.microsoft.com/office/drawing/2014/main" id="{BFD2831E-B863-5AC2-0441-6486FDA8D3F1}"/>
+            </a:ext>
+          </a:extLst>
+        </p:cNvPr>
+        <p:cNvGrpSpPr/>
+        <p:nvPr/>
+      </p:nvGrpSpPr>
+      <p:grpSpPr>
+        <a:xfrm>
+          <a:off x="0" y="0"/>
+          <a:ext cx="0" cy="0"/>
+          <a:chOff x="0" y="0"/>
+          <a:chExt cx="0" cy="0"/>
+        </a:xfrm>
+      </p:grpSpPr>
+      <p:grpSp>
+        <p:nvGrpSpPr>
+          <p:cNvPr id="6" name="Group 5">
+            <a:extLst>
+              <a:ext uri="{FF2B5EF4-FFF2-40B4-BE49-F238E27FC236}">
+                <a16:creationId xmlns:a16="http://schemas.microsoft.com/office/drawing/2014/main" id="{6B5B6EF6-A404-149B-9C97-A081A50EF32E}"/>
+              </a:ext>
+            </a:extLst>
+          </p:cNvPr>
+          <p:cNvGrpSpPr/>
+          <p:nvPr/>
+        </p:nvGrpSpPr>
+        <p:grpSpPr>
+          <a:xfrm>
+            <a:off x="818692" y="293098"/>
+            <a:ext cx="10554615" cy="6271803"/>
+            <a:chOff x="818692" y="293098"/>
+            <a:chExt cx="10554615" cy="6271803"/>
+          </a:xfrm>
+        </p:grpSpPr>
+        <p:pic>
+          <p:nvPicPr>
+            <p:cNvPr id="3" name="Picture 2">
+              <a:extLst>
+                <a:ext uri="{FF2B5EF4-FFF2-40B4-BE49-F238E27FC236}">
+                  <a16:creationId xmlns:a16="http://schemas.microsoft.com/office/drawing/2014/main" id="{797C729E-F83B-4539-BC0C-2B2C69C28C35}"/>
+                </a:ext>
+              </a:extLst>
+            </p:cNvPr>
+            <p:cNvPicPr>
+              <a:picLocks noChangeAspect="1"/>
+            </p:cNvPicPr>
+            <p:nvPr/>
+          </p:nvPicPr>
+          <p:blipFill>
+            <a:blip r:embed="rId2"/>
+            <a:stretch>
+              <a:fillRect/>
+            </a:stretch>
+          </p:blipFill>
+          <p:spPr>
+            <a:xfrm>
+              <a:off x="818692" y="293098"/>
+              <a:ext cx="10554615" cy="6271803"/>
+            </a:xfrm>
+            <a:prstGeom prst="rect">
+              <a:avLst/>
+            </a:prstGeom>
+          </p:spPr>
+        </p:pic>
+        <p:cxnSp>
+          <p:nvCxnSpPr>
+            <p:cNvPr id="5" name="Straight Arrow Connector 4">
+              <a:extLst>
+                <a:ext uri="{FF2B5EF4-FFF2-40B4-BE49-F238E27FC236}">
+                  <a16:creationId xmlns:a16="http://schemas.microsoft.com/office/drawing/2014/main" id="{21624F1C-EE26-1BBC-AE57-EDC9C13CB133}"/>
+                </a:ext>
+              </a:extLst>
+            </p:cNvPr>
+            <p:cNvCxnSpPr>
+              <a:cxnSpLocks/>
+            </p:cNvCxnSpPr>
+            <p:nvPr/>
+          </p:nvCxnSpPr>
+          <p:spPr>
+            <a:xfrm flipH="1" flipV="1">
+              <a:off x="1799303" y="2792361"/>
+              <a:ext cx="5250426" cy="2172929"/>
+            </a:xfrm>
+            <a:prstGeom prst="straightConnector1">
+              <a:avLst/>
+            </a:prstGeom>
+            <a:ln w="57150">
+              <a:solidFill>
+                <a:srgbClr val="016D55"/>
+              </a:solidFill>
+              <a:tailEnd type="triangle"/>
+            </a:ln>
+          </p:spPr>
+          <p:style>
+            <a:lnRef idx="1">
+              <a:schemeClr val="accent1"/>
+            </a:lnRef>
+            <a:fillRef idx="0">
+              <a:schemeClr val="accent1"/>
+            </a:fillRef>
+            <a:effectRef idx="0">
+              <a:schemeClr val="accent1"/>
+            </a:effectRef>
+            <a:fontRef idx="minor">
+              <a:schemeClr val="tx1"/>
+            </a:fontRef>
+          </p:style>
+        </p:cxnSp>
+      </p:grpSp>
+    </p:spTree>
+    <p:extLst>
+      <p:ext uri="{BB962C8B-B14F-4D97-AF65-F5344CB8AC3E}">
+        <p14:creationId xmlns:p14="http://schemas.microsoft.com/office/powerpoint/2010/main" val="2578181733"/>
+      </p:ext>
+    </p:extLst>
+  </p:cSld>
+  <p:clrMapOvr>
+    <a:masterClrMapping/>
+  </p:clrMapOvr>
+</p:sld>
+</file>
+
+<file path=ppt/slides/slide15.xml><?xml version="1.0" encoding="utf-8"?>
+<p:sld xmlns:a="http://schemas.openxmlformats.org/drawingml/2006/main" xmlns:r="http://schemas.openxmlformats.org/officeDocument/2006/relationships" xmlns:p="http://schemas.openxmlformats.org/presentationml/2006/main">
+  <p:cSld>
+    <p:spTree>
+      <p:nvGrpSpPr>
+        <p:cNvPr id="1" name=""/>
+        <p:cNvGrpSpPr/>
+        <p:nvPr/>
+      </p:nvGrpSpPr>
+      <p:grpSpPr>
+        <a:xfrm>
+          <a:off x="0" y="0"/>
+          <a:ext cx="0" cy="0"/>
+          <a:chOff x="0" y="0"/>
+          <a:chExt cx="0" cy="0"/>
+        </a:xfrm>
+      </p:grpSpPr>
+      <p:grpSp>
+        <p:nvGrpSpPr>
+          <p:cNvPr id="7" name="Group 6">
+            <a:extLst>
+              <a:ext uri="{FF2B5EF4-FFF2-40B4-BE49-F238E27FC236}">
+                <a16:creationId xmlns:a16="http://schemas.microsoft.com/office/drawing/2014/main" id="{25A603E8-80B2-30E7-3AEA-108B0564ED48}"/>
+              </a:ext>
+            </a:extLst>
+          </p:cNvPr>
+          <p:cNvGrpSpPr/>
+          <p:nvPr/>
+        </p:nvGrpSpPr>
+        <p:grpSpPr>
+          <a:xfrm>
+            <a:off x="864930" y="-145648"/>
+            <a:ext cx="9195646" cy="6146819"/>
+            <a:chOff x="864930" y="-145648"/>
+            <a:chExt cx="9195646" cy="6146819"/>
+          </a:xfrm>
+        </p:grpSpPr>
+        <p:pic>
+          <p:nvPicPr>
+            <p:cNvPr id="3" name="Picture 2">
+              <a:extLst>
+                <a:ext uri="{FF2B5EF4-FFF2-40B4-BE49-F238E27FC236}">
+                  <a16:creationId xmlns:a16="http://schemas.microsoft.com/office/drawing/2014/main" id="{D637C249-8E11-CF67-58E7-0D565A8E5787}"/>
+                </a:ext>
+              </a:extLst>
+            </p:cNvPr>
+            <p:cNvPicPr>
+              <a:picLocks noChangeAspect="1"/>
+            </p:cNvPicPr>
+            <p:nvPr/>
+          </p:nvPicPr>
+          <p:blipFill>
+            <a:blip r:embed="rId2"/>
+            <a:srcRect b="53313"/>
+            <a:stretch/>
+          </p:blipFill>
+          <p:spPr>
+            <a:xfrm>
+              <a:off x="864930" y="3179800"/>
+              <a:ext cx="4802003" cy="2746871"/>
+            </a:xfrm>
+            <a:prstGeom prst="rect">
+              <a:avLst/>
+            </a:prstGeom>
+          </p:spPr>
+        </p:pic>
+        <p:pic>
+          <p:nvPicPr>
+            <p:cNvPr id="5" name="Picture 4">
+              <a:extLst>
+                <a:ext uri="{FF2B5EF4-FFF2-40B4-BE49-F238E27FC236}">
+                  <a16:creationId xmlns:a16="http://schemas.microsoft.com/office/drawing/2014/main" id="{A149F68B-4CE3-AEDD-8936-E01265152B97}"/>
+                </a:ext>
+              </a:extLst>
+            </p:cNvPr>
+            <p:cNvPicPr>
+              <a:picLocks noChangeAspect="1"/>
+            </p:cNvPicPr>
+            <p:nvPr/>
+          </p:nvPicPr>
+          <p:blipFill>
+            <a:blip r:embed="rId3"/>
+            <a:stretch>
+              <a:fillRect/>
+            </a:stretch>
+          </p:blipFill>
+          <p:spPr>
+            <a:xfrm>
+              <a:off x="867106" y="-145648"/>
+              <a:ext cx="9191294" cy="3325449"/>
+            </a:xfrm>
+            <a:prstGeom prst="rect">
+              <a:avLst/>
+            </a:prstGeom>
+          </p:spPr>
+        </p:pic>
+        <p:pic>
+          <p:nvPicPr>
+            <p:cNvPr id="6" name="Picture 5">
+              <a:extLst>
+                <a:ext uri="{FF2B5EF4-FFF2-40B4-BE49-F238E27FC236}">
+                  <a16:creationId xmlns:a16="http://schemas.microsoft.com/office/drawing/2014/main" id="{2DEB5E07-7B64-2976-6EDF-CB2D3B8C0CBB}"/>
+                </a:ext>
+              </a:extLst>
+            </p:cNvPr>
+            <p:cNvPicPr>
+              <a:picLocks noChangeAspect="1"/>
+            </p:cNvPicPr>
+            <p:nvPr/>
+          </p:nvPicPr>
+          <p:blipFill>
+            <a:blip r:embed="rId2"/>
+            <a:srcRect t="47591" b="-1"/>
+            <a:stretch/>
+          </p:blipFill>
+          <p:spPr>
+            <a:xfrm>
+              <a:off x="5666933" y="3179801"/>
+              <a:ext cx="4393643" cy="2821370"/>
+            </a:xfrm>
+            <a:prstGeom prst="rect">
+              <a:avLst/>
+            </a:prstGeom>
+          </p:spPr>
+        </p:pic>
+      </p:grpSp>
+    </p:spTree>
+    <p:extLst>
+      <p:ext uri="{BB962C8B-B14F-4D97-AF65-F5344CB8AC3E}">
+        <p14:creationId xmlns:p14="http://schemas.microsoft.com/office/powerpoint/2010/main" val="1976288168"/>
       </p:ext>
     </p:extLst>
   </p:cSld>

--- a/images/image_maker.pptx
+++ b/images/image_maker.pptx
@@ -277,7 +277,7 @@
           <a:p>
             <a:fld id="{C4C33896-74DC-4DC9-8FFE-C8D9D6A25E64}" type="datetimeFigureOut">
               <a:rPr lang="en-SG" smtClean="0"/>
-              <a:t>23/5/2025</a:t>
+              <a:t>24/5/2025</a:t>
             </a:fld>
             <a:endParaRPr lang="en-SG"/>
           </a:p>
@@ -477,7 +477,7 @@
           <a:p>
             <a:fld id="{C4C33896-74DC-4DC9-8FFE-C8D9D6A25E64}" type="datetimeFigureOut">
               <a:rPr lang="en-SG" smtClean="0"/>
-              <a:t>23/5/2025</a:t>
+              <a:t>24/5/2025</a:t>
             </a:fld>
             <a:endParaRPr lang="en-SG"/>
           </a:p>
@@ -687,7 +687,7 @@
           <a:p>
             <a:fld id="{C4C33896-74DC-4DC9-8FFE-C8D9D6A25E64}" type="datetimeFigureOut">
               <a:rPr lang="en-SG" smtClean="0"/>
-              <a:t>23/5/2025</a:t>
+              <a:t>24/5/2025</a:t>
             </a:fld>
             <a:endParaRPr lang="en-SG"/>
           </a:p>
@@ -887,7 +887,7 @@
           <a:p>
             <a:fld id="{C4C33896-74DC-4DC9-8FFE-C8D9D6A25E64}" type="datetimeFigureOut">
               <a:rPr lang="en-SG" smtClean="0"/>
-              <a:t>23/5/2025</a:t>
+              <a:t>24/5/2025</a:t>
             </a:fld>
             <a:endParaRPr lang="en-SG"/>
           </a:p>
@@ -1163,7 +1163,7 @@
           <a:p>
             <a:fld id="{C4C33896-74DC-4DC9-8FFE-C8D9D6A25E64}" type="datetimeFigureOut">
               <a:rPr lang="en-SG" smtClean="0"/>
-              <a:t>23/5/2025</a:t>
+              <a:t>24/5/2025</a:t>
             </a:fld>
             <a:endParaRPr lang="en-SG"/>
           </a:p>
@@ -1431,7 +1431,7 @@
           <a:p>
             <a:fld id="{C4C33896-74DC-4DC9-8FFE-C8D9D6A25E64}" type="datetimeFigureOut">
               <a:rPr lang="en-SG" smtClean="0"/>
-              <a:t>23/5/2025</a:t>
+              <a:t>24/5/2025</a:t>
             </a:fld>
             <a:endParaRPr lang="en-SG"/>
           </a:p>
@@ -1846,7 +1846,7 @@
           <a:p>
             <a:fld id="{C4C33896-74DC-4DC9-8FFE-C8D9D6A25E64}" type="datetimeFigureOut">
               <a:rPr lang="en-SG" smtClean="0"/>
-              <a:t>23/5/2025</a:t>
+              <a:t>24/5/2025</a:t>
             </a:fld>
             <a:endParaRPr lang="en-SG"/>
           </a:p>
@@ -1988,7 +1988,7 @@
           <a:p>
             <a:fld id="{C4C33896-74DC-4DC9-8FFE-C8D9D6A25E64}" type="datetimeFigureOut">
               <a:rPr lang="en-SG" smtClean="0"/>
-              <a:t>23/5/2025</a:t>
+              <a:t>24/5/2025</a:t>
             </a:fld>
             <a:endParaRPr lang="en-SG"/>
           </a:p>
@@ -2101,7 +2101,7 @@
           <a:p>
             <a:fld id="{C4C33896-74DC-4DC9-8FFE-C8D9D6A25E64}" type="datetimeFigureOut">
               <a:rPr lang="en-SG" smtClean="0"/>
-              <a:t>23/5/2025</a:t>
+              <a:t>24/5/2025</a:t>
             </a:fld>
             <a:endParaRPr lang="en-SG"/>
           </a:p>
@@ -2414,7 +2414,7 @@
           <a:p>
             <a:fld id="{C4C33896-74DC-4DC9-8FFE-C8D9D6A25E64}" type="datetimeFigureOut">
               <a:rPr lang="en-SG" smtClean="0"/>
-              <a:t>23/5/2025</a:t>
+              <a:t>24/5/2025</a:t>
             </a:fld>
             <a:endParaRPr lang="en-SG"/>
           </a:p>
@@ -2703,7 +2703,7 @@
           <a:p>
             <a:fld id="{C4C33896-74DC-4DC9-8FFE-C8D9D6A25E64}" type="datetimeFigureOut">
               <a:rPr lang="en-SG" smtClean="0"/>
-              <a:t>23/5/2025</a:t>
+              <a:t>24/5/2025</a:t>
             </a:fld>
             <a:endParaRPr lang="en-SG"/>
           </a:p>
@@ -2946,7 +2946,7 @@
           <a:p>
             <a:fld id="{C4C33896-74DC-4DC9-8FFE-C8D9D6A25E64}" type="datetimeFigureOut">
               <a:rPr lang="en-SG" smtClean="0"/>
-              <a:t>23/5/2025</a:t>
+              <a:t>24/5/2025</a:t>
             </a:fld>
             <a:endParaRPr lang="en-SG"/>
           </a:p>
@@ -4835,14 +4835,14 @@
           <p:nvPr>
             <p:extLst>
               <p:ext uri="{D42A27DB-BD31-4B8C-83A1-F6EECF244321}">
-                <p14:modId xmlns:p14="http://schemas.microsoft.com/office/powerpoint/2010/main" val="3596008930"/>
+                <p14:modId xmlns:p14="http://schemas.microsoft.com/office/powerpoint/2010/main" val="98930497"/>
               </p:ext>
             </p:extLst>
           </p:nvPr>
         </p:nvGraphicFramePr>
         <p:xfrm>
-          <a:off x="1923288" y="364482"/>
-          <a:ext cx="7016785" cy="4619280"/>
+          <a:off x="1575816" y="322842"/>
+          <a:ext cx="7470358" cy="4702560"/>
         </p:xfrm>
         <a:graphic>
           <a:graphicData uri="http://schemas.openxmlformats.org/drawingml/2006/table">
@@ -4851,63 +4851,70 @@
                 <a:tableStyleId>{5C22544A-7EE6-4342-B048-85BDC9FD1C3A}</a:tableStyleId>
               </a:tblPr>
               <a:tblGrid>
-                <a:gridCol w="806080">
+                <a:gridCol w="752061">
                   <a:extLst>
                     <a:ext uri="{9D8B030D-6E8A-4147-A177-3AD203B41FA5}">
                       <a16:colId xmlns:a16="http://schemas.microsoft.com/office/drawing/2014/main" val="1713452479"/>
                     </a:ext>
                   </a:extLst>
                 </a:gridCol>
-                <a:gridCol w="713804">
+                <a:gridCol w="720000">
                   <a:extLst>
                     <a:ext uri="{9D8B030D-6E8A-4147-A177-3AD203B41FA5}">
                       <a16:colId xmlns:a16="http://schemas.microsoft.com/office/drawing/2014/main" val="4261864255"/>
                     </a:ext>
                   </a:extLst>
                 </a:gridCol>
-                <a:gridCol w="504000">
+                <a:gridCol w="466154">
                   <a:extLst>
                     <a:ext uri="{9D8B030D-6E8A-4147-A177-3AD203B41FA5}">
                       <a16:colId xmlns:a16="http://schemas.microsoft.com/office/drawing/2014/main" val="498742870"/>
                     </a:ext>
                   </a:extLst>
                 </a:gridCol>
-                <a:gridCol w="1188000">
+                <a:gridCol w="792000">
+                  <a:extLst>
+                    <a:ext uri="{9D8B030D-6E8A-4147-A177-3AD203B41FA5}">
+                      <a16:colId xmlns:a16="http://schemas.microsoft.com/office/drawing/2014/main" val="4074069388"/>
+                    </a:ext>
+                  </a:extLst>
+                </a:gridCol>
+                <a:gridCol w="1108387">
                   <a:extLst>
                     <a:ext uri="{9D8B030D-6E8A-4147-A177-3AD203B41FA5}">
                       <a16:colId xmlns:a16="http://schemas.microsoft.com/office/drawing/2014/main" val="3372898760"/>
                     </a:ext>
                   </a:extLst>
                 </a:gridCol>
-                <a:gridCol w="684000">
+                <a:gridCol w="720000">
                   <a:extLst>
                     <a:ext uri="{9D8B030D-6E8A-4147-A177-3AD203B41FA5}">
                       <a16:colId xmlns:a16="http://schemas.microsoft.com/office/drawing/2014/main" val="3100707748"/>
                     </a:ext>
                   </a:extLst>
                 </a:gridCol>
-                <a:gridCol w="540000">
+                <a:gridCol w="503812">
                   <a:extLst>
                     <a:ext uri="{9D8B030D-6E8A-4147-A177-3AD203B41FA5}">
                       <a16:colId xmlns:a16="http://schemas.microsoft.com/office/drawing/2014/main" val="1482692729"/>
                     </a:ext>
                   </a:extLst>
                 </a:gridCol>
-                <a:gridCol w="576000">
+                <a:gridCol w="537400">
                   <a:extLst>
                     <a:ext uri="{9D8B030D-6E8A-4147-A177-3AD203B41FA5}">
                       <a16:colId xmlns:a16="http://schemas.microsoft.com/office/drawing/2014/main" val="2759191869"/>
                     </a:ext>
                   </a:extLst>
                 </a:gridCol>
-                <a:gridCol w="1015362">
+                <a:gridCol w="947318">
                   <a:extLst>
                     <a:ext uri="{9D8B030D-6E8A-4147-A177-3AD203B41FA5}">
                       <a16:colId xmlns:a16="http://schemas.microsoft.com/office/drawing/2014/main" val="3320341393"/>
                     </a:ext>
                   </a:extLst>
                 </a:gridCol>
-                <a:gridCol w="989539">
+                <a:gridCol w="923226">
                   <a:extLst>
                     <a:ext uri="{9D8B030D-6E8A-4147-A177-3AD203B41FA5}">
                       <a16:colId xmlns:a16="http://schemas.microsoft.com/office/drawing/2014/main" val="3111327394"/>
@@ -5053,7 +5060,63 @@
                     <a:bodyPr/>
                     <a:lstStyle/>
                     <a:p>
+                      <a:endParaRPr lang="en-SG" sz="1200" b="1" dirty="0">
+                        <a:solidFill>
+                          <a:schemeClr val="bg1"/>
+                        </a:solidFill>
+                        <a:effectLst/>
+                        <a:latin typeface="Arial" panose="020B0604020202020204" pitchFamily="34" charset="0"/>
+                        <a:ea typeface="Calibri" panose="020F0502020204030204" pitchFamily="34" charset="0"/>
+                        <a:cs typeface="Arial" panose="020B0604020202020204" pitchFamily="34" charset="0"/>
+                      </a:endParaRPr>
+                    </a:p>
+                  </a:txBody>
+                  <a:tcPr marL="58452" marR="58452" marT="0" marB="0" anchor="ctr">
+                    <a:lnL w="12700" cmpd="sng">
+                      <a:noFill/>
+                    </a:lnL>
+                    <a:lnR w="12700" cap="flat" cmpd="sng" algn="ctr">
+                      <a:noFill/>
+                      <a:prstDash val="solid"/>
+                      <a:round/>
+                      <a:headEnd type="none" w="med" len="med"/>
+                      <a:tailEnd type="none" w="med" len="med"/>
+                    </a:lnR>
+                    <a:lnT w="12700" cmpd="sng">
+                      <a:noFill/>
+                    </a:lnT>
+                    <a:lnB w="38100" cmpd="sng">
+                      <a:noFill/>
+                    </a:lnB>
+                    <a:lnTlToBr w="12700" cmpd="sng">
+                      <a:noFill/>
+                      <a:prstDash val="solid"/>
+                    </a:lnTlToBr>
+                    <a:lnBlToTr w="12700" cmpd="sng">
+                      <a:noFill/>
+                      <a:prstDash val="solid"/>
+                    </a:lnBlToTr>
+                    <a:noFill/>
+                  </a:tcPr>
+                </a:tc>
+                <a:tc>
+                  <a:txBody>
+                    <a:bodyPr/>
+                    <a:lstStyle/>
+                    <a:p>
                       <a:pPr algn="ctr"/>
+                      <a:r>
+                        <a:rPr lang="en-US" sz="1600" b="0" dirty="0">
+                          <a:solidFill>
+                            <a:schemeClr val="tx1"/>
+                          </a:solidFill>
+                          <a:effectLst/>
+                          <a:latin typeface="Arial" panose="020B0604020202020204" pitchFamily="34" charset="0"/>
+                          <a:ea typeface="Calibri" panose="020F0502020204030204" pitchFamily="34" charset="0"/>
+                          <a:cs typeface="Arial" panose="020B0604020202020204" pitchFamily="34" charset="0"/>
+                        </a:rPr>
+                        <a:t>11</a:t>
+                      </a:r>
                       <a:endParaRPr lang="en-SG" sz="1600" b="0" dirty="0">
                         <a:solidFill>
                           <a:schemeClr val="tx1"/>
@@ -5568,6 +5631,54 @@
                       <a:tailEnd type="none" w="med" len="med"/>
                     </a:lnL>
                     <a:lnR w="12700" cap="flat" cmpd="sng" algn="ctr">
+                      <a:noFill/>
+                      <a:prstDash val="solid"/>
+                      <a:round/>
+                      <a:headEnd type="none" w="med" len="med"/>
+                      <a:tailEnd type="none" w="med" len="med"/>
+                    </a:lnR>
+                    <a:lnT w="12700" cmpd="sng">
+                      <a:noFill/>
+                    </a:lnT>
+                    <a:lnB w="38100" cmpd="sng">
+                      <a:noFill/>
+                    </a:lnB>
+                    <a:lnTlToBr w="12700" cmpd="sng">
+                      <a:noFill/>
+                      <a:prstDash val="solid"/>
+                    </a:lnTlToBr>
+                    <a:lnBlToTr w="12700" cmpd="sng">
+                      <a:noFill/>
+                      <a:prstDash val="solid"/>
+                    </a:lnBlToTr>
+                    <a:noFill/>
+                  </a:tcPr>
+                </a:tc>
+                <a:tc>
+                  <a:txBody>
+                    <a:bodyPr/>
+                    <a:lstStyle/>
+                    <a:p>
+                      <a:endParaRPr lang="en-SG" sz="1200" b="1" dirty="0">
+                        <a:solidFill>
+                          <a:schemeClr val="bg1"/>
+                        </a:solidFill>
+                        <a:effectLst/>
+                        <a:latin typeface="Arial" panose="020B0604020202020204" pitchFamily="34" charset="0"/>
+                        <a:ea typeface="Calibri" panose="020F0502020204030204" pitchFamily="34" charset="0"/>
+                        <a:cs typeface="Arial" panose="020B0604020202020204" pitchFamily="34" charset="0"/>
+                      </a:endParaRPr>
+                    </a:p>
+                  </a:txBody>
+                  <a:tcPr marL="58452" marR="58452" marT="0" marB="0" anchor="ctr">
+                    <a:lnL w="12700" cap="flat" cmpd="sng" algn="ctr">
+                      <a:noFill/>
+                      <a:prstDash val="solid"/>
+                      <a:round/>
+                      <a:headEnd type="none" w="med" len="med"/>
+                      <a:tailEnd type="none" w="med" len="med"/>
+                    </a:lnL>
+                    <a:lnR w="12700" cap="flat" cmpd="sng" algn="ctr">
                       <a:solidFill>
                         <a:schemeClr val="tx1"/>
                       </a:solidFill>
@@ -6090,6 +6201,54 @@
                       <a:tailEnd type="none" w="med" len="med"/>
                     </a:lnL>
                     <a:lnR w="12700" cap="flat" cmpd="sng" algn="ctr">
+                      <a:noFill/>
+                      <a:prstDash val="solid"/>
+                      <a:round/>
+                      <a:headEnd type="none" w="med" len="med"/>
+                      <a:tailEnd type="none" w="med" len="med"/>
+                    </a:lnR>
+                    <a:lnT w="38100" cmpd="sng">
+                      <a:noFill/>
+                    </a:lnT>
+                    <a:lnB w="12700" cmpd="sng">
+                      <a:noFill/>
+                    </a:lnB>
+                    <a:lnTlToBr w="12700" cmpd="sng">
+                      <a:noFill/>
+                      <a:prstDash val="solid"/>
+                    </a:lnTlToBr>
+                    <a:lnBlToTr w="12700" cmpd="sng">
+                      <a:noFill/>
+                      <a:prstDash val="solid"/>
+                    </a:lnBlToTr>
+                    <a:noFill/>
+                  </a:tcPr>
+                </a:tc>
+                <a:tc>
+                  <a:txBody>
+                    <a:bodyPr/>
+                    <a:lstStyle/>
+                    <a:p>
+                      <a:endParaRPr lang="en-SG" sz="1200" b="1" dirty="0">
+                        <a:solidFill>
+                          <a:schemeClr val="bg1"/>
+                        </a:solidFill>
+                        <a:effectLst/>
+                        <a:latin typeface="Arial" panose="020B0604020202020204" pitchFamily="34" charset="0"/>
+                        <a:ea typeface="Calibri" panose="020F0502020204030204" pitchFamily="34" charset="0"/>
+                        <a:cs typeface="Arial" panose="020B0604020202020204" pitchFamily="34" charset="0"/>
+                      </a:endParaRPr>
+                    </a:p>
+                  </a:txBody>
+                  <a:tcPr marL="58452" marR="58452" marT="0" marB="0" anchor="ctr">
+                    <a:lnL w="12700" cap="flat" cmpd="sng" algn="ctr">
+                      <a:noFill/>
+                      <a:prstDash val="solid"/>
+                      <a:round/>
+                      <a:headEnd type="none" w="med" len="med"/>
+                      <a:tailEnd type="none" w="med" len="med"/>
+                    </a:lnL>
+                    <a:lnR w="12700" cap="flat" cmpd="sng" algn="ctr">
                       <a:solidFill>
                         <a:schemeClr val="tx1"/>
                       </a:solidFill>
@@ -6612,6 +6771,54 @@
                       <a:tailEnd type="none" w="med" len="med"/>
                     </a:lnL>
                     <a:lnR w="12700" cap="flat" cmpd="sng" algn="ctr">
+                      <a:noFill/>
+                      <a:prstDash val="solid"/>
+                      <a:round/>
+                      <a:headEnd type="none" w="med" len="med"/>
+                      <a:tailEnd type="none" w="med" len="med"/>
+                    </a:lnR>
+                    <a:lnT w="38100" cmpd="sng">
+                      <a:noFill/>
+                    </a:lnT>
+                    <a:lnB w="12700" cmpd="sng">
+                      <a:noFill/>
+                    </a:lnB>
+                    <a:lnTlToBr w="12700" cmpd="sng">
+                      <a:noFill/>
+                      <a:prstDash val="solid"/>
+                    </a:lnTlToBr>
+                    <a:lnBlToTr w="12700" cmpd="sng">
+                      <a:noFill/>
+                      <a:prstDash val="solid"/>
+                    </a:lnBlToTr>
+                    <a:noFill/>
+                  </a:tcPr>
+                </a:tc>
+                <a:tc>
+                  <a:txBody>
+                    <a:bodyPr/>
+                    <a:lstStyle/>
+                    <a:p>
+                      <a:endParaRPr lang="en-SG" sz="1200" b="1" dirty="0">
+                        <a:solidFill>
+                          <a:schemeClr val="bg1"/>
+                        </a:solidFill>
+                        <a:effectLst/>
+                        <a:latin typeface="Arial" panose="020B0604020202020204" pitchFamily="34" charset="0"/>
+                        <a:ea typeface="Calibri" panose="020F0502020204030204" pitchFamily="34" charset="0"/>
+                        <a:cs typeface="Arial" panose="020B0604020202020204" pitchFamily="34" charset="0"/>
+                      </a:endParaRPr>
+                    </a:p>
+                  </a:txBody>
+                  <a:tcPr marL="58452" marR="58452" marT="0" marB="0" anchor="ctr">
+                    <a:lnL w="12700" cap="flat" cmpd="sng" algn="ctr">
+                      <a:noFill/>
+                      <a:prstDash val="solid"/>
+                      <a:round/>
+                      <a:headEnd type="none" w="med" len="med"/>
+                      <a:tailEnd type="none" w="med" len="med"/>
+                    </a:lnL>
+                    <a:lnR w="12700" cap="flat" cmpd="sng" algn="ctr">
                       <a:solidFill>
                         <a:schemeClr val="tx1"/>
                       </a:solidFill>
@@ -7010,6 +7217,54 @@
                 </a:extLst>
               </a:tr>
               <a:tr h="252000">
+                <a:tc>
+                  <a:txBody>
+                    <a:bodyPr/>
+                    <a:lstStyle/>
+                    <a:p>
+                      <a:endParaRPr lang="en-SG" sz="1200" b="1" dirty="0">
+                        <a:solidFill>
+                          <a:schemeClr val="bg1"/>
+                        </a:solidFill>
+                        <a:effectLst/>
+                        <a:latin typeface="Arial" panose="020B0604020202020204" pitchFamily="34" charset="0"/>
+                        <a:ea typeface="Calibri" panose="020F0502020204030204" pitchFamily="34" charset="0"/>
+                        <a:cs typeface="Arial" panose="020B0604020202020204" pitchFamily="34" charset="0"/>
+                      </a:endParaRPr>
+                    </a:p>
+                  </a:txBody>
+                  <a:tcPr marL="58452" marR="58452" marT="0" marB="0" anchor="ctr">
+                    <a:lnL w="12700" cap="flat" cmpd="sng" algn="ctr">
+                      <a:noFill/>
+                      <a:prstDash val="solid"/>
+                      <a:round/>
+                      <a:headEnd type="none" w="med" len="med"/>
+                      <a:tailEnd type="none" w="med" len="med"/>
+                    </a:lnL>
+                    <a:lnR w="12700" cap="flat" cmpd="sng" algn="ctr">
+                      <a:noFill/>
+                      <a:prstDash val="solid"/>
+                      <a:round/>
+                      <a:headEnd type="none" w="med" len="med"/>
+                      <a:tailEnd type="none" w="med" len="med"/>
+                    </a:lnR>
+                    <a:lnT w="12700" cmpd="sng">
+                      <a:noFill/>
+                    </a:lnT>
+                    <a:lnB w="12700" cmpd="sng">
+                      <a:noFill/>
+                    </a:lnB>
+                    <a:lnTlToBr w="12700" cmpd="sng">
+                      <a:noFill/>
+                      <a:prstDash val="solid"/>
+                    </a:lnTlToBr>
+                    <a:lnBlToTr w="12700" cmpd="sng">
+                      <a:noFill/>
+                      <a:prstDash val="solid"/>
+                    </a:lnBlToTr>
+                    <a:noFill/>
+                  </a:tcPr>
+                </a:tc>
                 <a:tc>
                   <a:txBody>
                     <a:bodyPr/>
@@ -7577,6 +7832,54 @@
                 </a:extLst>
               </a:tr>
               <a:tr h="252000">
+                <a:tc>
+                  <a:txBody>
+                    <a:bodyPr/>
+                    <a:lstStyle/>
+                    <a:p>
+                      <a:endParaRPr lang="en-SG" sz="1200" b="1" dirty="0">
+                        <a:solidFill>
+                          <a:schemeClr val="bg1"/>
+                        </a:solidFill>
+                        <a:effectLst/>
+                        <a:latin typeface="Arial" panose="020B0604020202020204" pitchFamily="34" charset="0"/>
+                        <a:ea typeface="Calibri" panose="020F0502020204030204" pitchFamily="34" charset="0"/>
+                        <a:cs typeface="Arial" panose="020B0604020202020204" pitchFamily="34" charset="0"/>
+                      </a:endParaRPr>
+                    </a:p>
+                  </a:txBody>
+                  <a:tcPr marL="58452" marR="58452" marT="0" marB="0" anchor="ctr">
+                    <a:lnL w="12700" cap="flat" cmpd="sng" algn="ctr">
+                      <a:noFill/>
+                      <a:prstDash val="solid"/>
+                      <a:round/>
+                      <a:headEnd type="none" w="med" len="med"/>
+                      <a:tailEnd type="none" w="med" len="med"/>
+                    </a:lnL>
+                    <a:lnR w="12700" cap="flat" cmpd="sng" algn="ctr">
+                      <a:noFill/>
+                      <a:prstDash val="solid"/>
+                      <a:round/>
+                      <a:headEnd type="none" w="med" len="med"/>
+                      <a:tailEnd type="none" w="med" len="med"/>
+                    </a:lnR>
+                    <a:lnT w="12700" cmpd="sng">
+                      <a:noFill/>
+                    </a:lnT>
+                    <a:lnB w="12700" cmpd="sng">
+                      <a:noFill/>
+                    </a:lnB>
+                    <a:lnTlToBr w="12700" cmpd="sng">
+                      <a:noFill/>
+                      <a:prstDash val="solid"/>
+                    </a:lnTlToBr>
+                    <a:lnBlToTr w="12700" cmpd="sng">
+                      <a:noFill/>
+                      <a:prstDash val="solid"/>
+                    </a:lnBlToTr>
+                    <a:noFill/>
+                  </a:tcPr>
+                </a:tc>
                 <a:tc>
                   <a:txBody>
                     <a:bodyPr/>
@@ -8213,6 +8516,56 @@
                       <a:noFill/>
                       <a:prstDash val="solid"/>
                     </a:lnBlToTr>
+                    <a:solidFill>
+                      <a:srgbClr val="FFFFFF"/>
+                    </a:solidFill>
+                  </a:tcPr>
+                </a:tc>
+                <a:tc>
+                  <a:txBody>
+                    <a:bodyPr/>
+                    <a:lstStyle/>
+                    <a:p>
+                      <a:endParaRPr lang="en-SG" sz="1200" b="1" dirty="0">
+                        <a:solidFill>
+                          <a:schemeClr val="bg1"/>
+                        </a:solidFill>
+                        <a:effectLst/>
+                        <a:latin typeface="Arial" panose="020B0604020202020204" pitchFamily="34" charset="0"/>
+                        <a:ea typeface="Calibri" panose="020F0502020204030204" pitchFamily="34" charset="0"/>
+                        <a:cs typeface="Arial" panose="020B0604020202020204" pitchFamily="34" charset="0"/>
+                      </a:endParaRPr>
+                    </a:p>
+                  </a:txBody>
+                  <a:tcPr marL="58452" marR="58452" marT="0" marB="0" anchor="ctr">
+                    <a:lnL w="12700" cap="flat" cmpd="sng" algn="ctr">
+                      <a:noFill/>
+                      <a:prstDash val="solid"/>
+                      <a:round/>
+                      <a:headEnd type="none" w="med" len="med"/>
+                      <a:tailEnd type="none" w="med" len="med"/>
+                    </a:lnL>
+                    <a:lnR w="12700" cap="flat" cmpd="sng" algn="ctr">
+                      <a:noFill/>
+                      <a:prstDash val="solid"/>
+                      <a:round/>
+                      <a:headEnd type="none" w="med" len="med"/>
+                      <a:tailEnd type="none" w="med" len="med"/>
+                    </a:lnR>
+                    <a:lnT w="12700" cmpd="sng">
+                      <a:noFill/>
+                    </a:lnT>
+                    <a:lnB w="12700" cmpd="sng">
+                      <a:noFill/>
+                    </a:lnB>
+                    <a:lnTlToBr w="12700" cmpd="sng">
+                      <a:noFill/>
+                      <a:prstDash val="solid"/>
+                    </a:lnTlToBr>
+                    <a:lnBlToTr w="12700" cmpd="sng">
+                      <a:noFill/>
+                      <a:prstDash val="solid"/>
+                    </a:lnBlToTr>
                     <a:noFill/>
                   </a:tcPr>
                 </a:tc>
@@ -8824,6 +9177,54 @@
                       <a:tailEnd type="none" w="med" len="med"/>
                     </a:lnL>
                     <a:lnR w="12700" cap="flat" cmpd="sng" algn="ctr">
+                      <a:noFill/>
+                      <a:prstDash val="solid"/>
+                      <a:round/>
+                      <a:headEnd type="none" w="med" len="med"/>
+                      <a:tailEnd type="none" w="med" len="med"/>
+                    </a:lnR>
+                    <a:lnT w="12700" cmpd="sng">
+                      <a:noFill/>
+                    </a:lnT>
+                    <a:lnB w="12700" cmpd="sng">
+                      <a:noFill/>
+                    </a:lnB>
+                    <a:lnTlToBr w="12700" cmpd="sng">
+                      <a:noFill/>
+                      <a:prstDash val="solid"/>
+                    </a:lnTlToBr>
+                    <a:lnBlToTr w="12700" cmpd="sng">
+                      <a:noFill/>
+                      <a:prstDash val="solid"/>
+                    </a:lnBlToTr>
+                    <a:noFill/>
+                  </a:tcPr>
+                </a:tc>
+                <a:tc>
+                  <a:txBody>
+                    <a:bodyPr/>
+                    <a:lstStyle/>
+                    <a:p>
+                      <a:endParaRPr lang="en-SG" sz="1200" b="1" dirty="0">
+                        <a:solidFill>
+                          <a:schemeClr val="bg1"/>
+                        </a:solidFill>
+                        <a:effectLst/>
+                        <a:latin typeface="Arial" panose="020B0604020202020204" pitchFamily="34" charset="0"/>
+                        <a:ea typeface="Calibri" panose="020F0502020204030204" pitchFamily="34" charset="0"/>
+                        <a:cs typeface="Arial" panose="020B0604020202020204" pitchFamily="34" charset="0"/>
+                      </a:endParaRPr>
+                    </a:p>
+                  </a:txBody>
+                  <a:tcPr marL="58452" marR="58452" marT="0" marB="0" anchor="ctr">
+                    <a:lnL w="12700" cap="flat" cmpd="sng" algn="ctr">
+                      <a:noFill/>
+                      <a:prstDash val="solid"/>
+                      <a:round/>
+                      <a:headEnd type="none" w="med" len="med"/>
+                      <a:tailEnd type="none" w="med" len="med"/>
+                    </a:lnL>
+                    <a:lnR w="12700" cap="flat" cmpd="sng" algn="ctr">
                       <a:solidFill>
                         <a:schemeClr val="tx1"/>
                       </a:solidFill>
@@ -9270,6 +9671,54 @@
                 </a:extLst>
               </a:tr>
               <a:tr h="252000">
+                <a:tc>
+                  <a:txBody>
+                    <a:bodyPr/>
+                    <a:lstStyle/>
+                    <a:p>
+                      <a:endParaRPr lang="en-SG" sz="1200" b="1" dirty="0">
+                        <a:solidFill>
+                          <a:schemeClr val="bg1"/>
+                        </a:solidFill>
+                        <a:effectLst/>
+                        <a:latin typeface="Arial" panose="020B0604020202020204" pitchFamily="34" charset="0"/>
+                        <a:ea typeface="Calibri" panose="020F0502020204030204" pitchFamily="34" charset="0"/>
+                        <a:cs typeface="Arial" panose="020B0604020202020204" pitchFamily="34" charset="0"/>
+                      </a:endParaRPr>
+                    </a:p>
+                  </a:txBody>
+                  <a:tcPr marL="58452" marR="58452" marT="0" marB="0" anchor="ctr">
+                    <a:lnL w="12700" cap="flat" cmpd="sng" algn="ctr">
+                      <a:noFill/>
+                      <a:prstDash val="solid"/>
+                      <a:round/>
+                      <a:headEnd type="none" w="med" len="med"/>
+                      <a:tailEnd type="none" w="med" len="med"/>
+                    </a:lnL>
+                    <a:lnR w="12700" cap="flat" cmpd="sng" algn="ctr">
+                      <a:noFill/>
+                      <a:prstDash val="solid"/>
+                      <a:round/>
+                      <a:headEnd type="none" w="med" len="med"/>
+                      <a:tailEnd type="none" w="med" len="med"/>
+                    </a:lnR>
+                    <a:lnT w="12700" cmpd="sng">
+                      <a:noFill/>
+                    </a:lnT>
+                    <a:lnB w="12700" cmpd="sng">
+                      <a:noFill/>
+                    </a:lnB>
+                    <a:lnTlToBr w="12700" cmpd="sng">
+                      <a:noFill/>
+                      <a:prstDash val="solid"/>
+                    </a:lnTlToBr>
+                    <a:lnBlToTr w="12700" cmpd="sng">
+                      <a:noFill/>
+                      <a:prstDash val="solid"/>
+                    </a:lnBlToTr>
+                    <a:noFill/>
+                  </a:tcPr>
+                </a:tc>
                 <a:tc>
                   <a:txBody>
                     <a:bodyPr/>
@@ -9681,7 +10130,19 @@
                         <a:tabLst/>
                         <a:defRPr/>
                       </a:pPr>
-                      <a:endParaRPr lang="en-SG" sz="1100" b="0" dirty="0">
+                      <a:r>
+                        <a:rPr lang="en-US" sz="1600" b="0" dirty="0">
+                          <a:solidFill>
+                            <a:schemeClr val="tx1"/>
+                          </a:solidFill>
+                          <a:effectLst/>
+                          <a:latin typeface="Arial" panose="020B0604020202020204" pitchFamily="34" charset="0"/>
+                          <a:ea typeface="Calibri" panose="020F0502020204030204" pitchFamily="34" charset="0"/>
+                          <a:cs typeface="Arial" panose="020B0604020202020204" pitchFamily="34" charset="0"/>
+                        </a:rPr>
+                        <a:t>2</a:t>
+                      </a:r>
+                      <a:endParaRPr lang="en-SG" sz="1600" b="0" dirty="0">
                         <a:solidFill>
                           <a:schemeClr val="tx1"/>
                         </a:solidFill>
@@ -9740,7 +10201,19 @@
                     <a:lstStyle/>
                     <a:p>
                       <a:pPr algn="ctr"/>
-                      <a:endParaRPr lang="en-SG" sz="1100" b="0" dirty="0">
+                      <a:r>
+                        <a:rPr lang="en-US" sz="1600" b="0" dirty="0">
+                          <a:solidFill>
+                            <a:schemeClr val="tx1"/>
+                          </a:solidFill>
+                          <a:effectLst/>
+                          <a:latin typeface="Arial" panose="020B0604020202020204" pitchFamily="34" charset="0"/>
+                          <a:ea typeface="Calibri" panose="020F0502020204030204" pitchFamily="34" charset="0"/>
+                          <a:cs typeface="Arial" panose="020B0604020202020204" pitchFamily="34" charset="0"/>
+                        </a:rPr>
+                        <a:t>2</a:t>
+                      </a:r>
+                      <a:endParaRPr lang="en-SG" sz="1600" b="0" dirty="0">
                         <a:solidFill>
                           <a:schemeClr val="tx1"/>
                         </a:solidFill>
@@ -9799,7 +10272,19 @@
                     <a:lstStyle/>
                     <a:p>
                       <a:pPr algn="ctr"/>
-                      <a:endParaRPr lang="en-SG" sz="1100" b="0" dirty="0">
+                      <a:r>
+                        <a:rPr lang="en-US" sz="1600" b="0" dirty="0">
+                          <a:solidFill>
+                            <a:schemeClr val="tx1"/>
+                          </a:solidFill>
+                          <a:effectLst/>
+                          <a:latin typeface="Arial" panose="020B0604020202020204" pitchFamily="34" charset="0"/>
+                          <a:ea typeface="Calibri" panose="020F0502020204030204" pitchFamily="34" charset="0"/>
+                          <a:cs typeface="Arial" panose="020B0604020202020204" pitchFamily="34" charset="0"/>
+                        </a:rPr>
+                        <a:t>2</a:t>
+                      </a:r>
+                      <a:endParaRPr lang="en-SG" sz="1600" b="0" dirty="0">
                         <a:solidFill>
                           <a:schemeClr val="tx1"/>
                         </a:solidFill>
@@ -9859,6 +10344,54 @@
                 </a:extLst>
               </a:tr>
               <a:tr h="252000">
+                <a:tc>
+                  <a:txBody>
+                    <a:bodyPr/>
+                    <a:lstStyle/>
+                    <a:p>
+                      <a:endParaRPr lang="en-SG" sz="1200" b="1" dirty="0">
+                        <a:solidFill>
+                          <a:schemeClr val="bg1"/>
+                        </a:solidFill>
+                        <a:effectLst/>
+                        <a:latin typeface="Arial" panose="020B0604020202020204" pitchFamily="34" charset="0"/>
+                        <a:ea typeface="Calibri" panose="020F0502020204030204" pitchFamily="34" charset="0"/>
+                        <a:cs typeface="Arial" panose="020B0604020202020204" pitchFamily="34" charset="0"/>
+                      </a:endParaRPr>
+                    </a:p>
+                  </a:txBody>
+                  <a:tcPr marL="58452" marR="58452" marT="0" marB="0" anchor="ctr">
+                    <a:lnL w="12700" cap="flat" cmpd="sng" algn="ctr">
+                      <a:noFill/>
+                      <a:prstDash val="solid"/>
+                      <a:round/>
+                      <a:headEnd type="none" w="med" len="med"/>
+                      <a:tailEnd type="none" w="med" len="med"/>
+                    </a:lnL>
+                    <a:lnR w="12700" cap="flat" cmpd="sng" algn="ctr">
+                      <a:noFill/>
+                      <a:prstDash val="solid"/>
+                      <a:round/>
+                      <a:headEnd type="none" w="med" len="med"/>
+                      <a:tailEnd type="none" w="med" len="med"/>
+                    </a:lnR>
+                    <a:lnT w="12700" cmpd="sng">
+                      <a:noFill/>
+                    </a:lnT>
+                    <a:lnB w="12700" cmpd="sng">
+                      <a:noFill/>
+                    </a:lnB>
+                    <a:lnTlToBr w="12700" cmpd="sng">
+                      <a:noFill/>
+                      <a:prstDash val="solid"/>
+                    </a:lnTlToBr>
+                    <a:lnBlToTr w="12700" cmpd="sng">
+                      <a:noFill/>
+                      <a:prstDash val="solid"/>
+                    </a:lnBlToTr>
+                    <a:noFill/>
+                  </a:tcPr>
+                </a:tc>
                 <a:tc>
                   <a:txBody>
                     <a:bodyPr/>
@@ -10106,6 +10639,18 @@
                         <a:tabLst/>
                         <a:defRPr/>
                       </a:pPr>
+                      <a:r>
+                        <a:rPr lang="en-US" sz="1600" b="0" dirty="0">
+                          <a:solidFill>
+                            <a:schemeClr val="tx1"/>
+                          </a:solidFill>
+                          <a:effectLst/>
+                          <a:latin typeface="Arial" panose="020B0604020202020204" pitchFamily="34" charset="0"/>
+                          <a:ea typeface="Calibri" panose="020F0502020204030204" pitchFamily="34" charset="0"/>
+                          <a:cs typeface="Arial" panose="020B0604020202020204" pitchFamily="34" charset="0"/>
+                        </a:rPr>
+                        <a:t>1</a:t>
+                      </a:r>
                       <a:endParaRPr lang="en-SG" sz="1600" b="0" dirty="0">
                         <a:solidFill>
                           <a:schemeClr val="tx1"/>
@@ -10183,6 +10728,18 @@
                         <a:tabLst/>
                         <a:defRPr/>
                       </a:pPr>
+                      <a:r>
+                        <a:rPr lang="en-US" sz="1600" b="0" dirty="0">
+                          <a:solidFill>
+                            <a:schemeClr val="tx1"/>
+                          </a:solidFill>
+                          <a:effectLst/>
+                          <a:latin typeface="Arial" panose="020B0604020202020204" pitchFamily="34" charset="0"/>
+                          <a:ea typeface="Calibri" panose="020F0502020204030204" pitchFamily="34" charset="0"/>
+                          <a:cs typeface="Arial" panose="020B0604020202020204" pitchFamily="34" charset="0"/>
+                        </a:rPr>
+                        <a:t>1</a:t>
+                      </a:r>
                       <a:endParaRPr lang="en-SG" sz="1600" b="0" dirty="0">
                         <a:solidFill>
                           <a:schemeClr val="tx1"/>
@@ -10488,7 +11045,7 @@
                   </a:ext>
                 </a:extLst>
               </a:tr>
-              <a:tr h="252000">
+              <a:tr h="324000">
                 <a:tc>
                   <a:txBody>
                     <a:bodyPr/>
@@ -10614,6 +11171,72 @@
                         </a:rPr>
                         <a:t>N</a:t>
                       </a:r>
+                    </a:p>
+                  </a:txBody>
+                  <a:tcPr marL="58452" marR="58452" marT="0" marB="0" anchor="ctr">
+                    <a:lnL w="12700" cap="flat" cmpd="sng" algn="ctr">
+                      <a:solidFill>
+                        <a:schemeClr val="tx1"/>
+                      </a:solidFill>
+                      <a:prstDash val="solid"/>
+                      <a:round/>
+                      <a:headEnd type="none" w="med" len="med"/>
+                      <a:tailEnd type="none" w="med" len="med"/>
+                    </a:lnL>
+                    <a:lnR w="12700" cap="flat" cmpd="sng" algn="ctr">
+                      <a:solidFill>
+                        <a:schemeClr val="tx1"/>
+                      </a:solidFill>
+                      <a:prstDash val="solid"/>
+                      <a:round/>
+                      <a:headEnd type="none" w="med" len="med"/>
+                      <a:tailEnd type="none" w="med" len="med"/>
+                    </a:lnR>
+                    <a:lnT w="12700" cmpd="sng">
+                      <a:noFill/>
+                    </a:lnT>
+                    <a:lnB w="12700" cmpd="sng">
+                      <a:noFill/>
+                    </a:lnB>
+                    <a:lnTlToBr w="12700" cmpd="sng">
+                      <a:noFill/>
+                      <a:prstDash val="solid"/>
+                    </a:lnTlToBr>
+                    <a:lnBlToTr w="12700" cmpd="sng">
+                      <a:noFill/>
+                      <a:prstDash val="solid"/>
+                    </a:lnBlToTr>
+                    <a:solidFill>
+                      <a:srgbClr val="002060"/>
+                    </a:solidFill>
+                  </a:tcPr>
+                </a:tc>
+                <a:tc>
+                  <a:txBody>
+                    <a:bodyPr/>
+                    <a:lstStyle/>
+                    <a:p>
+                      <a:r>
+                        <a:rPr lang="en-US" sz="1200" b="1" dirty="0">
+                          <a:solidFill>
+                            <a:schemeClr val="bg1"/>
+                          </a:solidFill>
+                          <a:effectLst/>
+                          <a:latin typeface="Arial" panose="020B0604020202020204" pitchFamily="34" charset="0"/>
+                          <a:ea typeface="Calibri" panose="020F0502020204030204" pitchFamily="34" charset="0"/>
+                          <a:cs typeface="Arial" panose="020B0604020202020204" pitchFamily="34" charset="0"/>
+                        </a:rPr>
+                        <a:t>Variables</a:t>
+                      </a:r>
+                      <a:endParaRPr lang="en-SG" sz="1200" b="1" dirty="0">
+                        <a:solidFill>
+                          <a:schemeClr val="bg1"/>
+                        </a:solidFill>
+                        <a:effectLst/>
+                        <a:latin typeface="Arial" panose="020B0604020202020204" pitchFamily="34" charset="0"/>
+                        <a:ea typeface="Calibri" panose="020F0502020204030204" pitchFamily="34" charset="0"/>
+                        <a:cs typeface="Arial" panose="020B0604020202020204" pitchFamily="34" charset="0"/>
+                      </a:endParaRPr>
                     </a:p>
                   </a:txBody>
                   <a:tcPr marL="58452" marR="58452" marT="0" marB="0" anchor="ctr">
@@ -11234,6 +11857,33 @@
                           <a:cs typeface="Arial" panose="020B0604020202020204" pitchFamily="34" charset="0"/>
                         </a:rPr>
                         <a:t>1000</a:t>
+                      </a:r>
+                    </a:p>
+                  </a:txBody>
+                  <a:tcPr marL="58452" marR="58452" marT="0" marB="0" anchor="ctr">
+                    <a:lnT w="12700" cmpd="sng">
+                      <a:noFill/>
+                    </a:lnT>
+                    <a:solidFill>
+                      <a:srgbClr val="DAE3F3"/>
+                    </a:solidFill>
+                  </a:tcPr>
+                </a:tc>
+                <a:tc>
+                  <a:txBody>
+                    <a:bodyPr/>
+                    <a:lstStyle/>
+                    <a:p>
+                      <a:pPr algn="r"/>
+                      <a:r>
+                        <a:rPr lang="en-US" sz="1100" b="0" dirty="0">
+                          <a:solidFill>
+                            <a:sysClr val="windowText" lastClr="000000"/>
+                          </a:solidFill>
+                          <a:latin typeface="Arial" panose="020B0604020202020204" pitchFamily="34" charset="0"/>
+                          <a:cs typeface="Arial" panose="020B0604020202020204" pitchFamily="34" charset="0"/>
+                        </a:rPr>
+                        <a:t>15</a:t>
                       </a:r>
                     </a:p>
                   </a:txBody>
@@ -11713,6 +12363,41 @@
                     <a:bodyPr/>
                     <a:lstStyle/>
                     <a:p>
+                      <a:pPr algn="r"/>
+                      <a:r>
+                        <a:rPr lang="en-US" sz="1100" b="0" dirty="0">
+                          <a:solidFill>
+                            <a:schemeClr val="tx1"/>
+                          </a:solidFill>
+                          <a:effectLst/>
+                          <a:latin typeface="Arial" panose="020B0604020202020204" pitchFamily="34" charset="0"/>
+                          <a:ea typeface="Calibri" panose="020F0502020204030204" pitchFamily="34" charset="0"/>
+                          <a:cs typeface="Arial" panose="020B0604020202020204" pitchFamily="34" charset="0"/>
+                        </a:rPr>
+                        <a:t>16</a:t>
+                      </a:r>
+                      <a:endParaRPr lang="en-SG" sz="1100" b="0" dirty="0">
+                        <a:solidFill>
+                          <a:schemeClr val="tx1"/>
+                        </a:solidFill>
+                        <a:effectLst/>
+                        <a:latin typeface="Arial" panose="020B0604020202020204" pitchFamily="34" charset="0"/>
+                        <a:ea typeface="Calibri" panose="020F0502020204030204" pitchFamily="34" charset="0"/>
+                        <a:cs typeface="Arial" panose="020B0604020202020204" pitchFamily="34" charset="0"/>
+                      </a:endParaRPr>
+                    </a:p>
+                  </a:txBody>
+                  <a:tcPr marL="58452" marR="58452" marT="0" marB="0" anchor="ctr">
+                    <a:solidFill>
+                      <a:srgbClr val="DAE3F3"/>
+                    </a:solidFill>
+                  </a:tcPr>
+                </a:tc>
+                <a:tc>
+                  <a:txBody>
+                    <a:bodyPr/>
+                    <a:lstStyle/>
+                    <a:p>
                       <a:pPr marL="0" marR="0" lvl="0" indent="0" algn="ctr" defTabSz="1218987" rtl="0" eaLnBrk="1" fontAlgn="auto" latinLnBrk="0" hangingPunct="1">
                         <a:lnSpc>
                           <a:spcPct val="100000"/>
@@ -12110,6 +12795,41 @@
                     <a:bodyPr/>
                     <a:lstStyle/>
                     <a:p>
+                      <a:pPr algn="r"/>
+                      <a:r>
+                        <a:rPr lang="en-US" sz="1100" b="0" dirty="0">
+                          <a:solidFill>
+                            <a:schemeClr val="tx1"/>
+                          </a:solidFill>
+                          <a:effectLst/>
+                          <a:latin typeface="Arial" panose="020B0604020202020204" pitchFamily="34" charset="0"/>
+                          <a:ea typeface="Calibri" panose="020F0502020204030204" pitchFamily="34" charset="0"/>
+                          <a:cs typeface="Arial" panose="020B0604020202020204" pitchFamily="34" charset="0"/>
+                        </a:rPr>
+                        <a:t>18</a:t>
+                      </a:r>
+                      <a:endParaRPr lang="en-SG" sz="1100" b="0" dirty="0">
+                        <a:solidFill>
+                          <a:schemeClr val="tx1"/>
+                        </a:solidFill>
+                        <a:effectLst/>
+                        <a:latin typeface="Arial" panose="020B0604020202020204" pitchFamily="34" charset="0"/>
+                        <a:ea typeface="Calibri" panose="020F0502020204030204" pitchFamily="34" charset="0"/>
+                        <a:cs typeface="Arial" panose="020B0604020202020204" pitchFamily="34" charset="0"/>
+                      </a:endParaRPr>
+                    </a:p>
+                  </a:txBody>
+                  <a:tcPr marL="58452" marR="58452" marT="0" marB="0" anchor="ctr">
+                    <a:solidFill>
+                      <a:srgbClr val="DAE3F3"/>
+                    </a:solidFill>
+                  </a:tcPr>
+                </a:tc>
+                <a:tc>
+                  <a:txBody>
+                    <a:bodyPr/>
+                    <a:lstStyle/>
+                    <a:p>
                       <a:pPr marL="0" marR="0" lvl="0" indent="0" algn="ctr" defTabSz="1218987" rtl="0" eaLnBrk="1" fontAlgn="auto" latinLnBrk="0" hangingPunct="1">
                         <a:lnSpc>
                           <a:spcPct val="100000"/>
@@ -12469,6 +13189,41 @@
                         </a:rPr>
                         <a:t>500</a:t>
                       </a:r>
+                    </a:p>
+                  </a:txBody>
+                  <a:tcPr marL="58452" marR="58452" marT="0" marB="0" anchor="ctr">
+                    <a:solidFill>
+                      <a:srgbClr val="DAE3F3"/>
+                    </a:solidFill>
+                  </a:tcPr>
+                </a:tc>
+                <a:tc>
+                  <a:txBody>
+                    <a:bodyPr/>
+                    <a:lstStyle/>
+                    <a:p>
+                      <a:pPr algn="r"/>
+                      <a:r>
+                        <a:rPr lang="en-US" sz="1100" b="0" dirty="0">
+                          <a:solidFill>
+                            <a:schemeClr val="tx1"/>
+                          </a:solidFill>
+                          <a:effectLst/>
+                          <a:latin typeface="Arial" panose="020B0604020202020204" pitchFamily="34" charset="0"/>
+                          <a:ea typeface="Calibri" panose="020F0502020204030204" pitchFamily="34" charset="0"/>
+                          <a:cs typeface="Arial" panose="020B0604020202020204" pitchFamily="34" charset="0"/>
+                        </a:rPr>
+                        <a:t>16</a:t>
+                      </a:r>
+                      <a:endParaRPr lang="en-SG" sz="1100" b="0" dirty="0">
+                        <a:solidFill>
+                          <a:schemeClr val="tx1"/>
+                        </a:solidFill>
+                        <a:effectLst/>
+                        <a:latin typeface="Arial" panose="020B0604020202020204" pitchFamily="34" charset="0"/>
+                        <a:ea typeface="Calibri" panose="020F0502020204030204" pitchFamily="34" charset="0"/>
+                        <a:cs typeface="Arial" panose="020B0604020202020204" pitchFamily="34" charset="0"/>
+                      </a:endParaRPr>
                     </a:p>
                   </a:txBody>
                   <a:tcPr marL="58452" marR="58452" marT="0" marB="0" anchor="ctr">
@@ -12934,6 +13689,57 @@
                     <a:bodyPr/>
                     <a:lstStyle/>
                     <a:p>
+                      <a:pPr marL="0" marR="0" lvl="0" indent="0" algn="r" defTabSz="1218987" rtl="0" eaLnBrk="1" fontAlgn="auto" latinLnBrk="0" hangingPunct="1">
+                        <a:lnSpc>
+                          <a:spcPct val="100000"/>
+                        </a:lnSpc>
+                        <a:spcBef>
+                          <a:spcPts val="0"/>
+                        </a:spcBef>
+                        <a:spcAft>
+                          <a:spcPts val="0"/>
+                        </a:spcAft>
+                        <a:buClrTx/>
+                        <a:buSzTx/>
+                        <a:buFontTx/>
+                        <a:buNone/>
+                        <a:tabLst/>
+                        <a:defRPr/>
+                      </a:pPr>
+                      <a:r>
+                        <a:rPr lang="en-US" sz="1100" b="0" dirty="0">
+                          <a:solidFill>
+                            <a:schemeClr val="tx1"/>
+                          </a:solidFill>
+                          <a:effectLst/>
+                          <a:latin typeface="Arial" panose="020B0604020202020204" pitchFamily="34" charset="0"/>
+                          <a:ea typeface="Calibri" panose="020F0502020204030204" pitchFamily="34" charset="0"/>
+                          <a:cs typeface="Arial" panose="020B0604020202020204" pitchFamily="34" charset="0"/>
+                        </a:rPr>
+                        <a:t>16</a:t>
+                      </a:r>
+                      <a:endParaRPr lang="en-SG" sz="1100" b="0" dirty="0">
+                        <a:solidFill>
+                          <a:schemeClr val="tx1"/>
+                        </a:solidFill>
+                        <a:effectLst/>
+                        <a:latin typeface="Arial" panose="020B0604020202020204" pitchFamily="34" charset="0"/>
+                        <a:ea typeface="Calibri" panose="020F0502020204030204" pitchFamily="34" charset="0"/>
+                        <a:cs typeface="Arial" panose="020B0604020202020204" pitchFamily="34" charset="0"/>
+                      </a:endParaRPr>
+                    </a:p>
+                  </a:txBody>
+                  <a:tcPr marL="58452" marR="58452" marT="0" marB="0" anchor="ctr">
+                    <a:solidFill>
+                      <a:srgbClr val="DAE3F3"/>
+                    </a:solidFill>
+                  </a:tcPr>
+                </a:tc>
+                <a:tc>
+                  <a:txBody>
+                    <a:bodyPr/>
+                    <a:lstStyle/>
+                    <a:p>
                       <a:pPr marL="0" marR="0" lvl="0" indent="0" algn="ctr" defTabSz="1218987" rtl="0" eaLnBrk="1" fontAlgn="auto" latinLnBrk="0" hangingPunct="1">
                         <a:lnSpc>
                           <a:spcPct val="100000"/>
@@ -13332,6 +14138,41 @@
                     <a:bodyPr/>
                     <a:lstStyle/>
                     <a:p>
+                      <a:pPr algn="r"/>
+                      <a:r>
+                        <a:rPr lang="en-US" sz="1100" b="0" dirty="0">
+                          <a:solidFill>
+                            <a:schemeClr val="tx1"/>
+                          </a:solidFill>
+                          <a:effectLst/>
+                          <a:latin typeface="Arial" panose="020B0604020202020204" pitchFamily="34" charset="0"/>
+                          <a:ea typeface="Calibri" panose="020F0502020204030204" pitchFamily="34" charset="0"/>
+                          <a:cs typeface="Arial" panose="020B0604020202020204" pitchFamily="34" charset="0"/>
+                        </a:rPr>
+                        <a:t>14</a:t>
+                      </a:r>
+                      <a:endParaRPr lang="en-SG" sz="1100" b="0" dirty="0">
+                        <a:solidFill>
+                          <a:schemeClr val="tx1"/>
+                        </a:solidFill>
+                        <a:effectLst/>
+                        <a:latin typeface="Arial" panose="020B0604020202020204" pitchFamily="34" charset="0"/>
+                        <a:ea typeface="Calibri" panose="020F0502020204030204" pitchFamily="34" charset="0"/>
+                        <a:cs typeface="Arial" panose="020B0604020202020204" pitchFamily="34" charset="0"/>
+                      </a:endParaRPr>
+                    </a:p>
+                  </a:txBody>
+                  <a:tcPr marL="58452" marR="58452" marT="0" marB="0" anchor="ctr">
+                    <a:solidFill>
+                      <a:srgbClr val="DAE3F3"/>
+                    </a:solidFill>
+                  </a:tcPr>
+                </a:tc>
+                <a:tc>
+                  <a:txBody>
+                    <a:bodyPr/>
+                    <a:lstStyle/>
+                    <a:p>
                       <a:pPr marL="0" marR="0" lvl="0" indent="0" algn="ctr" defTabSz="1218987" rtl="0" eaLnBrk="1" fontAlgn="auto" latinLnBrk="0" hangingPunct="1">
                         <a:lnSpc>
                           <a:spcPct val="100000"/>
@@ -13636,7 +14477,7 @@
                 </a:extLst>
               </a:tr>
               <a:tr h="252000">
-                <a:tc gridSpan="3">
+                <a:tc gridSpan="4">
                   <a:txBody>
                     <a:bodyPr/>
                     <a:lstStyle/>
@@ -13720,6 +14561,45 @@
                   <a:tcPr marL="58452" marR="58452" marT="0" marB="0" anchor="ctr">
                     <a:solidFill>
                       <a:srgbClr val="DAE3F3"/>
+                    </a:solidFill>
+                  </a:tcPr>
+                </a:tc>
+                <a:tc hMerge="1">
+                  <a:txBody>
+                    <a:bodyPr/>
+                    <a:lstStyle/>
+                    <a:p>
+                      <a:pPr marL="0" marR="0" lvl="0" indent="0" algn="l" defTabSz="1218987" rtl="0" eaLnBrk="1" fontAlgn="auto" latinLnBrk="0" hangingPunct="1">
+                        <a:lnSpc>
+                          <a:spcPct val="100000"/>
+                        </a:lnSpc>
+                        <a:spcBef>
+                          <a:spcPts val="0"/>
+                        </a:spcBef>
+                        <a:spcAft>
+                          <a:spcPts val="0"/>
+                        </a:spcAft>
+                        <a:buClrTx/>
+                        <a:buSzTx/>
+                        <a:buFontTx/>
+                        <a:buNone/>
+                        <a:tabLst/>
+                        <a:defRPr/>
+                      </a:pPr>
+                      <a:endParaRPr lang="en-SG" sz="1200" b="1" dirty="0">
+                        <a:solidFill>
+                          <a:schemeClr val="bg1"/>
+                        </a:solidFill>
+                        <a:effectLst/>
+                        <a:latin typeface="Arial" panose="020B0604020202020204" pitchFamily="34" charset="0"/>
+                        <a:ea typeface="Calibri" panose="020F0502020204030204" pitchFamily="34" charset="0"/>
+                        <a:cs typeface="Arial" panose="020B0604020202020204" pitchFamily="34" charset="0"/>
+                      </a:endParaRPr>
+                    </a:p>
+                  </a:txBody>
+                  <a:tcPr marL="58452" marR="58452" marT="0" marB="0" anchor="ctr">
+                    <a:solidFill>
+                      <a:srgbClr val="660066"/>
                     </a:solidFill>
                   </a:tcPr>
                 </a:tc>

--- a/images/image_maker.pptx
+++ b/images/image_maker.pptx
@@ -22,6 +22,7 @@
     <p:sldId id="272" r:id="rId16"/>
     <p:sldId id="273" r:id="rId17"/>
     <p:sldId id="274" r:id="rId18"/>
+    <p:sldId id="275" r:id="rId19"/>
   </p:sldIdLst>
   <p:sldSz cx="12192000" cy="6858000"/>
   <p:notesSz cx="6858000" cy="9144000"/>
@@ -277,7 +278,7 @@
           <a:p>
             <a:fld id="{C4C33896-74DC-4DC9-8FFE-C8D9D6A25E64}" type="datetimeFigureOut">
               <a:rPr lang="en-SG" smtClean="0"/>
-              <a:t>24/5/2025</a:t>
+              <a:t>25/5/2025</a:t>
             </a:fld>
             <a:endParaRPr lang="en-SG"/>
           </a:p>
@@ -477,7 +478,7 @@
           <a:p>
             <a:fld id="{C4C33896-74DC-4DC9-8FFE-C8D9D6A25E64}" type="datetimeFigureOut">
               <a:rPr lang="en-SG" smtClean="0"/>
-              <a:t>24/5/2025</a:t>
+              <a:t>25/5/2025</a:t>
             </a:fld>
             <a:endParaRPr lang="en-SG"/>
           </a:p>
@@ -687,7 +688,7 @@
           <a:p>
             <a:fld id="{C4C33896-74DC-4DC9-8FFE-C8D9D6A25E64}" type="datetimeFigureOut">
               <a:rPr lang="en-SG" smtClean="0"/>
-              <a:t>24/5/2025</a:t>
+              <a:t>25/5/2025</a:t>
             </a:fld>
             <a:endParaRPr lang="en-SG"/>
           </a:p>
@@ -887,7 +888,7 @@
           <a:p>
             <a:fld id="{C4C33896-74DC-4DC9-8FFE-C8D9D6A25E64}" type="datetimeFigureOut">
               <a:rPr lang="en-SG" smtClean="0"/>
-              <a:t>24/5/2025</a:t>
+              <a:t>25/5/2025</a:t>
             </a:fld>
             <a:endParaRPr lang="en-SG"/>
           </a:p>
@@ -1163,7 +1164,7 @@
           <a:p>
             <a:fld id="{C4C33896-74DC-4DC9-8FFE-C8D9D6A25E64}" type="datetimeFigureOut">
               <a:rPr lang="en-SG" smtClean="0"/>
-              <a:t>24/5/2025</a:t>
+              <a:t>25/5/2025</a:t>
             </a:fld>
             <a:endParaRPr lang="en-SG"/>
           </a:p>
@@ -1431,7 +1432,7 @@
           <a:p>
             <a:fld id="{C4C33896-74DC-4DC9-8FFE-C8D9D6A25E64}" type="datetimeFigureOut">
               <a:rPr lang="en-SG" smtClean="0"/>
-              <a:t>24/5/2025</a:t>
+              <a:t>25/5/2025</a:t>
             </a:fld>
             <a:endParaRPr lang="en-SG"/>
           </a:p>
@@ -1846,7 +1847,7 @@
           <a:p>
             <a:fld id="{C4C33896-74DC-4DC9-8FFE-C8D9D6A25E64}" type="datetimeFigureOut">
               <a:rPr lang="en-SG" smtClean="0"/>
-              <a:t>24/5/2025</a:t>
+              <a:t>25/5/2025</a:t>
             </a:fld>
             <a:endParaRPr lang="en-SG"/>
           </a:p>
@@ -1988,7 +1989,7 @@
           <a:p>
             <a:fld id="{C4C33896-74DC-4DC9-8FFE-C8D9D6A25E64}" type="datetimeFigureOut">
               <a:rPr lang="en-SG" smtClean="0"/>
-              <a:t>24/5/2025</a:t>
+              <a:t>25/5/2025</a:t>
             </a:fld>
             <a:endParaRPr lang="en-SG"/>
           </a:p>
@@ -2101,7 +2102,7 @@
           <a:p>
             <a:fld id="{C4C33896-74DC-4DC9-8FFE-C8D9D6A25E64}" type="datetimeFigureOut">
               <a:rPr lang="en-SG" smtClean="0"/>
-              <a:t>24/5/2025</a:t>
+              <a:t>25/5/2025</a:t>
             </a:fld>
             <a:endParaRPr lang="en-SG"/>
           </a:p>
@@ -2414,7 +2415,7 @@
           <a:p>
             <a:fld id="{C4C33896-74DC-4DC9-8FFE-C8D9D6A25E64}" type="datetimeFigureOut">
               <a:rPr lang="en-SG" smtClean="0"/>
-              <a:t>24/5/2025</a:t>
+              <a:t>25/5/2025</a:t>
             </a:fld>
             <a:endParaRPr lang="en-SG"/>
           </a:p>
@@ -2703,7 +2704,7 @@
           <a:p>
             <a:fld id="{C4C33896-74DC-4DC9-8FFE-C8D9D6A25E64}" type="datetimeFigureOut">
               <a:rPr lang="en-SG" smtClean="0"/>
-              <a:t>24/5/2025</a:t>
+              <a:t>25/5/2025</a:t>
             </a:fld>
             <a:endParaRPr lang="en-SG"/>
           </a:p>
@@ -2946,7 +2947,7 @@
           <a:p>
             <a:fld id="{C4C33896-74DC-4DC9-8FFE-C8D9D6A25E64}" type="datetimeFigureOut">
               <a:rPr lang="en-SG" smtClean="0"/>
-              <a:t>24/5/2025</a:t>
+              <a:t>25/5/2025</a:t>
             </a:fld>
             <a:endParaRPr lang="en-SG"/>
           </a:p>
@@ -4835,14 +4836,14 @@
           <p:nvPr>
             <p:extLst>
               <p:ext uri="{D42A27DB-BD31-4B8C-83A1-F6EECF244321}">
-                <p14:modId xmlns:p14="http://schemas.microsoft.com/office/powerpoint/2010/main" val="98930497"/>
+                <p14:modId xmlns:p14="http://schemas.microsoft.com/office/powerpoint/2010/main" val="503393624"/>
               </p:ext>
             </p:extLst>
           </p:nvPr>
         </p:nvGraphicFramePr>
         <p:xfrm>
-          <a:off x="1575816" y="322842"/>
-          <a:ext cx="7470358" cy="4702560"/>
+          <a:off x="1493520" y="479562"/>
+          <a:ext cx="7508958" cy="4702560"/>
         </p:xfrm>
         <a:graphic>
           <a:graphicData uri="http://schemas.openxmlformats.org/drawingml/2006/table">
@@ -4900,7 +4901,7 @@
                     </a:ext>
                   </a:extLst>
                 </a:gridCol>
-                <a:gridCol w="537400">
+                <a:gridCol w="576000">
                   <a:extLst>
                     <a:ext uri="{9D8B030D-6E8A-4147-A177-3AD203B41FA5}">
                       <a16:colId xmlns:a16="http://schemas.microsoft.com/office/drawing/2014/main" val="2759191869"/>
@@ -8516,9 +8517,7 @@
                       <a:noFill/>
                       <a:prstDash val="solid"/>
                     </a:lnBlToTr>
-                    <a:solidFill>
-                      <a:srgbClr val="FFFFFF"/>
-                    </a:solidFill>
+                    <a:noFill/>
                   </a:tcPr>
                 </a:tc>
                 <a:tc>
@@ -14907,14 +14906,14 @@
           <p:nvPr>
             <p:extLst>
               <p:ext uri="{D42A27DB-BD31-4B8C-83A1-F6EECF244321}">
-                <p14:modId xmlns:p14="http://schemas.microsoft.com/office/powerpoint/2010/main" val="845209696"/>
+                <p14:modId xmlns:p14="http://schemas.microsoft.com/office/powerpoint/2010/main" val="1358320450"/>
               </p:ext>
             </p:extLst>
           </p:nvPr>
         </p:nvGraphicFramePr>
         <p:xfrm>
           <a:off x="9399872" y="3086599"/>
-          <a:ext cx="1830138" cy="1097280"/>
+          <a:ext cx="2134370" cy="1097280"/>
         </p:xfrm>
         <a:graphic>
           <a:graphicData uri="http://schemas.openxmlformats.org/drawingml/2006/table">
@@ -14923,14 +14922,14 @@
                 <a:tableStyleId>{5C22544A-7EE6-4342-B048-85BDC9FD1C3A}</a:tableStyleId>
               </a:tblPr>
               <a:tblGrid>
-                <a:gridCol w="483645">
+                <a:gridCol w="565200">
                   <a:extLst>
                     <a:ext uri="{9D8B030D-6E8A-4147-A177-3AD203B41FA5}">
                       <a16:colId xmlns:a16="http://schemas.microsoft.com/office/drawing/2014/main" val="333396453"/>
                     </a:ext>
                   </a:extLst>
                 </a:gridCol>
-                <a:gridCol w="1346493">
+                <a:gridCol w="1569170">
                   <a:extLst>
                     <a:ext uri="{9D8B030D-6E8A-4147-A177-3AD203B41FA5}">
                       <a16:colId xmlns:a16="http://schemas.microsoft.com/office/drawing/2014/main" val="722197458"/>
@@ -15499,7 +15498,7 @@
           <p:nvPr>
             <p:extLst>
               <p:ext uri="{D42A27DB-BD31-4B8C-83A1-F6EECF244321}">
-                <p14:modId xmlns:p14="http://schemas.microsoft.com/office/powerpoint/2010/main" val="696301377"/>
+                <p14:modId xmlns:p14="http://schemas.microsoft.com/office/powerpoint/2010/main" val="3738563449"/>
               </p:ext>
             </p:extLst>
           </p:nvPr>
@@ -16508,6 +16507,179 @@
     <p:extLst>
       <p:ext uri="{BB962C8B-B14F-4D97-AF65-F5344CB8AC3E}">
         <p14:creationId xmlns:p14="http://schemas.microsoft.com/office/powerpoint/2010/main" val="1112381252"/>
+      </p:ext>
+    </p:extLst>
+  </p:cSld>
+  <p:clrMapOvr>
+    <a:masterClrMapping/>
+  </p:clrMapOvr>
+</p:sld>
+</file>
+
+<file path=ppt/slides/slide18.xml><?xml version="1.0" encoding="utf-8"?>
+<p:sld xmlns:a="http://schemas.openxmlformats.org/drawingml/2006/main" xmlns:r="http://schemas.openxmlformats.org/officeDocument/2006/relationships" xmlns:p="http://schemas.openxmlformats.org/presentationml/2006/main">
+  <p:cSld>
+    <p:spTree>
+      <p:nvGrpSpPr>
+        <p:cNvPr id="1" name=""/>
+        <p:cNvGrpSpPr/>
+        <p:nvPr/>
+      </p:nvGrpSpPr>
+      <p:grpSpPr>
+        <a:xfrm>
+          <a:off x="0" y="0"/>
+          <a:ext cx="0" cy="0"/>
+          <a:chOff x="0" y="0"/>
+          <a:chExt cx="0" cy="0"/>
+        </a:xfrm>
+      </p:grpSpPr>
+      <p:pic>
+        <p:nvPicPr>
+          <p:cNvPr id="3" name="Picture 2">
+            <a:extLst>
+              <a:ext uri="{FF2B5EF4-FFF2-40B4-BE49-F238E27FC236}">
+                <a16:creationId xmlns:a16="http://schemas.microsoft.com/office/drawing/2014/main" id="{DA3F18A4-EFE0-FCAB-9C0E-C0C12DC349AD}"/>
+              </a:ext>
+            </a:extLst>
+          </p:cNvPr>
+          <p:cNvPicPr>
+            <a:picLocks noChangeAspect="1"/>
+          </p:cNvPicPr>
+          <p:nvPr/>
+        </p:nvPicPr>
+        <p:blipFill>
+          <a:blip r:embed="rId2">
+            <a:extLst>
+              <a:ext uri="{28A0092B-C50C-407E-A947-70E740481C1C}">
+                <a14:useLocalDpi xmlns:a14="http://schemas.microsoft.com/office/drawing/2010/main" val="0"/>
+              </a:ext>
+            </a:extLst>
+          </a:blip>
+          <a:srcRect l="13192" t="3952" r="12171" b="22626"/>
+          <a:stretch/>
+        </p:blipFill>
+        <p:spPr>
+          <a:xfrm>
+            <a:off x="1493471" y="807636"/>
+            <a:ext cx="4312969" cy="1453896"/>
+          </a:xfrm>
+          <a:prstGeom prst="rect">
+            <a:avLst/>
+          </a:prstGeom>
+        </p:spPr>
+      </p:pic>
+      <p:pic>
+        <p:nvPicPr>
+          <p:cNvPr id="5" name="Picture 4">
+            <a:extLst>
+              <a:ext uri="{FF2B5EF4-FFF2-40B4-BE49-F238E27FC236}">
+                <a16:creationId xmlns:a16="http://schemas.microsoft.com/office/drawing/2014/main" id="{329CE28F-097F-D406-4C47-26FB9A0B8079}"/>
+              </a:ext>
+            </a:extLst>
+          </p:cNvPr>
+          <p:cNvPicPr>
+            <a:picLocks noChangeAspect="1"/>
+          </p:cNvPicPr>
+          <p:nvPr/>
+        </p:nvPicPr>
+        <p:blipFill>
+          <a:blip r:embed="rId3">
+            <a:extLst>
+              <a:ext uri="{28A0092B-C50C-407E-A947-70E740481C1C}">
+                <a14:useLocalDpi xmlns:a14="http://schemas.microsoft.com/office/drawing/2010/main" val="0"/>
+              </a:ext>
+            </a:extLst>
+          </a:blip>
+          <a:stretch>
+            <a:fillRect/>
+          </a:stretch>
+        </p:blipFill>
+        <p:spPr>
+          <a:xfrm>
+            <a:off x="6638544" y="289391"/>
+            <a:ext cx="4798436" cy="2490386"/>
+          </a:xfrm>
+          <a:prstGeom prst="rect">
+            <a:avLst/>
+          </a:prstGeom>
+        </p:spPr>
+      </p:pic>
+      <p:pic>
+        <p:nvPicPr>
+          <p:cNvPr id="7" name="Picture 6">
+            <a:extLst>
+              <a:ext uri="{FF2B5EF4-FFF2-40B4-BE49-F238E27FC236}">
+                <a16:creationId xmlns:a16="http://schemas.microsoft.com/office/drawing/2014/main" id="{6042B384-AA85-D951-49BC-8E34F0BD1F82}"/>
+              </a:ext>
+            </a:extLst>
+          </p:cNvPr>
+          <p:cNvPicPr>
+            <a:picLocks noChangeAspect="1"/>
+          </p:cNvPicPr>
+          <p:nvPr/>
+        </p:nvPicPr>
+        <p:blipFill>
+          <a:blip r:embed="rId4">
+            <a:extLst>
+              <a:ext uri="{28A0092B-C50C-407E-A947-70E740481C1C}">
+                <a14:useLocalDpi xmlns:a14="http://schemas.microsoft.com/office/drawing/2010/main" val="0"/>
+              </a:ext>
+            </a:extLst>
+          </a:blip>
+          <a:stretch>
+            <a:fillRect/>
+          </a:stretch>
+        </p:blipFill>
+        <p:spPr>
+          <a:xfrm>
+            <a:off x="780239" y="3123992"/>
+            <a:ext cx="5315761" cy="3153908"/>
+          </a:xfrm>
+          <a:prstGeom prst="rect">
+            <a:avLst/>
+          </a:prstGeom>
+        </p:spPr>
+      </p:pic>
+      <p:pic>
+        <p:nvPicPr>
+          <p:cNvPr id="9" name="Picture 8">
+            <a:extLst>
+              <a:ext uri="{FF2B5EF4-FFF2-40B4-BE49-F238E27FC236}">
+                <a16:creationId xmlns:a16="http://schemas.microsoft.com/office/drawing/2014/main" id="{10D4887C-3467-A566-2B23-1B79C7E3CE71}"/>
+              </a:ext>
+            </a:extLst>
+          </p:cNvPr>
+          <p:cNvPicPr>
+            <a:picLocks noChangeAspect="1"/>
+          </p:cNvPicPr>
+          <p:nvPr/>
+        </p:nvPicPr>
+        <p:blipFill>
+          <a:blip r:embed="rId5">
+            <a:extLst>
+              <a:ext uri="{28A0092B-C50C-407E-A947-70E740481C1C}">
+                <a14:useLocalDpi xmlns:a14="http://schemas.microsoft.com/office/drawing/2010/main" val="0"/>
+              </a:ext>
+            </a:extLst>
+          </a:blip>
+          <a:stretch>
+            <a:fillRect/>
+          </a:stretch>
+        </p:blipFill>
+        <p:spPr>
+          <a:xfrm>
+            <a:off x="6455664" y="3690709"/>
+            <a:ext cx="4899564" cy="2345909"/>
+          </a:xfrm>
+          <a:prstGeom prst="rect">
+            <a:avLst/>
+          </a:prstGeom>
+        </p:spPr>
+      </p:pic>
+    </p:spTree>
+    <p:extLst>
+      <p:ext uri="{BB962C8B-B14F-4D97-AF65-F5344CB8AC3E}">
+        <p14:creationId xmlns:p14="http://schemas.microsoft.com/office/powerpoint/2010/main" val="1241627704"/>
       </p:ext>
     </p:extLst>
   </p:cSld>

--- a/images/image_maker.pptx
+++ b/images/image_maker.pptx
@@ -21,8 +21,9 @@
     <p:sldId id="271" r:id="rId15"/>
     <p:sldId id="272" r:id="rId16"/>
     <p:sldId id="273" r:id="rId17"/>
-    <p:sldId id="274" r:id="rId18"/>
-    <p:sldId id="275" r:id="rId19"/>
+    <p:sldId id="276" r:id="rId18"/>
+    <p:sldId id="274" r:id="rId19"/>
+    <p:sldId id="275" r:id="rId20"/>
   </p:sldIdLst>
   <p:sldSz cx="12192000" cy="6858000"/>
   <p:notesSz cx="6858000" cy="9144000"/>
@@ -4809,6 +4810,1243 @@
   <p:cSld>
     <p:spTree>
       <p:nvGrpSpPr>
+        <p:cNvPr id="1" name="">
+          <a:extLst>
+            <a:ext uri="{FF2B5EF4-FFF2-40B4-BE49-F238E27FC236}">
+              <a16:creationId xmlns:a16="http://schemas.microsoft.com/office/drawing/2014/main" id="{7F96283B-2BDC-E5FB-BCA8-045BC1B813EC}"/>
+            </a:ext>
+          </a:extLst>
+        </p:cNvPr>
+        <p:cNvGrpSpPr/>
+        <p:nvPr/>
+      </p:nvGrpSpPr>
+      <p:grpSpPr>
+        <a:xfrm>
+          <a:off x="0" y="0"/>
+          <a:ext cx="0" cy="0"/>
+          <a:chOff x="0" y="0"/>
+          <a:chExt cx="0" cy="0"/>
+        </a:xfrm>
+      </p:grpSpPr>
+      <p:graphicFrame>
+        <p:nvGraphicFramePr>
+          <p:cNvPr id="2" name="Table 1">
+            <a:extLst>
+              <a:ext uri="{FF2B5EF4-FFF2-40B4-BE49-F238E27FC236}">
+                <a16:creationId xmlns:a16="http://schemas.microsoft.com/office/drawing/2014/main" id="{1146067D-AF78-7260-69E8-F7AEA2E5689E}"/>
+              </a:ext>
+            </a:extLst>
+          </p:cNvPr>
+          <p:cNvGraphicFramePr>
+            <a:graphicFrameLocks noGrp="1"/>
+          </p:cNvGraphicFramePr>
+          <p:nvPr>
+            <p:extLst>
+              <p:ext uri="{D42A27DB-BD31-4B8C-83A1-F6EECF244321}">
+                <p14:modId xmlns:p14="http://schemas.microsoft.com/office/powerpoint/2010/main" val="66519248"/>
+              </p:ext>
+            </p:extLst>
+          </p:nvPr>
+        </p:nvGraphicFramePr>
+        <p:xfrm>
+          <a:off x="5325035" y="545930"/>
+          <a:ext cx="6761343" cy="2494280"/>
+        </p:xfrm>
+        <a:graphic>
+          <a:graphicData uri="http://schemas.openxmlformats.org/drawingml/2006/table">
+            <a:tbl>
+              <a:tblPr firstRow="1" bandRow="1">
+                <a:tableStyleId>{5C22544A-7EE6-4342-B048-85BDC9FD1C3A}</a:tableStyleId>
+              </a:tblPr>
+              <a:tblGrid>
+                <a:gridCol w="1798230">
+                  <a:extLst>
+                    <a:ext uri="{9D8B030D-6E8A-4147-A177-3AD203B41FA5}">
+                      <a16:colId xmlns:a16="http://schemas.microsoft.com/office/drawing/2014/main" val="1454190497"/>
+                    </a:ext>
+                  </a:extLst>
+                </a:gridCol>
+                <a:gridCol w="1654371">
+                  <a:extLst>
+                    <a:ext uri="{9D8B030D-6E8A-4147-A177-3AD203B41FA5}">
+                      <a16:colId xmlns:a16="http://schemas.microsoft.com/office/drawing/2014/main" val="2076571614"/>
+                    </a:ext>
+                  </a:extLst>
+                </a:gridCol>
+                <a:gridCol w="1654371">
+                  <a:extLst>
+                    <a:ext uri="{9D8B030D-6E8A-4147-A177-3AD203B41FA5}">
+                      <a16:colId xmlns:a16="http://schemas.microsoft.com/office/drawing/2014/main" val="2997695204"/>
+                    </a:ext>
+                  </a:extLst>
+                </a:gridCol>
+                <a:gridCol w="1654371">
+                  <a:extLst>
+                    <a:ext uri="{9D8B030D-6E8A-4147-A177-3AD203B41FA5}">
+                      <a16:colId xmlns:a16="http://schemas.microsoft.com/office/drawing/2014/main" val="1372786122"/>
+                    </a:ext>
+                  </a:extLst>
+                </a:gridCol>
+              </a:tblGrid>
+              <a:tr h="370840">
+                <a:tc>
+                  <a:txBody>
+                    <a:bodyPr/>
+                    <a:lstStyle/>
+                    <a:p>
+                      <a:r>
+                        <a:rPr lang="en-US" dirty="0">
+                          <a:latin typeface="Lato" panose="020F0502020204030203" pitchFamily="34" charset="0"/>
+                          <a:ea typeface="Lato" panose="020F0502020204030203" pitchFamily="34" charset="0"/>
+                          <a:cs typeface="Lato" panose="020F0502020204030203" pitchFamily="34" charset="0"/>
+                        </a:rPr>
+                        <a:t>Patient</a:t>
+                      </a:r>
+                      <a:endParaRPr lang="en-SG" dirty="0">
+                        <a:latin typeface="Lato" panose="020F0502020204030203" pitchFamily="34" charset="0"/>
+                        <a:ea typeface="Lato" panose="020F0502020204030203" pitchFamily="34" charset="0"/>
+                        <a:cs typeface="Lato" panose="020F0502020204030203" pitchFamily="34" charset="0"/>
+                      </a:endParaRPr>
+                    </a:p>
+                  </a:txBody>
+                  <a:tcPr anchor="ctr"/>
+                </a:tc>
+                <a:tc>
+                  <a:txBody>
+                    <a:bodyPr/>
+                    <a:lstStyle/>
+                    <a:p>
+                      <a:r>
+                        <a:rPr lang="en-US" dirty="0" err="1">
+                          <a:latin typeface="Lato" panose="020F0502020204030203" pitchFamily="34" charset="0"/>
+                          <a:ea typeface="Lato" panose="020F0502020204030203" pitchFamily="34" charset="0"/>
+                          <a:cs typeface="Lato" panose="020F0502020204030203" pitchFamily="34" charset="0"/>
+                        </a:rPr>
+                        <a:t>smoke_history</a:t>
+                      </a:r>
+                      <a:endParaRPr lang="en-SG" dirty="0">
+                        <a:latin typeface="Lato" panose="020F0502020204030203" pitchFamily="34" charset="0"/>
+                        <a:ea typeface="Lato" panose="020F0502020204030203" pitchFamily="34" charset="0"/>
+                        <a:cs typeface="Lato" panose="020F0502020204030203" pitchFamily="34" charset="0"/>
+                      </a:endParaRPr>
+                    </a:p>
+                  </a:txBody>
+                  <a:tcPr anchor="ctr"/>
+                </a:tc>
+                <a:tc>
+                  <a:txBody>
+                    <a:bodyPr/>
+                    <a:lstStyle/>
+                    <a:p>
+                      <a:r>
+                        <a:rPr lang="en-US" dirty="0" err="1">
+                          <a:latin typeface="Lato" panose="020F0502020204030203" pitchFamily="34" charset="0"/>
+                          <a:ea typeface="Lato" panose="020F0502020204030203" pitchFamily="34" charset="0"/>
+                          <a:cs typeface="Lato" panose="020F0502020204030203" pitchFamily="34" charset="0"/>
+                        </a:rPr>
+                        <a:t>smoke_current</a:t>
+                      </a:r>
+                      <a:endParaRPr lang="en-SG" dirty="0">
+                        <a:latin typeface="Lato" panose="020F0502020204030203" pitchFamily="34" charset="0"/>
+                        <a:ea typeface="Lato" panose="020F0502020204030203" pitchFamily="34" charset="0"/>
+                        <a:cs typeface="Lato" panose="020F0502020204030203" pitchFamily="34" charset="0"/>
+                      </a:endParaRPr>
+                    </a:p>
+                  </a:txBody>
+                  <a:tcPr anchor="ctr"/>
+                </a:tc>
+                <a:tc>
+                  <a:txBody>
+                    <a:bodyPr/>
+                    <a:lstStyle/>
+                    <a:p>
+                      <a:r>
+                        <a:rPr lang="en-US" dirty="0" err="1">
+                          <a:latin typeface="Lato" panose="020F0502020204030203" pitchFamily="34" charset="0"/>
+                          <a:ea typeface="Lato" panose="020F0502020204030203" pitchFamily="34" charset="0"/>
+                          <a:cs typeface="Lato" panose="020F0502020204030203" pitchFamily="34" charset="0"/>
+                        </a:rPr>
+                        <a:t>smoke_past</a:t>
+                      </a:r>
+                      <a:endParaRPr lang="en-SG" dirty="0">
+                        <a:latin typeface="Lato" panose="020F0502020204030203" pitchFamily="34" charset="0"/>
+                        <a:ea typeface="Lato" panose="020F0502020204030203" pitchFamily="34" charset="0"/>
+                        <a:cs typeface="Lato" panose="020F0502020204030203" pitchFamily="34" charset="0"/>
+                      </a:endParaRPr>
+                    </a:p>
+                  </a:txBody>
+                  <a:tcPr anchor="ctr"/>
+                </a:tc>
+                <a:extLst>
+                  <a:ext uri="{0D108BD9-81ED-4DB2-BD59-A6C34878D82A}">
+                    <a16:rowId xmlns:a16="http://schemas.microsoft.com/office/drawing/2014/main" val="575322891"/>
+                  </a:ext>
+                </a:extLst>
+              </a:tr>
+              <a:tr h="370840">
+                <a:tc>
+                  <a:txBody>
+                    <a:bodyPr/>
+                    <a:lstStyle/>
+                    <a:p>
+                      <a:r>
+                        <a:rPr lang="en-US" dirty="0">
+                          <a:latin typeface="Lato" panose="020F0502020204030203" pitchFamily="34" charset="0"/>
+                          <a:ea typeface="Lato" panose="020F0502020204030203" pitchFamily="34" charset="0"/>
+                          <a:cs typeface="Lato" panose="020F0502020204030203" pitchFamily="34" charset="0"/>
+                        </a:rPr>
+                        <a:t>Current smoker</a:t>
+                      </a:r>
+                      <a:endParaRPr lang="en-SG" dirty="0">
+                        <a:latin typeface="Lato" panose="020F0502020204030203" pitchFamily="34" charset="0"/>
+                        <a:ea typeface="Lato" panose="020F0502020204030203" pitchFamily="34" charset="0"/>
+                        <a:cs typeface="Lato" panose="020F0502020204030203" pitchFamily="34" charset="0"/>
+                      </a:endParaRPr>
+                    </a:p>
+                  </a:txBody>
+                  <a:tcPr anchor="ctr"/>
+                </a:tc>
+                <a:tc>
+                  <a:txBody>
+                    <a:bodyPr/>
+                    <a:lstStyle/>
+                    <a:p>
+                      <a:r>
+                        <a:rPr lang="en-US" dirty="0">
+                          <a:latin typeface="Lato" panose="020F0502020204030203" pitchFamily="34" charset="0"/>
+                          <a:ea typeface="Lato" panose="020F0502020204030203" pitchFamily="34" charset="0"/>
+                          <a:cs typeface="Lato" panose="020F0502020204030203" pitchFamily="34" charset="0"/>
+                        </a:rPr>
+                        <a:t>1</a:t>
+                      </a:r>
+                      <a:endParaRPr lang="en-SG" dirty="0">
+                        <a:latin typeface="Lato" panose="020F0502020204030203" pitchFamily="34" charset="0"/>
+                        <a:ea typeface="Lato" panose="020F0502020204030203" pitchFamily="34" charset="0"/>
+                        <a:cs typeface="Lato" panose="020F0502020204030203" pitchFamily="34" charset="0"/>
+                      </a:endParaRPr>
+                    </a:p>
+                  </a:txBody>
+                  <a:tcPr anchor="ctr"/>
+                </a:tc>
+                <a:tc>
+                  <a:txBody>
+                    <a:bodyPr/>
+                    <a:lstStyle/>
+                    <a:p>
+                      <a:r>
+                        <a:rPr lang="en-US" dirty="0">
+                          <a:latin typeface="Lato" panose="020F0502020204030203" pitchFamily="34" charset="0"/>
+                          <a:ea typeface="Lato" panose="020F0502020204030203" pitchFamily="34" charset="0"/>
+                          <a:cs typeface="Lato" panose="020F0502020204030203" pitchFamily="34" charset="0"/>
+                        </a:rPr>
+                        <a:t>1</a:t>
+                      </a:r>
+                      <a:endParaRPr lang="en-SG" dirty="0">
+                        <a:latin typeface="Lato" panose="020F0502020204030203" pitchFamily="34" charset="0"/>
+                        <a:ea typeface="Lato" panose="020F0502020204030203" pitchFamily="34" charset="0"/>
+                        <a:cs typeface="Lato" panose="020F0502020204030203" pitchFamily="34" charset="0"/>
+                      </a:endParaRPr>
+                    </a:p>
+                  </a:txBody>
+                  <a:tcPr anchor="ctr"/>
+                </a:tc>
+                <a:tc>
+                  <a:txBody>
+                    <a:bodyPr/>
+                    <a:lstStyle/>
+                    <a:p>
+                      <a:r>
+                        <a:rPr lang="en-US" dirty="0">
+                          <a:latin typeface="Lato" panose="020F0502020204030203" pitchFamily="34" charset="0"/>
+                          <a:ea typeface="Lato" panose="020F0502020204030203" pitchFamily="34" charset="0"/>
+                          <a:cs typeface="Lato" panose="020F0502020204030203" pitchFamily="34" charset="0"/>
+                        </a:rPr>
+                        <a:t>0</a:t>
+                      </a:r>
+                      <a:endParaRPr lang="en-SG" dirty="0">
+                        <a:latin typeface="Lato" panose="020F0502020204030203" pitchFamily="34" charset="0"/>
+                        <a:ea typeface="Lato" panose="020F0502020204030203" pitchFamily="34" charset="0"/>
+                        <a:cs typeface="Lato" panose="020F0502020204030203" pitchFamily="34" charset="0"/>
+                      </a:endParaRPr>
+                    </a:p>
+                  </a:txBody>
+                  <a:tcPr anchor="ctr"/>
+                </a:tc>
+                <a:extLst>
+                  <a:ext uri="{0D108BD9-81ED-4DB2-BD59-A6C34878D82A}">
+                    <a16:rowId xmlns:a16="http://schemas.microsoft.com/office/drawing/2014/main" val="1120633318"/>
+                  </a:ext>
+                </a:extLst>
+              </a:tr>
+              <a:tr h="370840">
+                <a:tc>
+                  <a:txBody>
+                    <a:bodyPr/>
+                    <a:lstStyle/>
+                    <a:p>
+                      <a:r>
+                        <a:rPr lang="en-US" dirty="0">
+                          <a:latin typeface="Lato" panose="020F0502020204030203" pitchFamily="34" charset="0"/>
+                          <a:ea typeface="Lato" panose="020F0502020204030203" pitchFamily="34" charset="0"/>
+                          <a:cs typeface="Lato" panose="020F0502020204030203" pitchFamily="34" charset="0"/>
+                        </a:rPr>
+                        <a:t>Past smoker</a:t>
+                      </a:r>
+                      <a:endParaRPr lang="en-SG" dirty="0">
+                        <a:latin typeface="Lato" panose="020F0502020204030203" pitchFamily="34" charset="0"/>
+                        <a:ea typeface="Lato" panose="020F0502020204030203" pitchFamily="34" charset="0"/>
+                        <a:cs typeface="Lato" panose="020F0502020204030203" pitchFamily="34" charset="0"/>
+                      </a:endParaRPr>
+                    </a:p>
+                  </a:txBody>
+                  <a:tcPr anchor="ctr"/>
+                </a:tc>
+                <a:tc>
+                  <a:txBody>
+                    <a:bodyPr/>
+                    <a:lstStyle/>
+                    <a:p>
+                      <a:r>
+                        <a:rPr lang="en-US" dirty="0">
+                          <a:latin typeface="Lato" panose="020F0502020204030203" pitchFamily="34" charset="0"/>
+                          <a:ea typeface="Lato" panose="020F0502020204030203" pitchFamily="34" charset="0"/>
+                          <a:cs typeface="Lato" panose="020F0502020204030203" pitchFamily="34" charset="0"/>
+                        </a:rPr>
+                        <a:t>1</a:t>
+                      </a:r>
+                      <a:endParaRPr lang="en-SG" dirty="0">
+                        <a:latin typeface="Lato" panose="020F0502020204030203" pitchFamily="34" charset="0"/>
+                        <a:ea typeface="Lato" panose="020F0502020204030203" pitchFamily="34" charset="0"/>
+                        <a:cs typeface="Lato" panose="020F0502020204030203" pitchFamily="34" charset="0"/>
+                      </a:endParaRPr>
+                    </a:p>
+                  </a:txBody>
+                  <a:tcPr anchor="ctr"/>
+                </a:tc>
+                <a:tc>
+                  <a:txBody>
+                    <a:bodyPr/>
+                    <a:lstStyle/>
+                    <a:p>
+                      <a:r>
+                        <a:rPr lang="en-US" dirty="0">
+                          <a:latin typeface="Lato" panose="020F0502020204030203" pitchFamily="34" charset="0"/>
+                          <a:ea typeface="Lato" panose="020F0502020204030203" pitchFamily="34" charset="0"/>
+                          <a:cs typeface="Lato" panose="020F0502020204030203" pitchFamily="34" charset="0"/>
+                        </a:rPr>
+                        <a:t>0</a:t>
+                      </a:r>
+                      <a:endParaRPr lang="en-SG" dirty="0">
+                        <a:latin typeface="Lato" panose="020F0502020204030203" pitchFamily="34" charset="0"/>
+                        <a:ea typeface="Lato" panose="020F0502020204030203" pitchFamily="34" charset="0"/>
+                        <a:cs typeface="Lato" panose="020F0502020204030203" pitchFamily="34" charset="0"/>
+                      </a:endParaRPr>
+                    </a:p>
+                  </a:txBody>
+                  <a:tcPr anchor="ctr"/>
+                </a:tc>
+                <a:tc>
+                  <a:txBody>
+                    <a:bodyPr/>
+                    <a:lstStyle/>
+                    <a:p>
+                      <a:r>
+                        <a:rPr lang="en-US" dirty="0">
+                          <a:latin typeface="Lato" panose="020F0502020204030203" pitchFamily="34" charset="0"/>
+                          <a:ea typeface="Lato" panose="020F0502020204030203" pitchFamily="34" charset="0"/>
+                          <a:cs typeface="Lato" panose="020F0502020204030203" pitchFamily="34" charset="0"/>
+                        </a:rPr>
+                        <a:t>1</a:t>
+                      </a:r>
+                      <a:endParaRPr lang="en-SG" dirty="0">
+                        <a:latin typeface="Lato" panose="020F0502020204030203" pitchFamily="34" charset="0"/>
+                        <a:ea typeface="Lato" panose="020F0502020204030203" pitchFamily="34" charset="0"/>
+                        <a:cs typeface="Lato" panose="020F0502020204030203" pitchFamily="34" charset="0"/>
+                      </a:endParaRPr>
+                    </a:p>
+                  </a:txBody>
+                  <a:tcPr anchor="ctr"/>
+                </a:tc>
+                <a:extLst>
+                  <a:ext uri="{0D108BD9-81ED-4DB2-BD59-A6C34878D82A}">
+                    <a16:rowId xmlns:a16="http://schemas.microsoft.com/office/drawing/2014/main" val="3162656965"/>
+                  </a:ext>
+                </a:extLst>
+              </a:tr>
+              <a:tr h="370840">
+                <a:tc>
+                  <a:txBody>
+                    <a:bodyPr/>
+                    <a:lstStyle/>
+                    <a:p>
+                      <a:r>
+                        <a:rPr lang="en-US" dirty="0">
+                          <a:latin typeface="Lato" panose="020F0502020204030203" pitchFamily="34" charset="0"/>
+                          <a:ea typeface="Lato" panose="020F0502020204030203" pitchFamily="34" charset="0"/>
+                          <a:cs typeface="Lato" panose="020F0502020204030203" pitchFamily="34" charset="0"/>
+                        </a:rPr>
+                        <a:t>Non-smoker</a:t>
+                      </a:r>
+                      <a:endParaRPr lang="en-SG" dirty="0">
+                        <a:latin typeface="Lato" panose="020F0502020204030203" pitchFamily="34" charset="0"/>
+                        <a:ea typeface="Lato" panose="020F0502020204030203" pitchFamily="34" charset="0"/>
+                        <a:cs typeface="Lato" panose="020F0502020204030203" pitchFamily="34" charset="0"/>
+                      </a:endParaRPr>
+                    </a:p>
+                  </a:txBody>
+                  <a:tcPr anchor="ctr"/>
+                </a:tc>
+                <a:tc>
+                  <a:txBody>
+                    <a:bodyPr/>
+                    <a:lstStyle/>
+                    <a:p>
+                      <a:r>
+                        <a:rPr lang="en-US" dirty="0">
+                          <a:latin typeface="Lato" panose="020F0502020204030203" pitchFamily="34" charset="0"/>
+                          <a:ea typeface="Lato" panose="020F0502020204030203" pitchFamily="34" charset="0"/>
+                          <a:cs typeface="Lato" panose="020F0502020204030203" pitchFamily="34" charset="0"/>
+                        </a:rPr>
+                        <a:t>0</a:t>
+                      </a:r>
+                      <a:endParaRPr lang="en-SG" dirty="0">
+                        <a:latin typeface="Lato" panose="020F0502020204030203" pitchFamily="34" charset="0"/>
+                        <a:ea typeface="Lato" panose="020F0502020204030203" pitchFamily="34" charset="0"/>
+                        <a:cs typeface="Lato" panose="020F0502020204030203" pitchFamily="34" charset="0"/>
+                      </a:endParaRPr>
+                    </a:p>
+                  </a:txBody>
+                  <a:tcPr anchor="ctr"/>
+                </a:tc>
+                <a:tc>
+                  <a:txBody>
+                    <a:bodyPr/>
+                    <a:lstStyle/>
+                    <a:p>
+                      <a:r>
+                        <a:rPr lang="en-US" dirty="0">
+                          <a:latin typeface="Lato" panose="020F0502020204030203" pitchFamily="34" charset="0"/>
+                          <a:ea typeface="Lato" panose="020F0502020204030203" pitchFamily="34" charset="0"/>
+                          <a:cs typeface="Lato" panose="020F0502020204030203" pitchFamily="34" charset="0"/>
+                        </a:rPr>
+                        <a:t>0</a:t>
+                      </a:r>
+                      <a:endParaRPr lang="en-SG" dirty="0">
+                        <a:latin typeface="Lato" panose="020F0502020204030203" pitchFamily="34" charset="0"/>
+                        <a:ea typeface="Lato" panose="020F0502020204030203" pitchFamily="34" charset="0"/>
+                        <a:cs typeface="Lato" panose="020F0502020204030203" pitchFamily="34" charset="0"/>
+                      </a:endParaRPr>
+                    </a:p>
+                  </a:txBody>
+                  <a:tcPr anchor="ctr"/>
+                </a:tc>
+                <a:tc>
+                  <a:txBody>
+                    <a:bodyPr/>
+                    <a:lstStyle/>
+                    <a:p>
+                      <a:r>
+                        <a:rPr lang="en-US" dirty="0">
+                          <a:latin typeface="Lato" panose="020F0502020204030203" pitchFamily="34" charset="0"/>
+                          <a:ea typeface="Lato" panose="020F0502020204030203" pitchFamily="34" charset="0"/>
+                          <a:cs typeface="Lato" panose="020F0502020204030203" pitchFamily="34" charset="0"/>
+                        </a:rPr>
+                        <a:t>0</a:t>
+                      </a:r>
+                      <a:endParaRPr lang="en-SG" dirty="0">
+                        <a:latin typeface="Lato" panose="020F0502020204030203" pitchFamily="34" charset="0"/>
+                        <a:ea typeface="Lato" panose="020F0502020204030203" pitchFamily="34" charset="0"/>
+                        <a:cs typeface="Lato" panose="020F0502020204030203" pitchFamily="34" charset="0"/>
+                      </a:endParaRPr>
+                    </a:p>
+                  </a:txBody>
+                  <a:tcPr anchor="ctr"/>
+                </a:tc>
+                <a:extLst>
+                  <a:ext uri="{0D108BD9-81ED-4DB2-BD59-A6C34878D82A}">
+                    <a16:rowId xmlns:a16="http://schemas.microsoft.com/office/drawing/2014/main" val="1309387273"/>
+                  </a:ext>
+                </a:extLst>
+              </a:tr>
+              <a:tr h="370840">
+                <a:tc>
+                  <a:txBody>
+                    <a:bodyPr/>
+                    <a:lstStyle/>
+                    <a:p>
+                      <a:r>
+                        <a:rPr lang="en-US" dirty="0">
+                          <a:latin typeface="Lato" panose="020F0502020204030203" pitchFamily="34" charset="0"/>
+                          <a:ea typeface="Lato" panose="020F0502020204030203" pitchFamily="34" charset="0"/>
+                          <a:cs typeface="Lato" panose="020F0502020204030203" pitchFamily="34" charset="0"/>
+                        </a:rPr>
+                        <a:t>Have smoking history</a:t>
+                      </a:r>
+                      <a:endParaRPr lang="en-SG" dirty="0">
+                        <a:latin typeface="Lato" panose="020F0502020204030203" pitchFamily="34" charset="0"/>
+                        <a:ea typeface="Lato" panose="020F0502020204030203" pitchFamily="34" charset="0"/>
+                        <a:cs typeface="Lato" panose="020F0502020204030203" pitchFamily="34" charset="0"/>
+                      </a:endParaRPr>
+                    </a:p>
+                  </a:txBody>
+                  <a:tcPr anchor="ctr"/>
+                </a:tc>
+                <a:tc>
+                  <a:txBody>
+                    <a:bodyPr/>
+                    <a:lstStyle/>
+                    <a:p>
+                      <a:r>
+                        <a:rPr lang="en-US" b="1" dirty="0">
+                          <a:solidFill>
+                            <a:srgbClr val="FF0000"/>
+                          </a:solidFill>
+                          <a:latin typeface="Lato" panose="020F0502020204030203" pitchFamily="34" charset="0"/>
+                          <a:ea typeface="Lato" panose="020F0502020204030203" pitchFamily="34" charset="0"/>
+                          <a:cs typeface="Lato" panose="020F0502020204030203" pitchFamily="34" charset="0"/>
+                        </a:rPr>
+                        <a:t>1</a:t>
+                      </a:r>
+                      <a:endParaRPr lang="en-SG" b="1" dirty="0">
+                        <a:solidFill>
+                          <a:srgbClr val="FF0000"/>
+                        </a:solidFill>
+                        <a:latin typeface="Lato" panose="020F0502020204030203" pitchFamily="34" charset="0"/>
+                        <a:ea typeface="Lato" panose="020F0502020204030203" pitchFamily="34" charset="0"/>
+                        <a:cs typeface="Lato" panose="020F0502020204030203" pitchFamily="34" charset="0"/>
+                      </a:endParaRPr>
+                    </a:p>
+                  </a:txBody>
+                  <a:tcPr anchor="ctr"/>
+                </a:tc>
+                <a:tc>
+                  <a:txBody>
+                    <a:bodyPr/>
+                    <a:lstStyle/>
+                    <a:p>
+                      <a:r>
+                        <a:rPr lang="en-US" b="1" dirty="0">
+                          <a:solidFill>
+                            <a:srgbClr val="FF0000"/>
+                          </a:solidFill>
+                          <a:latin typeface="Lato" panose="020F0502020204030203" pitchFamily="34" charset="0"/>
+                          <a:ea typeface="Lato" panose="020F0502020204030203" pitchFamily="34" charset="0"/>
+                          <a:cs typeface="Lato" panose="020F0502020204030203" pitchFamily="34" charset="0"/>
+                        </a:rPr>
+                        <a:t>-1</a:t>
+                      </a:r>
+                      <a:endParaRPr lang="en-SG" b="1" dirty="0">
+                        <a:solidFill>
+                          <a:srgbClr val="FF0000"/>
+                        </a:solidFill>
+                        <a:latin typeface="Lato" panose="020F0502020204030203" pitchFamily="34" charset="0"/>
+                        <a:ea typeface="Lato" panose="020F0502020204030203" pitchFamily="34" charset="0"/>
+                        <a:cs typeface="Lato" panose="020F0502020204030203" pitchFamily="34" charset="0"/>
+                      </a:endParaRPr>
+                    </a:p>
+                  </a:txBody>
+                  <a:tcPr anchor="ctr"/>
+                </a:tc>
+                <a:tc>
+                  <a:txBody>
+                    <a:bodyPr/>
+                    <a:lstStyle/>
+                    <a:p>
+                      <a:r>
+                        <a:rPr lang="en-US" b="1" dirty="0">
+                          <a:solidFill>
+                            <a:srgbClr val="FF0000"/>
+                          </a:solidFill>
+                          <a:latin typeface="Lato" panose="020F0502020204030203" pitchFamily="34" charset="0"/>
+                          <a:ea typeface="Lato" panose="020F0502020204030203" pitchFamily="34" charset="0"/>
+                          <a:cs typeface="Lato" panose="020F0502020204030203" pitchFamily="34" charset="0"/>
+                        </a:rPr>
+                        <a:t>-1</a:t>
+                      </a:r>
+                      <a:endParaRPr lang="en-SG" b="1" dirty="0">
+                        <a:solidFill>
+                          <a:srgbClr val="FF0000"/>
+                        </a:solidFill>
+                        <a:latin typeface="Lato" panose="020F0502020204030203" pitchFamily="34" charset="0"/>
+                        <a:ea typeface="Lato" panose="020F0502020204030203" pitchFamily="34" charset="0"/>
+                        <a:cs typeface="Lato" panose="020F0502020204030203" pitchFamily="34" charset="0"/>
+                      </a:endParaRPr>
+                    </a:p>
+                  </a:txBody>
+                  <a:tcPr anchor="ctr"/>
+                </a:tc>
+                <a:extLst>
+                  <a:ext uri="{0D108BD9-81ED-4DB2-BD59-A6C34878D82A}">
+                    <a16:rowId xmlns:a16="http://schemas.microsoft.com/office/drawing/2014/main" val="3013202547"/>
+                  </a:ext>
+                </a:extLst>
+              </a:tr>
+              <a:tr h="370840">
+                <a:tc>
+                  <a:txBody>
+                    <a:bodyPr/>
+                    <a:lstStyle/>
+                    <a:p>
+                      <a:r>
+                        <a:rPr lang="en-US" dirty="0">
+                          <a:latin typeface="Lato" panose="020F0502020204030203" pitchFamily="34" charset="0"/>
+                          <a:ea typeface="Lato" panose="020F0502020204030203" pitchFamily="34" charset="0"/>
+                          <a:cs typeface="Lato" panose="020F0502020204030203" pitchFamily="34" charset="0"/>
+                        </a:rPr>
+                        <a:t>Missing</a:t>
+                      </a:r>
+                      <a:endParaRPr lang="en-SG" dirty="0">
+                        <a:latin typeface="Lato" panose="020F0502020204030203" pitchFamily="34" charset="0"/>
+                        <a:ea typeface="Lato" panose="020F0502020204030203" pitchFamily="34" charset="0"/>
+                        <a:cs typeface="Lato" panose="020F0502020204030203" pitchFamily="34" charset="0"/>
+                      </a:endParaRPr>
+                    </a:p>
+                  </a:txBody>
+                  <a:tcPr anchor="ctr"/>
+                </a:tc>
+                <a:tc>
+                  <a:txBody>
+                    <a:bodyPr/>
+                    <a:lstStyle/>
+                    <a:p>
+                      <a:r>
+                        <a:rPr lang="en-US" b="1" dirty="0">
+                          <a:solidFill>
+                            <a:srgbClr val="FF0000"/>
+                          </a:solidFill>
+                          <a:latin typeface="Lato" panose="020F0502020204030203" pitchFamily="34" charset="0"/>
+                          <a:ea typeface="Lato" panose="020F0502020204030203" pitchFamily="34" charset="0"/>
+                          <a:cs typeface="Lato" panose="020F0502020204030203" pitchFamily="34" charset="0"/>
+                        </a:rPr>
+                        <a:t>-1</a:t>
+                      </a:r>
+                      <a:endParaRPr lang="en-SG" b="1" dirty="0">
+                        <a:solidFill>
+                          <a:srgbClr val="FF0000"/>
+                        </a:solidFill>
+                        <a:latin typeface="Lato" panose="020F0502020204030203" pitchFamily="34" charset="0"/>
+                        <a:ea typeface="Lato" panose="020F0502020204030203" pitchFamily="34" charset="0"/>
+                        <a:cs typeface="Lato" panose="020F0502020204030203" pitchFamily="34" charset="0"/>
+                      </a:endParaRPr>
+                    </a:p>
+                  </a:txBody>
+                  <a:tcPr anchor="ctr"/>
+                </a:tc>
+                <a:tc>
+                  <a:txBody>
+                    <a:bodyPr/>
+                    <a:lstStyle/>
+                    <a:p>
+                      <a:r>
+                        <a:rPr lang="en-US" b="1" dirty="0">
+                          <a:solidFill>
+                            <a:srgbClr val="FF0000"/>
+                          </a:solidFill>
+                          <a:latin typeface="Lato" panose="020F0502020204030203" pitchFamily="34" charset="0"/>
+                          <a:ea typeface="Lato" panose="020F0502020204030203" pitchFamily="34" charset="0"/>
+                          <a:cs typeface="Lato" panose="020F0502020204030203" pitchFamily="34" charset="0"/>
+                        </a:rPr>
+                        <a:t>-1</a:t>
+                      </a:r>
+                      <a:endParaRPr lang="en-SG" b="1" dirty="0">
+                        <a:solidFill>
+                          <a:srgbClr val="FF0000"/>
+                        </a:solidFill>
+                        <a:latin typeface="Lato" panose="020F0502020204030203" pitchFamily="34" charset="0"/>
+                        <a:ea typeface="Lato" panose="020F0502020204030203" pitchFamily="34" charset="0"/>
+                        <a:cs typeface="Lato" panose="020F0502020204030203" pitchFamily="34" charset="0"/>
+                      </a:endParaRPr>
+                    </a:p>
+                  </a:txBody>
+                  <a:tcPr anchor="ctr"/>
+                </a:tc>
+                <a:tc>
+                  <a:txBody>
+                    <a:bodyPr/>
+                    <a:lstStyle/>
+                    <a:p>
+                      <a:r>
+                        <a:rPr lang="en-US" b="1" dirty="0">
+                          <a:solidFill>
+                            <a:srgbClr val="FF0000"/>
+                          </a:solidFill>
+                          <a:latin typeface="Lato" panose="020F0502020204030203" pitchFamily="34" charset="0"/>
+                          <a:ea typeface="Lato" panose="020F0502020204030203" pitchFamily="34" charset="0"/>
+                          <a:cs typeface="Lato" panose="020F0502020204030203" pitchFamily="34" charset="0"/>
+                        </a:rPr>
+                        <a:t>-1</a:t>
+                      </a:r>
+                      <a:endParaRPr lang="en-SG" b="1" dirty="0">
+                        <a:solidFill>
+                          <a:srgbClr val="FF0000"/>
+                        </a:solidFill>
+                        <a:latin typeface="Lato" panose="020F0502020204030203" pitchFamily="34" charset="0"/>
+                        <a:ea typeface="Lato" panose="020F0502020204030203" pitchFamily="34" charset="0"/>
+                        <a:cs typeface="Lato" panose="020F0502020204030203" pitchFamily="34" charset="0"/>
+                      </a:endParaRPr>
+                    </a:p>
+                  </a:txBody>
+                  <a:tcPr anchor="ctr"/>
+                </a:tc>
+                <a:extLst>
+                  <a:ext uri="{0D108BD9-81ED-4DB2-BD59-A6C34878D82A}">
+                    <a16:rowId xmlns:a16="http://schemas.microsoft.com/office/drawing/2014/main" val="2642488067"/>
+                  </a:ext>
+                </a:extLst>
+              </a:tr>
+            </a:tbl>
+          </a:graphicData>
+        </a:graphic>
+      </p:graphicFrame>
+      <p:graphicFrame>
+        <p:nvGraphicFramePr>
+          <p:cNvPr id="4" name="Table 3">
+            <a:extLst>
+              <a:ext uri="{FF2B5EF4-FFF2-40B4-BE49-F238E27FC236}">
+                <a16:creationId xmlns:a16="http://schemas.microsoft.com/office/drawing/2014/main" id="{80859E6E-ECC4-E09C-262E-96B3C6B6DEAF}"/>
+              </a:ext>
+            </a:extLst>
+          </p:cNvPr>
+          <p:cNvGraphicFramePr>
+            <a:graphicFrameLocks noGrp="1"/>
+          </p:cNvGraphicFramePr>
+          <p:nvPr>
+            <p:extLst>
+              <p:ext uri="{D42A27DB-BD31-4B8C-83A1-F6EECF244321}">
+                <p14:modId xmlns:p14="http://schemas.microsoft.com/office/powerpoint/2010/main" val="3376804855"/>
+              </p:ext>
+            </p:extLst>
+          </p:nvPr>
+        </p:nvGraphicFramePr>
+        <p:xfrm>
+          <a:off x="1518622" y="3695231"/>
+          <a:ext cx="5467833" cy="2123440"/>
+        </p:xfrm>
+        <a:graphic>
+          <a:graphicData uri="http://schemas.openxmlformats.org/drawingml/2006/table">
+            <a:tbl>
+              <a:tblPr firstRow="1" bandRow="1">
+                <a:tableStyleId>{5C22544A-7EE6-4342-B048-85BDC9FD1C3A}</a:tableStyleId>
+              </a:tblPr>
+              <a:tblGrid>
+                <a:gridCol w="1821554">
+                  <a:extLst>
+                    <a:ext uri="{9D8B030D-6E8A-4147-A177-3AD203B41FA5}">
+                      <a16:colId xmlns:a16="http://schemas.microsoft.com/office/drawing/2014/main" val="1454190497"/>
+                    </a:ext>
+                  </a:extLst>
+                </a:gridCol>
+                <a:gridCol w="1630279">
+                  <a:extLst>
+                    <a:ext uri="{9D8B030D-6E8A-4147-A177-3AD203B41FA5}">
+                      <a16:colId xmlns:a16="http://schemas.microsoft.com/office/drawing/2014/main" val="2076571614"/>
+                    </a:ext>
+                  </a:extLst>
+                </a:gridCol>
+                <a:gridCol w="2016000">
+                  <a:extLst>
+                    <a:ext uri="{9D8B030D-6E8A-4147-A177-3AD203B41FA5}">
+                      <a16:colId xmlns:a16="http://schemas.microsoft.com/office/drawing/2014/main" val="3243371981"/>
+                    </a:ext>
+                  </a:extLst>
+                </a:gridCol>
+              </a:tblGrid>
+              <a:tr h="370840">
+                <a:tc>
+                  <a:txBody>
+                    <a:bodyPr/>
+                    <a:lstStyle/>
+                    <a:p>
+                      <a:r>
+                        <a:rPr lang="en-US" dirty="0">
+                          <a:latin typeface="Lato" panose="020F0502020204030203" pitchFamily="34" charset="0"/>
+                          <a:ea typeface="Lato" panose="020F0502020204030203" pitchFamily="34" charset="0"/>
+                          <a:cs typeface="Lato" panose="020F0502020204030203" pitchFamily="34" charset="0"/>
+                        </a:rPr>
+                        <a:t>Patient</a:t>
+                      </a:r>
+                      <a:endParaRPr lang="en-SG" dirty="0">
+                        <a:latin typeface="Lato" panose="020F0502020204030203" pitchFamily="34" charset="0"/>
+                        <a:ea typeface="Lato" panose="020F0502020204030203" pitchFamily="34" charset="0"/>
+                        <a:cs typeface="Lato" panose="020F0502020204030203" pitchFamily="34" charset="0"/>
+                      </a:endParaRPr>
+                    </a:p>
+                  </a:txBody>
+                  <a:tcPr anchor="ctr"/>
+                </a:tc>
+                <a:tc>
+                  <a:txBody>
+                    <a:bodyPr/>
+                    <a:lstStyle/>
+                    <a:p>
+                      <a:r>
+                        <a:rPr lang="en-US" dirty="0" err="1">
+                          <a:latin typeface="Lato" panose="020F0502020204030203" pitchFamily="34" charset="0"/>
+                          <a:ea typeface="Lato" panose="020F0502020204030203" pitchFamily="34" charset="0"/>
+                          <a:cs typeface="Lato" panose="020F0502020204030203" pitchFamily="34" charset="0"/>
+                        </a:rPr>
+                        <a:t>smoke_history</a:t>
+                      </a:r>
+                      <a:endParaRPr lang="en-SG" dirty="0">
+                        <a:latin typeface="Lato" panose="020F0502020204030203" pitchFamily="34" charset="0"/>
+                        <a:ea typeface="Lato" panose="020F0502020204030203" pitchFamily="34" charset="0"/>
+                        <a:cs typeface="Lato" panose="020F0502020204030203" pitchFamily="34" charset="0"/>
+                      </a:endParaRPr>
+                    </a:p>
+                  </a:txBody>
+                  <a:tcPr anchor="ctr"/>
+                </a:tc>
+                <a:tc>
+                  <a:txBody>
+                    <a:bodyPr/>
+                    <a:lstStyle/>
+                    <a:p>
+                      <a:r>
+                        <a:rPr lang="en-US" dirty="0">
+                          <a:latin typeface="Lato" panose="020F0502020204030203" pitchFamily="34" charset="0"/>
+                          <a:ea typeface="Lato" panose="020F0502020204030203" pitchFamily="34" charset="0"/>
+                          <a:cs typeface="Lato" panose="020F0502020204030203" pitchFamily="34" charset="0"/>
+                        </a:rPr>
+                        <a:t>Problem</a:t>
+                      </a:r>
+                      <a:endParaRPr lang="en-SG" dirty="0">
+                        <a:latin typeface="Lato" panose="020F0502020204030203" pitchFamily="34" charset="0"/>
+                        <a:ea typeface="Lato" panose="020F0502020204030203" pitchFamily="34" charset="0"/>
+                        <a:cs typeface="Lato" panose="020F0502020204030203" pitchFamily="34" charset="0"/>
+                      </a:endParaRPr>
+                    </a:p>
+                  </a:txBody>
+                  <a:tcPr anchor="ctr"/>
+                </a:tc>
+                <a:extLst>
+                  <a:ext uri="{0D108BD9-81ED-4DB2-BD59-A6C34878D82A}">
+                    <a16:rowId xmlns:a16="http://schemas.microsoft.com/office/drawing/2014/main" val="575322891"/>
+                  </a:ext>
+                </a:extLst>
+              </a:tr>
+              <a:tr h="370840">
+                <a:tc>
+                  <a:txBody>
+                    <a:bodyPr/>
+                    <a:lstStyle/>
+                    <a:p>
+                      <a:pPr marL="0" marR="0" lvl="0" indent="0" algn="l" defTabSz="914400" rtl="0" eaLnBrk="1" fontAlgn="auto" latinLnBrk="0" hangingPunct="1">
+                        <a:lnSpc>
+                          <a:spcPct val="100000"/>
+                        </a:lnSpc>
+                        <a:spcBef>
+                          <a:spcPts val="0"/>
+                        </a:spcBef>
+                        <a:spcAft>
+                          <a:spcPts val="0"/>
+                        </a:spcAft>
+                        <a:buClrTx/>
+                        <a:buSzTx/>
+                        <a:buFontTx/>
+                        <a:buNone/>
+                        <a:tabLst/>
+                        <a:defRPr/>
+                      </a:pPr>
+                      <a:r>
+                        <a:rPr kumimoji="0" lang="en-US" sz="1800" b="0" i="0" u="none" strike="noStrike" kern="1200" cap="none" spc="0" normalizeH="0" baseline="0" noProof="0">
+                          <a:ln>
+                            <a:noFill/>
+                          </a:ln>
+                          <a:solidFill>
+                            <a:prstClr val="black"/>
+                          </a:solidFill>
+                          <a:effectLst/>
+                          <a:uLnTx/>
+                          <a:uFillTx/>
+                          <a:latin typeface="Lato" panose="020F0502020204030203" pitchFamily="34" charset="0"/>
+                          <a:ea typeface="Lato" panose="020F0502020204030203" pitchFamily="34" charset="0"/>
+                          <a:cs typeface="Lato" panose="020F0502020204030203" pitchFamily="34" charset="0"/>
+                        </a:rPr>
+                        <a:t>Non-smoker</a:t>
+                      </a:r>
+                      <a:endParaRPr kumimoji="0" lang="en-SG" sz="1800" b="0" i="0" u="none" strike="noStrike" kern="1200" cap="none" spc="0" normalizeH="0" baseline="0" noProof="0" dirty="0">
+                        <a:ln>
+                          <a:noFill/>
+                        </a:ln>
+                        <a:solidFill>
+                          <a:prstClr val="black"/>
+                        </a:solidFill>
+                        <a:effectLst/>
+                        <a:uLnTx/>
+                        <a:uFillTx/>
+                        <a:latin typeface="Lato" panose="020F0502020204030203" pitchFamily="34" charset="0"/>
+                        <a:ea typeface="Lato" panose="020F0502020204030203" pitchFamily="34" charset="0"/>
+                        <a:cs typeface="Lato" panose="020F0502020204030203" pitchFamily="34" charset="0"/>
+                      </a:endParaRPr>
+                    </a:p>
+                  </a:txBody>
+                  <a:tcPr anchor="ctr"/>
+                </a:tc>
+                <a:tc>
+                  <a:txBody>
+                    <a:bodyPr/>
+                    <a:lstStyle/>
+                    <a:p>
+                      <a:pPr marL="0" marR="0" lvl="0" indent="0" algn="l" defTabSz="914400" rtl="0" eaLnBrk="1" fontAlgn="auto" latinLnBrk="0" hangingPunct="1">
+                        <a:lnSpc>
+                          <a:spcPct val="100000"/>
+                        </a:lnSpc>
+                        <a:spcBef>
+                          <a:spcPts val="0"/>
+                        </a:spcBef>
+                        <a:spcAft>
+                          <a:spcPts val="0"/>
+                        </a:spcAft>
+                        <a:buClrTx/>
+                        <a:buSzTx/>
+                        <a:buFontTx/>
+                        <a:buNone/>
+                        <a:tabLst/>
+                        <a:defRPr/>
+                      </a:pPr>
+                      <a:r>
+                        <a:rPr kumimoji="0" lang="en-US" sz="1800" b="0" i="0" u="none" strike="noStrike" kern="1200" cap="none" spc="0" normalizeH="0" baseline="0" noProof="0" dirty="0">
+                          <a:ln>
+                            <a:noFill/>
+                          </a:ln>
+                          <a:solidFill>
+                            <a:prstClr val="black"/>
+                          </a:solidFill>
+                          <a:effectLst/>
+                          <a:uLnTx/>
+                          <a:uFillTx/>
+                          <a:latin typeface="Lato" panose="020F0502020204030203" pitchFamily="34" charset="0"/>
+                          <a:ea typeface="Lato" panose="020F0502020204030203" pitchFamily="34" charset="0"/>
+                          <a:cs typeface="Lato" panose="020F0502020204030203" pitchFamily="34" charset="0"/>
+                        </a:rPr>
+                        <a:t>0</a:t>
+                      </a:r>
+                      <a:endParaRPr kumimoji="0" lang="en-SG" sz="1800" b="0" i="0" u="none" strike="noStrike" kern="1200" cap="none" spc="0" normalizeH="0" baseline="0" noProof="0" dirty="0">
+                        <a:ln>
+                          <a:noFill/>
+                        </a:ln>
+                        <a:solidFill>
+                          <a:prstClr val="black"/>
+                        </a:solidFill>
+                        <a:effectLst/>
+                        <a:uLnTx/>
+                        <a:uFillTx/>
+                        <a:latin typeface="Lato" panose="020F0502020204030203" pitchFamily="34" charset="0"/>
+                        <a:ea typeface="Lato" panose="020F0502020204030203" pitchFamily="34" charset="0"/>
+                        <a:cs typeface="Lato" panose="020F0502020204030203" pitchFamily="34" charset="0"/>
+                      </a:endParaRPr>
+                    </a:p>
+                  </a:txBody>
+                  <a:tcPr anchor="ctr"/>
+                </a:tc>
+                <a:tc>
+                  <a:txBody>
+                    <a:bodyPr/>
+                    <a:lstStyle/>
+                    <a:p>
+                      <a:pPr marL="0" marR="0" lvl="0" indent="0" algn="l" defTabSz="914400" rtl="0" eaLnBrk="1" fontAlgn="auto" latinLnBrk="0" hangingPunct="1">
+                        <a:lnSpc>
+                          <a:spcPct val="100000"/>
+                        </a:lnSpc>
+                        <a:spcBef>
+                          <a:spcPts val="0"/>
+                        </a:spcBef>
+                        <a:spcAft>
+                          <a:spcPts val="0"/>
+                        </a:spcAft>
+                        <a:buClrTx/>
+                        <a:buSzTx/>
+                        <a:buFontTx/>
+                        <a:buNone/>
+                        <a:tabLst/>
+                        <a:defRPr/>
+                      </a:pPr>
+                      <a:r>
+                        <a:rPr kumimoji="0" lang="en-US" sz="1800" b="0" i="0" u="none" strike="noStrike" kern="1200" cap="none" spc="0" normalizeH="0" baseline="0" noProof="0" dirty="0">
+                          <a:ln>
+                            <a:noFill/>
+                          </a:ln>
+                          <a:solidFill>
+                            <a:prstClr val="black"/>
+                          </a:solidFill>
+                          <a:effectLst/>
+                          <a:uLnTx/>
+                          <a:uFillTx/>
+                          <a:latin typeface="Lato" panose="020F0502020204030203" pitchFamily="34" charset="0"/>
+                          <a:ea typeface="Lato" panose="020F0502020204030203" pitchFamily="34" charset="0"/>
+                          <a:cs typeface="Lato" panose="020F0502020204030203" pitchFamily="34" charset="0"/>
+                        </a:rPr>
+                        <a:t>No smoking history</a:t>
+                      </a:r>
+                      <a:endParaRPr kumimoji="0" lang="en-SG" sz="1800" b="0" i="0" u="none" strike="noStrike" kern="1200" cap="none" spc="0" normalizeH="0" baseline="0" noProof="0" dirty="0">
+                        <a:ln>
+                          <a:noFill/>
+                        </a:ln>
+                        <a:solidFill>
+                          <a:prstClr val="black"/>
+                        </a:solidFill>
+                        <a:effectLst/>
+                        <a:uLnTx/>
+                        <a:uFillTx/>
+                        <a:latin typeface="Lato" panose="020F0502020204030203" pitchFamily="34" charset="0"/>
+                        <a:ea typeface="Lato" panose="020F0502020204030203" pitchFamily="34" charset="0"/>
+                        <a:cs typeface="Lato" panose="020F0502020204030203" pitchFamily="34" charset="0"/>
+                      </a:endParaRPr>
+                    </a:p>
+                  </a:txBody>
+                  <a:tcPr anchor="ctr"/>
+                </a:tc>
+                <a:extLst>
+                  <a:ext uri="{0D108BD9-81ED-4DB2-BD59-A6C34878D82A}">
+                    <a16:rowId xmlns:a16="http://schemas.microsoft.com/office/drawing/2014/main" val="3105496019"/>
+                  </a:ext>
+                </a:extLst>
+              </a:tr>
+              <a:tr h="370840">
+                <a:tc>
+                  <a:txBody>
+                    <a:bodyPr/>
+                    <a:lstStyle/>
+                    <a:p>
+                      <a:r>
+                        <a:rPr lang="en-US" b="0" dirty="0">
+                          <a:latin typeface="Lato" panose="020F0502020204030203" pitchFamily="34" charset="0"/>
+                          <a:ea typeface="Lato" panose="020F0502020204030203" pitchFamily="34" charset="0"/>
+                          <a:cs typeface="Lato" panose="020F0502020204030203" pitchFamily="34" charset="0"/>
+                        </a:rPr>
+                        <a:t>Current smoker</a:t>
+                      </a:r>
+                      <a:endParaRPr lang="en-SG" b="0" dirty="0">
+                        <a:latin typeface="Lato" panose="020F0502020204030203" pitchFamily="34" charset="0"/>
+                        <a:ea typeface="Lato" panose="020F0502020204030203" pitchFamily="34" charset="0"/>
+                        <a:cs typeface="Lato" panose="020F0502020204030203" pitchFamily="34" charset="0"/>
+                      </a:endParaRPr>
+                    </a:p>
+                  </a:txBody>
+                  <a:tcPr anchor="ctr"/>
+                </a:tc>
+                <a:tc>
+                  <a:txBody>
+                    <a:bodyPr/>
+                    <a:lstStyle/>
+                    <a:p>
+                      <a:r>
+                        <a:rPr lang="en-US" b="1" dirty="0">
+                          <a:solidFill>
+                            <a:srgbClr val="FF0000"/>
+                          </a:solidFill>
+                          <a:latin typeface="Lato" panose="020F0502020204030203" pitchFamily="34" charset="0"/>
+                          <a:ea typeface="Lato" panose="020F0502020204030203" pitchFamily="34" charset="0"/>
+                          <a:cs typeface="Lato" panose="020F0502020204030203" pitchFamily="34" charset="0"/>
+                        </a:rPr>
+                        <a:t>1</a:t>
+                      </a:r>
+                      <a:endParaRPr lang="en-SG" b="1" dirty="0">
+                        <a:solidFill>
+                          <a:srgbClr val="FF0000"/>
+                        </a:solidFill>
+                        <a:latin typeface="Lato" panose="020F0502020204030203" pitchFamily="34" charset="0"/>
+                        <a:ea typeface="Lato" panose="020F0502020204030203" pitchFamily="34" charset="0"/>
+                        <a:cs typeface="Lato" panose="020F0502020204030203" pitchFamily="34" charset="0"/>
+                      </a:endParaRPr>
+                    </a:p>
+                  </a:txBody>
+                  <a:tcPr anchor="ctr"/>
+                </a:tc>
+                <a:tc rowSpan="2">
+                  <a:txBody>
+                    <a:bodyPr/>
+                    <a:lstStyle/>
+                    <a:p>
+                      <a:r>
+                        <a:rPr lang="en-US" b="0" dirty="0">
+                          <a:latin typeface="Lato" panose="020F0502020204030203" pitchFamily="34" charset="0"/>
+                          <a:ea typeface="Lato" panose="020F0502020204030203" pitchFamily="34" charset="0"/>
+                          <a:cs typeface="Lato" panose="020F0502020204030203" pitchFamily="34" charset="0"/>
+                        </a:rPr>
+                        <a:t>Have smoking history</a:t>
+                      </a:r>
+                      <a:endParaRPr lang="en-SG" b="0" dirty="0">
+                        <a:latin typeface="Lato" panose="020F0502020204030203" pitchFamily="34" charset="0"/>
+                        <a:ea typeface="Lato" panose="020F0502020204030203" pitchFamily="34" charset="0"/>
+                        <a:cs typeface="Lato" panose="020F0502020204030203" pitchFamily="34" charset="0"/>
+                      </a:endParaRPr>
+                    </a:p>
+                  </a:txBody>
+                  <a:tcPr anchor="ctr"/>
+                </a:tc>
+                <a:extLst>
+                  <a:ext uri="{0D108BD9-81ED-4DB2-BD59-A6C34878D82A}">
+                    <a16:rowId xmlns:a16="http://schemas.microsoft.com/office/drawing/2014/main" val="1120633318"/>
+                  </a:ext>
+                </a:extLst>
+              </a:tr>
+              <a:tr h="370840">
+                <a:tc>
+                  <a:txBody>
+                    <a:bodyPr/>
+                    <a:lstStyle/>
+                    <a:p>
+                      <a:r>
+                        <a:rPr lang="en-US" b="0" dirty="0">
+                          <a:latin typeface="Lato" panose="020F0502020204030203" pitchFamily="34" charset="0"/>
+                          <a:ea typeface="Lato" panose="020F0502020204030203" pitchFamily="34" charset="0"/>
+                          <a:cs typeface="Lato" panose="020F0502020204030203" pitchFamily="34" charset="0"/>
+                        </a:rPr>
+                        <a:t>Past smoker</a:t>
+                      </a:r>
+                      <a:endParaRPr lang="en-SG" b="0" dirty="0">
+                        <a:latin typeface="Lato" panose="020F0502020204030203" pitchFamily="34" charset="0"/>
+                        <a:ea typeface="Lato" panose="020F0502020204030203" pitchFamily="34" charset="0"/>
+                        <a:cs typeface="Lato" panose="020F0502020204030203" pitchFamily="34" charset="0"/>
+                      </a:endParaRPr>
+                    </a:p>
+                  </a:txBody>
+                  <a:tcPr anchor="ctr"/>
+                </a:tc>
+                <a:tc>
+                  <a:txBody>
+                    <a:bodyPr/>
+                    <a:lstStyle/>
+                    <a:p>
+                      <a:r>
+                        <a:rPr lang="en-US" b="1" dirty="0">
+                          <a:solidFill>
+                            <a:srgbClr val="FF0000"/>
+                          </a:solidFill>
+                          <a:latin typeface="Lato" panose="020F0502020204030203" pitchFamily="34" charset="0"/>
+                          <a:ea typeface="Lato" panose="020F0502020204030203" pitchFamily="34" charset="0"/>
+                          <a:cs typeface="Lato" panose="020F0502020204030203" pitchFamily="34" charset="0"/>
+                        </a:rPr>
+                        <a:t>2</a:t>
+                      </a:r>
+                      <a:endParaRPr lang="en-SG" b="1" dirty="0">
+                        <a:solidFill>
+                          <a:srgbClr val="FF0000"/>
+                        </a:solidFill>
+                        <a:latin typeface="Lato" panose="020F0502020204030203" pitchFamily="34" charset="0"/>
+                        <a:ea typeface="Lato" panose="020F0502020204030203" pitchFamily="34" charset="0"/>
+                        <a:cs typeface="Lato" panose="020F0502020204030203" pitchFamily="34" charset="0"/>
+                      </a:endParaRPr>
+                    </a:p>
+                  </a:txBody>
+                  <a:tcPr anchor="ctr"/>
+                </a:tc>
+                <a:tc vMerge="1">
+                  <a:txBody>
+                    <a:bodyPr/>
+                    <a:lstStyle/>
+                    <a:p>
+                      <a:endParaRPr lang="en-SG" b="0" dirty="0">
+                        <a:latin typeface="Lato" panose="020F0502020204030203" pitchFamily="34" charset="0"/>
+                        <a:ea typeface="Lato" panose="020F0502020204030203" pitchFamily="34" charset="0"/>
+                        <a:cs typeface="Lato" panose="020F0502020204030203" pitchFamily="34" charset="0"/>
+                      </a:endParaRPr>
+                    </a:p>
+                  </a:txBody>
+                  <a:tcPr/>
+                </a:tc>
+                <a:extLst>
+                  <a:ext uri="{0D108BD9-81ED-4DB2-BD59-A6C34878D82A}">
+                    <a16:rowId xmlns:a16="http://schemas.microsoft.com/office/drawing/2014/main" val="3162656965"/>
+                  </a:ext>
+                </a:extLst>
+              </a:tr>
+              <a:tr h="370840">
+                <a:tc>
+                  <a:txBody>
+                    <a:bodyPr/>
+                    <a:lstStyle/>
+                    <a:p>
+                      <a:r>
+                        <a:rPr lang="en-US" b="0" dirty="0">
+                          <a:latin typeface="Lato" panose="020F0502020204030203" pitchFamily="34" charset="0"/>
+                          <a:ea typeface="Lato" panose="020F0502020204030203" pitchFamily="34" charset="0"/>
+                          <a:cs typeface="Lato" panose="020F0502020204030203" pitchFamily="34" charset="0"/>
+                        </a:rPr>
+                        <a:t>Missing</a:t>
+                      </a:r>
+                      <a:endParaRPr lang="en-SG" b="0" dirty="0">
+                        <a:latin typeface="Lato" panose="020F0502020204030203" pitchFamily="34" charset="0"/>
+                        <a:ea typeface="Lato" panose="020F0502020204030203" pitchFamily="34" charset="0"/>
+                        <a:cs typeface="Lato" panose="020F0502020204030203" pitchFamily="34" charset="0"/>
+                      </a:endParaRPr>
+                    </a:p>
+                  </a:txBody>
+                  <a:tcPr anchor="ctr"/>
+                </a:tc>
+                <a:tc>
+                  <a:txBody>
+                    <a:bodyPr/>
+                    <a:lstStyle/>
+                    <a:p>
+                      <a:r>
+                        <a:rPr lang="en-US" b="0" dirty="0">
+                          <a:latin typeface="Lato" panose="020F0502020204030203" pitchFamily="34" charset="0"/>
+                          <a:ea typeface="Lato" panose="020F0502020204030203" pitchFamily="34" charset="0"/>
+                          <a:cs typeface="Lato" panose="020F0502020204030203" pitchFamily="34" charset="0"/>
+                        </a:rPr>
+                        <a:t>-1</a:t>
+                      </a:r>
+                      <a:endParaRPr lang="en-SG" b="0" dirty="0">
+                        <a:latin typeface="Lato" panose="020F0502020204030203" pitchFamily="34" charset="0"/>
+                        <a:ea typeface="Lato" panose="020F0502020204030203" pitchFamily="34" charset="0"/>
+                        <a:cs typeface="Lato" panose="020F0502020204030203" pitchFamily="34" charset="0"/>
+                      </a:endParaRPr>
+                    </a:p>
+                  </a:txBody>
+                  <a:tcPr anchor="ctr"/>
+                </a:tc>
+                <a:tc>
+                  <a:txBody>
+                    <a:bodyPr/>
+                    <a:lstStyle/>
+                    <a:p>
+                      <a:r>
+                        <a:rPr lang="en-US" b="0" dirty="0">
+                          <a:latin typeface="Lato" panose="020F0502020204030203" pitchFamily="34" charset="0"/>
+                          <a:ea typeface="Lato" panose="020F0502020204030203" pitchFamily="34" charset="0"/>
+                          <a:cs typeface="Lato" panose="020F0502020204030203" pitchFamily="34" charset="0"/>
+                        </a:rPr>
+                        <a:t>Missing</a:t>
+                      </a:r>
+                      <a:endParaRPr lang="en-SG" b="0" dirty="0">
+                        <a:latin typeface="Lato" panose="020F0502020204030203" pitchFamily="34" charset="0"/>
+                        <a:ea typeface="Lato" panose="020F0502020204030203" pitchFamily="34" charset="0"/>
+                        <a:cs typeface="Lato" panose="020F0502020204030203" pitchFamily="34" charset="0"/>
+                      </a:endParaRPr>
+                    </a:p>
+                  </a:txBody>
+                  <a:tcPr anchor="ctr"/>
+                </a:tc>
+                <a:extLst>
+                  <a:ext uri="{0D108BD9-81ED-4DB2-BD59-A6C34878D82A}">
+                    <a16:rowId xmlns:a16="http://schemas.microsoft.com/office/drawing/2014/main" val="2642488067"/>
+                  </a:ext>
+                </a:extLst>
+              </a:tr>
+            </a:tbl>
+          </a:graphicData>
+        </a:graphic>
+      </p:graphicFrame>
+    </p:spTree>
+    <p:extLst>
+      <p:ext uri="{BB962C8B-B14F-4D97-AF65-F5344CB8AC3E}">
+        <p14:creationId xmlns:p14="http://schemas.microsoft.com/office/powerpoint/2010/main" val="1043469871"/>
+      </p:ext>
+    </p:extLst>
+  </p:cSld>
+  <p:clrMapOvr>
+    <a:masterClrMapping/>
+  </p:clrMapOvr>
+</p:sld>
+</file>
+
+<file path=ppt/slides/slide18.xml><?xml version="1.0" encoding="utf-8"?>
+<p:sld xmlns:a="http://schemas.openxmlformats.org/drawingml/2006/main" xmlns:r="http://schemas.openxmlformats.org/officeDocument/2006/relationships" xmlns:p="http://schemas.openxmlformats.org/presentationml/2006/main">
+  <p:cSld>
+    <p:spTree>
+      <p:nvGrpSpPr>
         <p:cNvPr id="1" name=""/>
         <p:cNvGrpSpPr/>
         <p:nvPr/>
@@ -16516,7 +17754,7 @@
 </p:sld>
 </file>
 
-<file path=ppt/slides/slide18.xml><?xml version="1.0" encoding="utf-8"?>
+<file path=ppt/slides/slide19.xml><?xml version="1.0" encoding="utf-8"?>
 <p:sld xmlns:a="http://schemas.openxmlformats.org/drawingml/2006/main" xmlns:r="http://schemas.openxmlformats.org/officeDocument/2006/relationships" xmlns:p="http://schemas.openxmlformats.org/presentationml/2006/main">
   <p:cSld>
     <p:spTree>

--- a/images/image_maker.pptx
+++ b/images/image_maker.pptx
@@ -279,7 +279,7 @@
           <a:p>
             <a:fld id="{C4C33896-74DC-4DC9-8FFE-C8D9D6A25E64}" type="datetimeFigureOut">
               <a:rPr lang="en-SG" smtClean="0"/>
-              <a:t>25/5/2025</a:t>
+              <a:t>29/5/2025</a:t>
             </a:fld>
             <a:endParaRPr lang="en-SG"/>
           </a:p>
@@ -479,7 +479,7 @@
           <a:p>
             <a:fld id="{C4C33896-74DC-4DC9-8FFE-C8D9D6A25E64}" type="datetimeFigureOut">
               <a:rPr lang="en-SG" smtClean="0"/>
-              <a:t>25/5/2025</a:t>
+              <a:t>29/5/2025</a:t>
             </a:fld>
             <a:endParaRPr lang="en-SG"/>
           </a:p>
@@ -689,7 +689,7 @@
           <a:p>
             <a:fld id="{C4C33896-74DC-4DC9-8FFE-C8D9D6A25E64}" type="datetimeFigureOut">
               <a:rPr lang="en-SG" smtClean="0"/>
-              <a:t>25/5/2025</a:t>
+              <a:t>29/5/2025</a:t>
             </a:fld>
             <a:endParaRPr lang="en-SG"/>
           </a:p>
@@ -889,7 +889,7 @@
           <a:p>
             <a:fld id="{C4C33896-74DC-4DC9-8FFE-C8D9D6A25E64}" type="datetimeFigureOut">
               <a:rPr lang="en-SG" smtClean="0"/>
-              <a:t>25/5/2025</a:t>
+              <a:t>29/5/2025</a:t>
             </a:fld>
             <a:endParaRPr lang="en-SG"/>
           </a:p>
@@ -1165,7 +1165,7 @@
           <a:p>
             <a:fld id="{C4C33896-74DC-4DC9-8FFE-C8D9D6A25E64}" type="datetimeFigureOut">
               <a:rPr lang="en-SG" smtClean="0"/>
-              <a:t>25/5/2025</a:t>
+              <a:t>29/5/2025</a:t>
             </a:fld>
             <a:endParaRPr lang="en-SG"/>
           </a:p>
@@ -1433,7 +1433,7 @@
           <a:p>
             <a:fld id="{C4C33896-74DC-4DC9-8FFE-C8D9D6A25E64}" type="datetimeFigureOut">
               <a:rPr lang="en-SG" smtClean="0"/>
-              <a:t>25/5/2025</a:t>
+              <a:t>29/5/2025</a:t>
             </a:fld>
             <a:endParaRPr lang="en-SG"/>
           </a:p>
@@ -1848,7 +1848,7 @@
           <a:p>
             <a:fld id="{C4C33896-74DC-4DC9-8FFE-C8D9D6A25E64}" type="datetimeFigureOut">
               <a:rPr lang="en-SG" smtClean="0"/>
-              <a:t>25/5/2025</a:t>
+              <a:t>29/5/2025</a:t>
             </a:fld>
             <a:endParaRPr lang="en-SG"/>
           </a:p>
@@ -1990,7 +1990,7 @@
           <a:p>
             <a:fld id="{C4C33896-74DC-4DC9-8FFE-C8D9D6A25E64}" type="datetimeFigureOut">
               <a:rPr lang="en-SG" smtClean="0"/>
-              <a:t>25/5/2025</a:t>
+              <a:t>29/5/2025</a:t>
             </a:fld>
             <a:endParaRPr lang="en-SG"/>
           </a:p>
@@ -2103,7 +2103,7 @@
           <a:p>
             <a:fld id="{C4C33896-74DC-4DC9-8FFE-C8D9D6A25E64}" type="datetimeFigureOut">
               <a:rPr lang="en-SG" smtClean="0"/>
-              <a:t>25/5/2025</a:t>
+              <a:t>29/5/2025</a:t>
             </a:fld>
             <a:endParaRPr lang="en-SG"/>
           </a:p>
@@ -2416,7 +2416,7 @@
           <a:p>
             <a:fld id="{C4C33896-74DC-4DC9-8FFE-C8D9D6A25E64}" type="datetimeFigureOut">
               <a:rPr lang="en-SG" smtClean="0"/>
-              <a:t>25/5/2025</a:t>
+              <a:t>29/5/2025</a:t>
             </a:fld>
             <a:endParaRPr lang="en-SG"/>
           </a:p>
@@ -2705,7 +2705,7 @@
           <a:p>
             <a:fld id="{C4C33896-74DC-4DC9-8FFE-C8D9D6A25E64}" type="datetimeFigureOut">
               <a:rPr lang="en-SG" smtClean="0"/>
-              <a:t>25/5/2025</a:t>
+              <a:t>29/5/2025</a:t>
             </a:fld>
             <a:endParaRPr lang="en-SG"/>
           </a:p>
@@ -2948,7 +2948,7 @@
           <a:p>
             <a:fld id="{C4C33896-74DC-4DC9-8FFE-C8D9D6A25E64}" type="datetimeFigureOut">
               <a:rPr lang="en-SG" smtClean="0"/>
-              <a:t>25/5/2025</a:t>
+              <a:t>29/5/2025</a:t>
             </a:fld>
             <a:endParaRPr lang="en-SG"/>
           </a:p>
@@ -18592,10 +18592,10 @@
       </p:grpSpPr>
       <p:grpSp>
         <p:nvGrpSpPr>
-          <p:cNvPr id="3" name="Group 2">
+          <p:cNvPr id="8" name="Group 7">
             <a:extLst>
               <a:ext uri="{FF2B5EF4-FFF2-40B4-BE49-F238E27FC236}">
-                <a16:creationId xmlns:a16="http://schemas.microsoft.com/office/drawing/2014/main" id="{055F7EC7-2FE4-B46B-A0FB-90A4B520FB74}"/>
+                <a16:creationId xmlns:a16="http://schemas.microsoft.com/office/drawing/2014/main" id="{83D1F6DB-1542-8EC4-1533-ECF787A9B6CA}"/>
               </a:ext>
             </a:extLst>
           </p:cNvPr>
@@ -18605,41 +18605,11 @@
         <p:grpSpPr>
           <a:xfrm>
             <a:off x="894735" y="550608"/>
-            <a:ext cx="10849108" cy="4621160"/>
+            <a:ext cx="10436290" cy="4542502"/>
             <a:chOff x="894735" y="550608"/>
-            <a:chExt cx="10849108" cy="4621160"/>
+            <a:chExt cx="10436290" cy="4542502"/>
           </a:xfrm>
         </p:grpSpPr>
-        <p:pic>
-          <p:nvPicPr>
-            <p:cNvPr id="4" name="Picture 3">
-              <a:extLst>
-                <a:ext uri="{FF2B5EF4-FFF2-40B4-BE49-F238E27FC236}">
-                  <a16:creationId xmlns:a16="http://schemas.microsoft.com/office/drawing/2014/main" id="{17D9B4F5-ADEC-AFD2-C0FA-36AC85BC47F3}"/>
-                </a:ext>
-              </a:extLst>
-            </p:cNvPr>
-            <p:cNvPicPr>
-              <a:picLocks noChangeAspect="1"/>
-            </p:cNvPicPr>
-            <p:nvPr/>
-          </p:nvPicPr>
-          <p:blipFill>
-            <a:blip r:embed="rId2"/>
-            <a:stretch>
-              <a:fillRect/>
-            </a:stretch>
-          </p:blipFill>
-          <p:spPr>
-            <a:xfrm>
-              <a:off x="5317019" y="550608"/>
-              <a:ext cx="6426824" cy="4621160"/>
-            </a:xfrm>
-            <a:prstGeom prst="rect">
-              <a:avLst/>
-            </a:prstGeom>
-          </p:spPr>
-        </p:pic>
         <p:pic>
           <p:nvPicPr>
             <p:cNvPr id="6" name="Picture 5">
@@ -18655,7 +18625,7 @@
             <p:nvPr/>
           </p:nvPicPr>
           <p:blipFill>
-            <a:blip r:embed="rId3"/>
+            <a:blip r:embed="rId2"/>
             <a:stretch>
               <a:fillRect/>
             </a:stretch>
@@ -18731,6 +18701,36 @@
             </a:p>
           </p:txBody>
         </p:sp>
+        <p:pic>
+          <p:nvPicPr>
+            <p:cNvPr id="7" name="Picture 6">
+              <a:extLst>
+                <a:ext uri="{FF2B5EF4-FFF2-40B4-BE49-F238E27FC236}">
+                  <a16:creationId xmlns:a16="http://schemas.microsoft.com/office/drawing/2014/main" id="{430F7832-78A2-F75E-E31B-EB9D4F832B56}"/>
+                </a:ext>
+              </a:extLst>
+            </p:cNvPr>
+            <p:cNvPicPr>
+              <a:picLocks noChangeAspect="1"/>
+            </p:cNvPicPr>
+            <p:nvPr/>
+          </p:nvPicPr>
+          <p:blipFill>
+            <a:blip r:embed="rId3"/>
+            <a:stretch>
+              <a:fillRect/>
+            </a:stretch>
+          </p:blipFill>
+          <p:spPr>
+            <a:xfrm>
+              <a:off x="5011310" y="550608"/>
+              <a:ext cx="6319715" cy="4542502"/>
+            </a:xfrm>
+            <a:prstGeom prst="rect">
+              <a:avLst/>
+            </a:prstGeom>
+          </p:spPr>
+        </p:pic>
       </p:grpSp>
     </p:spTree>
     <p:extLst>

--- a/images/image_maker.pptx
+++ b/images/image_maker.pptx
@@ -279,7 +279,7 @@
           <a:p>
             <a:fld id="{C4C33896-74DC-4DC9-8FFE-C8D9D6A25E64}" type="datetimeFigureOut">
               <a:rPr lang="en-SG" smtClean="0"/>
-              <a:t>29/5/2025</a:t>
+              <a:t>30/5/2025</a:t>
             </a:fld>
             <a:endParaRPr lang="en-SG"/>
           </a:p>
@@ -479,7 +479,7 @@
           <a:p>
             <a:fld id="{C4C33896-74DC-4DC9-8FFE-C8D9D6A25E64}" type="datetimeFigureOut">
               <a:rPr lang="en-SG" smtClean="0"/>
-              <a:t>29/5/2025</a:t>
+              <a:t>30/5/2025</a:t>
             </a:fld>
             <a:endParaRPr lang="en-SG"/>
           </a:p>
@@ -689,7 +689,7 @@
           <a:p>
             <a:fld id="{C4C33896-74DC-4DC9-8FFE-C8D9D6A25E64}" type="datetimeFigureOut">
               <a:rPr lang="en-SG" smtClean="0"/>
-              <a:t>29/5/2025</a:t>
+              <a:t>30/5/2025</a:t>
             </a:fld>
             <a:endParaRPr lang="en-SG"/>
           </a:p>
@@ -889,7 +889,7 @@
           <a:p>
             <a:fld id="{C4C33896-74DC-4DC9-8FFE-C8D9D6A25E64}" type="datetimeFigureOut">
               <a:rPr lang="en-SG" smtClean="0"/>
-              <a:t>29/5/2025</a:t>
+              <a:t>30/5/2025</a:t>
             </a:fld>
             <a:endParaRPr lang="en-SG"/>
           </a:p>
@@ -1165,7 +1165,7 @@
           <a:p>
             <a:fld id="{C4C33896-74DC-4DC9-8FFE-C8D9D6A25E64}" type="datetimeFigureOut">
               <a:rPr lang="en-SG" smtClean="0"/>
-              <a:t>29/5/2025</a:t>
+              <a:t>30/5/2025</a:t>
             </a:fld>
             <a:endParaRPr lang="en-SG"/>
           </a:p>
@@ -1433,7 +1433,7 @@
           <a:p>
             <a:fld id="{C4C33896-74DC-4DC9-8FFE-C8D9D6A25E64}" type="datetimeFigureOut">
               <a:rPr lang="en-SG" smtClean="0"/>
-              <a:t>29/5/2025</a:t>
+              <a:t>30/5/2025</a:t>
             </a:fld>
             <a:endParaRPr lang="en-SG"/>
           </a:p>
@@ -1848,7 +1848,7 @@
           <a:p>
             <a:fld id="{C4C33896-74DC-4DC9-8FFE-C8D9D6A25E64}" type="datetimeFigureOut">
               <a:rPr lang="en-SG" smtClean="0"/>
-              <a:t>29/5/2025</a:t>
+              <a:t>30/5/2025</a:t>
             </a:fld>
             <a:endParaRPr lang="en-SG"/>
           </a:p>
@@ -1990,7 +1990,7 @@
           <a:p>
             <a:fld id="{C4C33896-74DC-4DC9-8FFE-C8D9D6A25E64}" type="datetimeFigureOut">
               <a:rPr lang="en-SG" smtClean="0"/>
-              <a:t>29/5/2025</a:t>
+              <a:t>30/5/2025</a:t>
             </a:fld>
             <a:endParaRPr lang="en-SG"/>
           </a:p>
@@ -2103,7 +2103,7 @@
           <a:p>
             <a:fld id="{C4C33896-74DC-4DC9-8FFE-C8D9D6A25E64}" type="datetimeFigureOut">
               <a:rPr lang="en-SG" smtClean="0"/>
-              <a:t>29/5/2025</a:t>
+              <a:t>30/5/2025</a:t>
             </a:fld>
             <a:endParaRPr lang="en-SG"/>
           </a:p>
@@ -2416,7 +2416,7 @@
           <a:p>
             <a:fld id="{C4C33896-74DC-4DC9-8FFE-C8D9D6A25E64}" type="datetimeFigureOut">
               <a:rPr lang="en-SG" smtClean="0"/>
-              <a:t>29/5/2025</a:t>
+              <a:t>30/5/2025</a:t>
             </a:fld>
             <a:endParaRPr lang="en-SG"/>
           </a:p>
@@ -2705,7 +2705,7 @@
           <a:p>
             <a:fld id="{C4C33896-74DC-4DC9-8FFE-C8D9D6A25E64}" type="datetimeFigureOut">
               <a:rPr lang="en-SG" smtClean="0"/>
-              <a:t>29/5/2025</a:t>
+              <a:t>30/5/2025</a:t>
             </a:fld>
             <a:endParaRPr lang="en-SG"/>
           </a:p>
@@ -2948,7 +2948,7 @@
           <a:p>
             <a:fld id="{C4C33896-74DC-4DC9-8FFE-C8D9D6A25E64}" type="datetimeFigureOut">
               <a:rPr lang="en-SG" smtClean="0"/>
-              <a:t>29/5/2025</a:t>
+              <a:t>30/5/2025</a:t>
             </a:fld>
             <a:endParaRPr lang="en-SG"/>
           </a:p>
@@ -18590,148 +18590,127 @@
           <a:chExt cx="0" cy="0"/>
         </a:xfrm>
       </p:grpSpPr>
-      <p:grpSp>
-        <p:nvGrpSpPr>
-          <p:cNvPr id="8" name="Group 7">
+      <p:pic>
+        <p:nvPicPr>
+          <p:cNvPr id="6" name="Picture 5">
             <a:extLst>
               <a:ext uri="{FF2B5EF4-FFF2-40B4-BE49-F238E27FC236}">
-                <a16:creationId xmlns:a16="http://schemas.microsoft.com/office/drawing/2014/main" id="{83D1F6DB-1542-8EC4-1533-ECF787A9B6CA}"/>
+                <a16:creationId xmlns:a16="http://schemas.microsoft.com/office/drawing/2014/main" id="{12F7C40E-5AE2-14AC-AD67-1D60B8401B81}"/>
               </a:ext>
             </a:extLst>
           </p:cNvPr>
-          <p:cNvGrpSpPr/>
+          <p:cNvPicPr>
+            <a:picLocks noChangeAspect="1"/>
+          </p:cNvPicPr>
           <p:nvPr/>
-        </p:nvGrpSpPr>
-        <p:grpSpPr>
+        </p:nvPicPr>
+        <p:blipFill>
+          <a:blip r:embed="rId2"/>
+          <a:stretch>
+            <a:fillRect/>
+          </a:stretch>
+        </p:blipFill>
+        <p:spPr>
           <a:xfrm>
-            <a:off x="894735" y="550608"/>
-            <a:ext cx="10436290" cy="4542502"/>
-            <a:chOff x="894735" y="550608"/>
-            <a:chExt cx="10436290" cy="4542502"/>
+            <a:off x="894735" y="1615283"/>
+            <a:ext cx="3916209" cy="3477827"/>
           </a:xfrm>
-        </p:grpSpPr>
-        <p:pic>
-          <p:nvPicPr>
-            <p:cNvPr id="6" name="Picture 5">
-              <a:extLst>
-                <a:ext uri="{FF2B5EF4-FFF2-40B4-BE49-F238E27FC236}">
-                  <a16:creationId xmlns:a16="http://schemas.microsoft.com/office/drawing/2014/main" id="{12F7C40E-5AE2-14AC-AD67-1D60B8401B81}"/>
-                </a:ext>
-              </a:extLst>
-            </p:cNvPr>
-            <p:cNvPicPr>
-              <a:picLocks noChangeAspect="1"/>
-            </p:cNvPicPr>
-            <p:nvPr/>
-          </p:nvPicPr>
-          <p:blipFill>
-            <a:blip r:embed="rId2"/>
-            <a:stretch>
-              <a:fillRect/>
-            </a:stretch>
-          </p:blipFill>
-          <p:spPr>
-            <a:xfrm>
-              <a:off x="894735" y="1615283"/>
-              <a:ext cx="3916209" cy="3477827"/>
-            </a:xfrm>
-            <a:prstGeom prst="rect">
-              <a:avLst/>
-            </a:prstGeom>
-          </p:spPr>
-        </p:pic>
-        <p:sp>
-          <p:nvSpPr>
-            <p:cNvPr id="2" name="Rectangle 1">
-              <a:extLst>
-                <a:ext uri="{FF2B5EF4-FFF2-40B4-BE49-F238E27FC236}">
-                  <a16:creationId xmlns:a16="http://schemas.microsoft.com/office/drawing/2014/main" id="{C6460331-9CA8-886C-DD00-90D5137CE567}"/>
-                </a:ext>
-              </a:extLst>
-            </p:cNvPr>
-            <p:cNvSpPr/>
-            <p:nvPr/>
-          </p:nvSpPr>
-          <p:spPr>
-            <a:xfrm>
-              <a:off x="1513194" y="550608"/>
-              <a:ext cx="2679289" cy="643427"/>
-            </a:xfrm>
-            <a:prstGeom prst="rect">
-              <a:avLst/>
-            </a:prstGeom>
-            <a:solidFill>
-              <a:srgbClr val="003E2F"/>
-            </a:solidFill>
-          </p:spPr>
-          <p:style>
-            <a:lnRef idx="2">
-              <a:schemeClr val="accent1">
-                <a:shade val="15000"/>
-              </a:schemeClr>
-            </a:lnRef>
-            <a:fillRef idx="1">
-              <a:schemeClr val="accent1"/>
-            </a:fillRef>
-            <a:effectRef idx="0">
-              <a:schemeClr val="accent1"/>
-            </a:effectRef>
-            <a:fontRef idx="minor">
-              <a:schemeClr val="lt1"/>
-            </a:fontRef>
-          </p:style>
-          <p:txBody>
-            <a:bodyPr rtlCol="0" anchor="ctr"/>
-            <a:lstStyle/>
-            <a:p>
-              <a:pPr algn="ctr"/>
-              <a:r>
-                <a:rPr lang="en-US" dirty="0">
-                  <a:latin typeface="Lato" panose="020F0502020204030203" pitchFamily="34" charset="0"/>
-                  <a:ea typeface="Lato" panose="020F0502020204030203" pitchFamily="34" charset="0"/>
-                  <a:cs typeface="Lato" panose="020F0502020204030203" pitchFamily="34" charset="0"/>
-                </a:rPr>
-                <a:t>Introduce mapping procedure</a:t>
-              </a:r>
-              <a:endParaRPr lang="en-SG" dirty="0">
+          <a:prstGeom prst="rect">
+            <a:avLst/>
+          </a:prstGeom>
+        </p:spPr>
+      </p:pic>
+      <p:sp>
+        <p:nvSpPr>
+          <p:cNvPr id="2" name="Rectangle 1">
+            <a:extLst>
+              <a:ext uri="{FF2B5EF4-FFF2-40B4-BE49-F238E27FC236}">
+                <a16:creationId xmlns:a16="http://schemas.microsoft.com/office/drawing/2014/main" id="{C6460331-9CA8-886C-DD00-90D5137CE567}"/>
+              </a:ext>
+            </a:extLst>
+          </p:cNvPr>
+          <p:cNvSpPr/>
+          <p:nvPr/>
+        </p:nvSpPr>
+        <p:spPr>
+          <a:xfrm>
+            <a:off x="1513194" y="550608"/>
+            <a:ext cx="2679289" cy="643427"/>
+          </a:xfrm>
+          <a:prstGeom prst="rect">
+            <a:avLst/>
+          </a:prstGeom>
+          <a:solidFill>
+            <a:srgbClr val="003E2F"/>
+          </a:solidFill>
+        </p:spPr>
+        <p:style>
+          <a:lnRef idx="2">
+            <a:schemeClr val="accent1">
+              <a:shade val="15000"/>
+            </a:schemeClr>
+          </a:lnRef>
+          <a:fillRef idx="1">
+            <a:schemeClr val="accent1"/>
+          </a:fillRef>
+          <a:effectRef idx="0">
+            <a:schemeClr val="accent1"/>
+          </a:effectRef>
+          <a:fontRef idx="minor">
+            <a:schemeClr val="lt1"/>
+          </a:fontRef>
+        </p:style>
+        <p:txBody>
+          <a:bodyPr rtlCol="0" anchor="ctr"/>
+          <a:lstStyle/>
+          <a:p>
+            <a:pPr algn="ctr"/>
+            <a:r>
+              <a:rPr lang="en-US" dirty="0">
                 <a:latin typeface="Lato" panose="020F0502020204030203" pitchFamily="34" charset="0"/>
                 <a:ea typeface="Lato" panose="020F0502020204030203" pitchFamily="34" charset="0"/>
                 <a:cs typeface="Lato" panose="020F0502020204030203" pitchFamily="34" charset="0"/>
-              </a:endParaRPr>
-            </a:p>
-          </p:txBody>
-        </p:sp>
-        <p:pic>
-          <p:nvPicPr>
-            <p:cNvPr id="7" name="Picture 6">
-              <a:extLst>
-                <a:ext uri="{FF2B5EF4-FFF2-40B4-BE49-F238E27FC236}">
-                  <a16:creationId xmlns:a16="http://schemas.microsoft.com/office/drawing/2014/main" id="{430F7832-78A2-F75E-E31B-EB9D4F832B56}"/>
-                </a:ext>
-              </a:extLst>
-            </p:cNvPr>
-            <p:cNvPicPr>
-              <a:picLocks noChangeAspect="1"/>
-            </p:cNvPicPr>
-            <p:nvPr/>
-          </p:nvPicPr>
-          <p:blipFill>
-            <a:blip r:embed="rId3"/>
-            <a:stretch>
-              <a:fillRect/>
-            </a:stretch>
-          </p:blipFill>
-          <p:spPr>
-            <a:xfrm>
-              <a:off x="5011310" y="550608"/>
-              <a:ext cx="6319715" cy="4542502"/>
-            </a:xfrm>
-            <a:prstGeom prst="rect">
-              <a:avLst/>
-            </a:prstGeom>
-          </p:spPr>
-        </p:pic>
-      </p:grpSp>
+              </a:rPr>
+              <a:t>Introduce mapping procedure</a:t>
+            </a:r>
+            <a:endParaRPr lang="en-SG" dirty="0">
+              <a:latin typeface="Lato" panose="020F0502020204030203" pitchFamily="34" charset="0"/>
+              <a:ea typeface="Lato" panose="020F0502020204030203" pitchFamily="34" charset="0"/>
+              <a:cs typeface="Lato" panose="020F0502020204030203" pitchFamily="34" charset="0"/>
+            </a:endParaRPr>
+          </a:p>
+        </p:txBody>
+      </p:sp>
+      <p:pic>
+        <p:nvPicPr>
+          <p:cNvPr id="7" name="Picture 6">
+            <a:extLst>
+              <a:ext uri="{FF2B5EF4-FFF2-40B4-BE49-F238E27FC236}">
+                <a16:creationId xmlns:a16="http://schemas.microsoft.com/office/drawing/2014/main" id="{430F7832-78A2-F75E-E31B-EB9D4F832B56}"/>
+              </a:ext>
+            </a:extLst>
+          </p:cNvPr>
+          <p:cNvPicPr>
+            <a:picLocks noChangeAspect="1"/>
+          </p:cNvPicPr>
+          <p:nvPr/>
+        </p:nvPicPr>
+        <p:blipFill>
+          <a:blip r:embed="rId3"/>
+          <a:stretch>
+            <a:fillRect/>
+          </a:stretch>
+        </p:blipFill>
+        <p:spPr>
+          <a:xfrm>
+            <a:off x="5011310" y="550608"/>
+            <a:ext cx="6319715" cy="4542502"/>
+          </a:xfrm>
+          <a:prstGeom prst="rect">
+            <a:avLst/>
+          </a:prstGeom>
+        </p:spPr>
+      </p:pic>
     </p:spTree>
     <p:extLst>
       <p:ext uri="{BB962C8B-B14F-4D97-AF65-F5344CB8AC3E}">
@@ -18764,10 +18743,10 @@
       </p:grpSpPr>
       <p:pic>
         <p:nvPicPr>
-          <p:cNvPr id="5" name="Picture 4">
+          <p:cNvPr id="2" name="Picture 1">
             <a:extLst>
               <a:ext uri="{FF2B5EF4-FFF2-40B4-BE49-F238E27FC236}">
-                <a16:creationId xmlns:a16="http://schemas.microsoft.com/office/drawing/2014/main" id="{D0C8E66A-53B1-7034-1559-CA6FFE5D83E5}"/>
+                <a16:creationId xmlns:a16="http://schemas.microsoft.com/office/drawing/2014/main" id="{427852CC-0933-6653-36E3-F93B595295D4}"/>
               </a:ext>
             </a:extLst>
           </p:cNvPr>
@@ -18778,13 +18757,13 @@
         </p:nvPicPr>
         <p:blipFill>
           <a:blip r:embed="rId2"/>
-          <a:srcRect b="26383"/>
+          <a:srcRect b="27056"/>
           <a:stretch/>
         </p:blipFill>
         <p:spPr>
           <a:xfrm>
-            <a:off x="2882588" y="550608"/>
-            <a:ext cx="6426824" cy="3401960"/>
+            <a:off x="5011310" y="550608"/>
+            <a:ext cx="6319715" cy="3313469"/>
           </a:xfrm>
           <a:prstGeom prst="rect">
             <a:avLst/>

--- a/images/image_maker.pptx
+++ b/images/image_maker.pptx
@@ -6074,7 +6074,7 @@
           <p:nvPr>
             <p:extLst>
               <p:ext uri="{D42A27DB-BD31-4B8C-83A1-F6EECF244321}">
-                <p14:modId xmlns:p14="http://schemas.microsoft.com/office/powerpoint/2010/main" val="503393624"/>
+                <p14:modId xmlns:p14="http://schemas.microsoft.com/office/powerpoint/2010/main" val="486733670"/>
               </p:ext>
             </p:extLst>
           </p:nvPr>
@@ -6354,7 +6354,7 @@
                           <a:ea typeface="Calibri" panose="020F0502020204030204" pitchFamily="34" charset="0"/>
                           <a:cs typeface="Arial" panose="020B0604020202020204" pitchFamily="34" charset="0"/>
                         </a:rPr>
-                        <a:t>11</a:t>
+                        <a:t>10</a:t>
                       </a:r>
                       <a:endParaRPr lang="en-SG" sz="1600" b="0" dirty="0">
                         <a:solidFill>
@@ -16144,7 +16144,7 @@
           <p:nvPr>
             <p:extLst>
               <p:ext uri="{D42A27DB-BD31-4B8C-83A1-F6EECF244321}">
-                <p14:modId xmlns:p14="http://schemas.microsoft.com/office/powerpoint/2010/main" val="1358320450"/>
+                <p14:modId xmlns:p14="http://schemas.microsoft.com/office/powerpoint/2010/main" val="3529070382"/>
               </p:ext>
             </p:extLst>
           </p:nvPr>
@@ -16736,7 +16736,7 @@
           <p:nvPr>
             <p:extLst>
               <p:ext uri="{D42A27DB-BD31-4B8C-83A1-F6EECF244321}">
-                <p14:modId xmlns:p14="http://schemas.microsoft.com/office/powerpoint/2010/main" val="3738563449"/>
+                <p14:modId xmlns:p14="http://schemas.microsoft.com/office/powerpoint/2010/main" val="2431622102"/>
               </p:ext>
             </p:extLst>
           </p:nvPr>

--- a/images/image_maker.pptx
+++ b/images/image_maker.pptx
@@ -4,6 +4,9 @@
   <p:sldMasterIdLst>
     <p:sldMasterId id="2147483648" r:id="rId1"/>
   </p:sldMasterIdLst>
+  <p:notesMasterIdLst>
+    <p:notesMasterId r:id="rId21"/>
+  </p:notesMasterIdLst>
   <p:sldIdLst>
     <p:sldId id="267" r:id="rId2"/>
     <p:sldId id="258" r:id="rId3"/>
@@ -128,6 +131,440 @@
     </p:ext>
   </p:extLst>
 </p:presentation>
+</file>
+
+<file path=ppt/notesMasters/notesMaster1.xml><?xml version="1.0" encoding="utf-8"?>
+<p:notesMaster xmlns:a="http://schemas.openxmlformats.org/drawingml/2006/main" xmlns:r="http://schemas.openxmlformats.org/officeDocument/2006/relationships" xmlns:p="http://schemas.openxmlformats.org/presentationml/2006/main">
+  <p:cSld>
+    <p:bg>
+      <p:bgRef idx="1001">
+        <a:schemeClr val="bg1"/>
+      </p:bgRef>
+    </p:bg>
+    <p:spTree>
+      <p:nvGrpSpPr>
+        <p:cNvPr id="1" name=""/>
+        <p:cNvGrpSpPr/>
+        <p:nvPr/>
+      </p:nvGrpSpPr>
+      <p:grpSpPr>
+        <a:xfrm>
+          <a:off x="0" y="0"/>
+          <a:ext cx="0" cy="0"/>
+          <a:chOff x="0" y="0"/>
+          <a:chExt cx="0" cy="0"/>
+        </a:xfrm>
+      </p:grpSpPr>
+      <p:sp>
+        <p:nvSpPr>
+          <p:cNvPr id="2" name="Header Placeholder 1"/>
+          <p:cNvSpPr>
+            <a:spLocks noGrp="1"/>
+          </p:cNvSpPr>
+          <p:nvPr>
+            <p:ph type="hdr" sz="quarter"/>
+          </p:nvPr>
+        </p:nvSpPr>
+        <p:spPr>
+          <a:xfrm>
+            <a:off x="0" y="0"/>
+            <a:ext cx="2971800" cy="458788"/>
+          </a:xfrm>
+          <a:prstGeom prst="rect">
+            <a:avLst/>
+          </a:prstGeom>
+        </p:spPr>
+        <p:txBody>
+          <a:bodyPr vert="horz" lIns="91440" tIns="45720" rIns="91440" bIns="45720" rtlCol="0"/>
+          <a:lstStyle>
+            <a:lvl1pPr algn="l">
+              <a:defRPr sz="1200"/>
+            </a:lvl1pPr>
+          </a:lstStyle>
+          <a:p>
+            <a:endParaRPr lang="en-SG"/>
+          </a:p>
+        </p:txBody>
+      </p:sp>
+      <p:sp>
+        <p:nvSpPr>
+          <p:cNvPr id="3" name="Date Placeholder 2"/>
+          <p:cNvSpPr>
+            <a:spLocks noGrp="1"/>
+          </p:cNvSpPr>
+          <p:nvPr>
+            <p:ph type="dt" idx="1"/>
+          </p:nvPr>
+        </p:nvSpPr>
+        <p:spPr>
+          <a:xfrm>
+            <a:off x="3884613" y="0"/>
+            <a:ext cx="2971800" cy="458788"/>
+          </a:xfrm>
+          <a:prstGeom prst="rect">
+            <a:avLst/>
+          </a:prstGeom>
+        </p:spPr>
+        <p:txBody>
+          <a:bodyPr vert="horz" lIns="91440" tIns="45720" rIns="91440" bIns="45720" rtlCol="0"/>
+          <a:lstStyle>
+            <a:lvl1pPr algn="r">
+              <a:defRPr sz="1200"/>
+            </a:lvl1pPr>
+          </a:lstStyle>
+          <a:p>
+            <a:fld id="{CC66603B-BAF3-410E-8BB4-45552D4AE2A0}" type="datetimeFigureOut">
+              <a:rPr lang="en-SG" smtClean="0"/>
+              <a:t>30/5/2025</a:t>
+            </a:fld>
+            <a:endParaRPr lang="en-SG"/>
+          </a:p>
+        </p:txBody>
+      </p:sp>
+      <p:sp>
+        <p:nvSpPr>
+          <p:cNvPr id="4" name="Slide Image Placeholder 3"/>
+          <p:cNvSpPr>
+            <a:spLocks noGrp="1" noRot="1" noChangeAspect="1"/>
+          </p:cNvSpPr>
+          <p:nvPr>
+            <p:ph type="sldImg" idx="2"/>
+          </p:nvPr>
+        </p:nvSpPr>
+        <p:spPr>
+          <a:xfrm>
+            <a:off x="685800" y="1143000"/>
+            <a:ext cx="5486400" cy="3086100"/>
+          </a:xfrm>
+          <a:prstGeom prst="rect">
+            <a:avLst/>
+          </a:prstGeom>
+          <a:noFill/>
+          <a:ln w="12700">
+            <a:solidFill>
+              <a:prstClr val="black"/>
+            </a:solidFill>
+          </a:ln>
+        </p:spPr>
+        <p:txBody>
+          <a:bodyPr vert="horz" lIns="91440" tIns="45720" rIns="91440" bIns="45720" rtlCol="0" anchor="ctr"/>
+          <a:lstStyle/>
+          <a:p>
+            <a:endParaRPr lang="en-SG"/>
+          </a:p>
+        </p:txBody>
+      </p:sp>
+      <p:sp>
+        <p:nvSpPr>
+          <p:cNvPr id="5" name="Notes Placeholder 4"/>
+          <p:cNvSpPr>
+            <a:spLocks noGrp="1"/>
+          </p:cNvSpPr>
+          <p:nvPr>
+            <p:ph type="body" sz="quarter" idx="3"/>
+          </p:nvPr>
+        </p:nvSpPr>
+        <p:spPr>
+          <a:xfrm>
+            <a:off x="685800" y="4400550"/>
+            <a:ext cx="5486400" cy="3600450"/>
+          </a:xfrm>
+          <a:prstGeom prst="rect">
+            <a:avLst/>
+          </a:prstGeom>
+        </p:spPr>
+        <p:txBody>
+          <a:bodyPr vert="horz" lIns="91440" tIns="45720" rIns="91440" bIns="45720" rtlCol="0"/>
+          <a:lstStyle/>
+          <a:p>
+            <a:pPr lvl="0"/>
+            <a:r>
+              <a:rPr lang="en-US"/>
+              <a:t>Click to edit Master text styles</a:t>
+            </a:r>
+          </a:p>
+          <a:p>
+            <a:pPr lvl="1"/>
+            <a:r>
+              <a:rPr lang="en-US"/>
+              <a:t>Second level</a:t>
+            </a:r>
+          </a:p>
+          <a:p>
+            <a:pPr lvl="2"/>
+            <a:r>
+              <a:rPr lang="en-US"/>
+              <a:t>Third level</a:t>
+            </a:r>
+          </a:p>
+          <a:p>
+            <a:pPr lvl="3"/>
+            <a:r>
+              <a:rPr lang="en-US"/>
+              <a:t>Fourth level</a:t>
+            </a:r>
+          </a:p>
+          <a:p>
+            <a:pPr lvl="4"/>
+            <a:r>
+              <a:rPr lang="en-US"/>
+              <a:t>Fifth level</a:t>
+            </a:r>
+            <a:endParaRPr lang="en-SG"/>
+          </a:p>
+        </p:txBody>
+      </p:sp>
+      <p:sp>
+        <p:nvSpPr>
+          <p:cNvPr id="6" name="Footer Placeholder 5"/>
+          <p:cNvSpPr>
+            <a:spLocks noGrp="1"/>
+          </p:cNvSpPr>
+          <p:nvPr>
+            <p:ph type="ftr" sz="quarter" idx="4"/>
+          </p:nvPr>
+        </p:nvSpPr>
+        <p:spPr>
+          <a:xfrm>
+            <a:off x="0" y="8685213"/>
+            <a:ext cx="2971800" cy="458787"/>
+          </a:xfrm>
+          <a:prstGeom prst="rect">
+            <a:avLst/>
+          </a:prstGeom>
+        </p:spPr>
+        <p:txBody>
+          <a:bodyPr vert="horz" lIns="91440" tIns="45720" rIns="91440" bIns="45720" rtlCol="0" anchor="b"/>
+          <a:lstStyle>
+            <a:lvl1pPr algn="l">
+              <a:defRPr sz="1200"/>
+            </a:lvl1pPr>
+          </a:lstStyle>
+          <a:p>
+            <a:endParaRPr lang="en-SG"/>
+          </a:p>
+        </p:txBody>
+      </p:sp>
+      <p:sp>
+        <p:nvSpPr>
+          <p:cNvPr id="7" name="Slide Number Placeholder 6"/>
+          <p:cNvSpPr>
+            <a:spLocks noGrp="1"/>
+          </p:cNvSpPr>
+          <p:nvPr>
+            <p:ph type="sldNum" sz="quarter" idx="5"/>
+          </p:nvPr>
+        </p:nvSpPr>
+        <p:spPr>
+          <a:xfrm>
+            <a:off x="3884613" y="8685213"/>
+            <a:ext cx="2971800" cy="458787"/>
+          </a:xfrm>
+          <a:prstGeom prst="rect">
+            <a:avLst/>
+          </a:prstGeom>
+        </p:spPr>
+        <p:txBody>
+          <a:bodyPr vert="horz" lIns="91440" tIns="45720" rIns="91440" bIns="45720" rtlCol="0" anchor="b"/>
+          <a:lstStyle>
+            <a:lvl1pPr algn="r">
+              <a:defRPr sz="1200"/>
+            </a:lvl1pPr>
+          </a:lstStyle>
+          <a:p>
+            <a:fld id="{148214AA-8248-4F99-B5EC-BDD4A7831EED}" type="slidenum">
+              <a:rPr lang="en-SG" smtClean="0"/>
+              <a:t>‹#›</a:t>
+            </a:fld>
+            <a:endParaRPr lang="en-SG"/>
+          </a:p>
+        </p:txBody>
+      </p:sp>
+    </p:spTree>
+    <p:extLst>
+      <p:ext uri="{BB962C8B-B14F-4D97-AF65-F5344CB8AC3E}">
+        <p14:creationId xmlns:p14="http://schemas.microsoft.com/office/powerpoint/2010/main" val="2935010173"/>
+      </p:ext>
+    </p:extLst>
+  </p:cSld>
+  <p:clrMap bg1="lt1" tx1="dk1" bg2="lt2" tx2="dk2" accent1="accent1" accent2="accent2" accent3="accent3" accent4="accent4" accent5="accent5" accent6="accent6" hlink="hlink" folHlink="folHlink"/>
+  <p:notesStyle>
+    <a:lvl1pPr marL="0" algn="l" defTabSz="914400" rtl="0" eaLnBrk="1" latinLnBrk="0" hangingPunct="1">
+      <a:defRPr sz="1200" kern="1200">
+        <a:solidFill>
+          <a:schemeClr val="tx1"/>
+        </a:solidFill>
+        <a:latin typeface="+mn-lt"/>
+        <a:ea typeface="+mn-ea"/>
+        <a:cs typeface="+mn-cs"/>
+      </a:defRPr>
+    </a:lvl1pPr>
+    <a:lvl2pPr marL="457200" algn="l" defTabSz="914400" rtl="0" eaLnBrk="1" latinLnBrk="0" hangingPunct="1">
+      <a:defRPr sz="1200" kern="1200">
+        <a:solidFill>
+          <a:schemeClr val="tx1"/>
+        </a:solidFill>
+        <a:latin typeface="+mn-lt"/>
+        <a:ea typeface="+mn-ea"/>
+        <a:cs typeface="+mn-cs"/>
+      </a:defRPr>
+    </a:lvl2pPr>
+    <a:lvl3pPr marL="914400" algn="l" defTabSz="914400" rtl="0" eaLnBrk="1" latinLnBrk="0" hangingPunct="1">
+      <a:defRPr sz="1200" kern="1200">
+        <a:solidFill>
+          <a:schemeClr val="tx1"/>
+        </a:solidFill>
+        <a:latin typeface="+mn-lt"/>
+        <a:ea typeface="+mn-ea"/>
+        <a:cs typeface="+mn-cs"/>
+      </a:defRPr>
+    </a:lvl3pPr>
+    <a:lvl4pPr marL="1371600" algn="l" defTabSz="914400" rtl="0" eaLnBrk="1" latinLnBrk="0" hangingPunct="1">
+      <a:defRPr sz="1200" kern="1200">
+        <a:solidFill>
+          <a:schemeClr val="tx1"/>
+        </a:solidFill>
+        <a:latin typeface="+mn-lt"/>
+        <a:ea typeface="+mn-ea"/>
+        <a:cs typeface="+mn-cs"/>
+      </a:defRPr>
+    </a:lvl4pPr>
+    <a:lvl5pPr marL="1828800" algn="l" defTabSz="914400" rtl="0" eaLnBrk="1" latinLnBrk="0" hangingPunct="1">
+      <a:defRPr sz="1200" kern="1200">
+        <a:solidFill>
+          <a:schemeClr val="tx1"/>
+        </a:solidFill>
+        <a:latin typeface="+mn-lt"/>
+        <a:ea typeface="+mn-ea"/>
+        <a:cs typeface="+mn-cs"/>
+      </a:defRPr>
+    </a:lvl5pPr>
+    <a:lvl6pPr marL="2286000" algn="l" defTabSz="914400" rtl="0" eaLnBrk="1" latinLnBrk="0" hangingPunct="1">
+      <a:defRPr sz="1200" kern="1200">
+        <a:solidFill>
+          <a:schemeClr val="tx1"/>
+        </a:solidFill>
+        <a:latin typeface="+mn-lt"/>
+        <a:ea typeface="+mn-ea"/>
+        <a:cs typeface="+mn-cs"/>
+      </a:defRPr>
+    </a:lvl6pPr>
+    <a:lvl7pPr marL="2743200" algn="l" defTabSz="914400" rtl="0" eaLnBrk="1" latinLnBrk="0" hangingPunct="1">
+      <a:defRPr sz="1200" kern="1200">
+        <a:solidFill>
+          <a:schemeClr val="tx1"/>
+        </a:solidFill>
+        <a:latin typeface="+mn-lt"/>
+        <a:ea typeface="+mn-ea"/>
+        <a:cs typeface="+mn-cs"/>
+      </a:defRPr>
+    </a:lvl7pPr>
+    <a:lvl8pPr marL="3200400" algn="l" defTabSz="914400" rtl="0" eaLnBrk="1" latinLnBrk="0" hangingPunct="1">
+      <a:defRPr sz="1200" kern="1200">
+        <a:solidFill>
+          <a:schemeClr val="tx1"/>
+        </a:solidFill>
+        <a:latin typeface="+mn-lt"/>
+        <a:ea typeface="+mn-ea"/>
+        <a:cs typeface="+mn-cs"/>
+      </a:defRPr>
+    </a:lvl8pPr>
+    <a:lvl9pPr marL="3657600" algn="l" defTabSz="914400" rtl="0" eaLnBrk="1" latinLnBrk="0" hangingPunct="1">
+      <a:defRPr sz="1200" kern="1200">
+        <a:solidFill>
+          <a:schemeClr val="tx1"/>
+        </a:solidFill>
+        <a:latin typeface="+mn-lt"/>
+        <a:ea typeface="+mn-ea"/>
+        <a:cs typeface="+mn-cs"/>
+      </a:defRPr>
+    </a:lvl9pPr>
+  </p:notesStyle>
+</p:notesMaster>
+</file>
+
+<file path=ppt/notesSlides/notesSlide1.xml><?xml version="1.0" encoding="utf-8"?>
+<p:notes xmlns:a="http://schemas.openxmlformats.org/drawingml/2006/main" xmlns:r="http://schemas.openxmlformats.org/officeDocument/2006/relationships" xmlns:p="http://schemas.openxmlformats.org/presentationml/2006/main">
+  <p:cSld>
+    <p:spTree>
+      <p:nvGrpSpPr>
+        <p:cNvPr id="1" name=""/>
+        <p:cNvGrpSpPr/>
+        <p:nvPr/>
+      </p:nvGrpSpPr>
+      <p:grpSpPr>
+        <a:xfrm>
+          <a:off x="0" y="0"/>
+          <a:ext cx="0" cy="0"/>
+          <a:chOff x="0" y="0"/>
+          <a:chExt cx="0" cy="0"/>
+        </a:xfrm>
+      </p:grpSpPr>
+      <p:sp>
+        <p:nvSpPr>
+          <p:cNvPr id="2" name="Slide Image Placeholder 1"/>
+          <p:cNvSpPr>
+            <a:spLocks noGrp="1" noRot="1" noChangeAspect="1"/>
+          </p:cNvSpPr>
+          <p:nvPr>
+            <p:ph type="sldImg"/>
+          </p:nvPr>
+        </p:nvSpPr>
+        <p:spPr/>
+      </p:sp>
+      <p:sp>
+        <p:nvSpPr>
+          <p:cNvPr id="3" name="Notes Placeholder 2"/>
+          <p:cNvSpPr>
+            <a:spLocks noGrp="1"/>
+          </p:cNvSpPr>
+          <p:nvPr>
+            <p:ph type="body" idx="1"/>
+          </p:nvPr>
+        </p:nvSpPr>
+        <p:spPr/>
+        <p:txBody>
+          <a:bodyPr/>
+          <a:lstStyle/>
+          <a:p>
+            <a:endParaRPr lang="en-SG" dirty="0"/>
+          </a:p>
+        </p:txBody>
+      </p:sp>
+      <p:sp>
+        <p:nvSpPr>
+          <p:cNvPr id="4" name="Slide Number Placeholder 3"/>
+          <p:cNvSpPr>
+            <a:spLocks noGrp="1"/>
+          </p:cNvSpPr>
+          <p:nvPr>
+            <p:ph type="sldNum" sz="quarter" idx="5"/>
+          </p:nvPr>
+        </p:nvSpPr>
+        <p:spPr/>
+        <p:txBody>
+          <a:bodyPr/>
+          <a:lstStyle/>
+          <a:p>
+            <a:fld id="{148214AA-8248-4F99-B5EC-BDD4A7831EED}" type="slidenum">
+              <a:rPr lang="en-SG" smtClean="0"/>
+              <a:t>3</a:t>
+            </a:fld>
+            <a:endParaRPr lang="en-SG"/>
+          </a:p>
+        </p:txBody>
+      </p:sp>
+    </p:spTree>
+    <p:extLst>
+      <p:ext uri="{BB962C8B-B14F-4D97-AF65-F5344CB8AC3E}">
+        <p14:creationId xmlns:p14="http://schemas.microsoft.com/office/powerpoint/2010/main" val="806823039"/>
+      </p:ext>
+    </p:extLst>
+  </p:cSld>
+  <p:clrMapOvr>
+    <a:masterClrMapping/>
+  </p:clrMapOvr>
+</p:notes>
 </file>
 
 <file path=ppt/slideLayouts/slideLayout1.xml><?xml version="1.0" encoding="utf-8"?>
@@ -4764,10 +5201,10 @@
       </p:grpSpPr>
       <p:pic>
         <p:nvPicPr>
-          <p:cNvPr id="3" name="Picture 2">
+          <p:cNvPr id="6" name="Picture 5">
             <a:extLst>
               <a:ext uri="{FF2B5EF4-FFF2-40B4-BE49-F238E27FC236}">
-                <a16:creationId xmlns:a16="http://schemas.microsoft.com/office/drawing/2014/main" id="{626F9D9E-5454-01B0-9772-D6178849B4C2}"/>
+                <a16:creationId xmlns:a16="http://schemas.microsoft.com/office/drawing/2014/main" id="{8051A6D2-9B32-FDA7-6BF6-E398988FB44D}"/>
               </a:ext>
             </a:extLst>
           </p:cNvPr>
@@ -4784,8 +5221,8 @@
         </p:blipFill>
         <p:spPr>
           <a:xfrm>
-            <a:off x="1053675" y="420118"/>
-            <a:ext cx="9800169" cy="5814564"/>
+            <a:off x="432597" y="32863"/>
+            <a:ext cx="11326806" cy="6792273"/>
           </a:xfrm>
           <a:prstGeom prst="rect">
             <a:avLst/>
@@ -18590,127 +19027,148 @@
           <a:chExt cx="0" cy="0"/>
         </a:xfrm>
       </p:grpSpPr>
-      <p:pic>
-        <p:nvPicPr>
-          <p:cNvPr id="6" name="Picture 5">
+      <p:grpSp>
+        <p:nvGrpSpPr>
+          <p:cNvPr id="9" name="Group 8">
             <a:extLst>
               <a:ext uri="{FF2B5EF4-FFF2-40B4-BE49-F238E27FC236}">
-                <a16:creationId xmlns:a16="http://schemas.microsoft.com/office/drawing/2014/main" id="{12F7C40E-5AE2-14AC-AD67-1D60B8401B81}"/>
+                <a16:creationId xmlns:a16="http://schemas.microsoft.com/office/drawing/2014/main" id="{973856E3-4690-A331-EFA3-FBFFAF2F9F5A}"/>
               </a:ext>
             </a:extLst>
           </p:cNvPr>
-          <p:cNvPicPr>
-            <a:picLocks noChangeAspect="1"/>
-          </p:cNvPicPr>
+          <p:cNvGrpSpPr/>
           <p:nvPr/>
-        </p:nvPicPr>
-        <p:blipFill>
-          <a:blip r:embed="rId2"/>
-          <a:stretch>
-            <a:fillRect/>
-          </a:stretch>
-        </p:blipFill>
-        <p:spPr>
+        </p:nvGrpSpPr>
+        <p:grpSpPr>
           <a:xfrm>
-            <a:off x="894735" y="1615283"/>
-            <a:ext cx="3916209" cy="3477827"/>
+            <a:off x="1143595" y="471073"/>
+            <a:ext cx="9909137" cy="4997039"/>
+            <a:chOff x="1143595" y="471073"/>
+            <a:chExt cx="9909137" cy="4997039"/>
           </a:xfrm>
-          <a:prstGeom prst="rect">
-            <a:avLst/>
-          </a:prstGeom>
-        </p:spPr>
-      </p:pic>
-      <p:sp>
-        <p:nvSpPr>
-          <p:cNvPr id="2" name="Rectangle 1">
-            <a:extLst>
-              <a:ext uri="{FF2B5EF4-FFF2-40B4-BE49-F238E27FC236}">
-                <a16:creationId xmlns:a16="http://schemas.microsoft.com/office/drawing/2014/main" id="{C6460331-9CA8-886C-DD00-90D5137CE567}"/>
-              </a:ext>
-            </a:extLst>
-          </p:cNvPr>
-          <p:cNvSpPr/>
-          <p:nvPr/>
-        </p:nvSpPr>
-        <p:spPr>
-          <a:xfrm>
-            <a:off x="1513194" y="550608"/>
-            <a:ext cx="2679289" cy="643427"/>
-          </a:xfrm>
-          <a:prstGeom prst="rect">
-            <a:avLst/>
-          </a:prstGeom>
-          <a:solidFill>
-            <a:srgbClr val="003E2F"/>
-          </a:solidFill>
-        </p:spPr>
-        <p:style>
-          <a:lnRef idx="2">
-            <a:schemeClr val="accent1">
-              <a:shade val="15000"/>
-            </a:schemeClr>
-          </a:lnRef>
-          <a:fillRef idx="1">
-            <a:schemeClr val="accent1"/>
-          </a:fillRef>
-          <a:effectRef idx="0">
-            <a:schemeClr val="accent1"/>
-          </a:effectRef>
-          <a:fontRef idx="minor">
-            <a:schemeClr val="lt1"/>
-          </a:fontRef>
-        </p:style>
-        <p:txBody>
-          <a:bodyPr rtlCol="0" anchor="ctr"/>
-          <a:lstStyle/>
-          <a:p>
-            <a:pPr algn="ctr"/>
-            <a:r>
-              <a:rPr lang="en-US" dirty="0">
+        </p:grpSpPr>
+        <p:sp>
+          <p:nvSpPr>
+            <p:cNvPr id="2" name="Rectangle 1">
+              <a:extLst>
+                <a:ext uri="{FF2B5EF4-FFF2-40B4-BE49-F238E27FC236}">
+                  <a16:creationId xmlns:a16="http://schemas.microsoft.com/office/drawing/2014/main" id="{C6460331-9CA8-886C-DD00-90D5137CE567}"/>
+                </a:ext>
+              </a:extLst>
+            </p:cNvPr>
+            <p:cNvSpPr/>
+            <p:nvPr/>
+          </p:nvSpPr>
+          <p:spPr>
+            <a:xfrm>
+              <a:off x="1513194" y="550608"/>
+              <a:ext cx="2679289" cy="643427"/>
+            </a:xfrm>
+            <a:prstGeom prst="rect">
+              <a:avLst/>
+            </a:prstGeom>
+            <a:solidFill>
+              <a:srgbClr val="003E2F"/>
+            </a:solidFill>
+          </p:spPr>
+          <p:style>
+            <a:lnRef idx="2">
+              <a:schemeClr val="accent1">
+                <a:shade val="15000"/>
+              </a:schemeClr>
+            </a:lnRef>
+            <a:fillRef idx="1">
+              <a:schemeClr val="accent1"/>
+            </a:fillRef>
+            <a:effectRef idx="0">
+              <a:schemeClr val="accent1"/>
+            </a:effectRef>
+            <a:fontRef idx="minor">
+              <a:schemeClr val="lt1"/>
+            </a:fontRef>
+          </p:style>
+          <p:txBody>
+            <a:bodyPr rtlCol="0" anchor="ctr"/>
+            <a:lstStyle/>
+            <a:p>
+              <a:pPr algn="ctr"/>
+              <a:r>
+                <a:rPr lang="en-US" dirty="0">
+                  <a:latin typeface="Lato" panose="020F0502020204030203" pitchFamily="34" charset="0"/>
+                  <a:ea typeface="Lato" panose="020F0502020204030203" pitchFamily="34" charset="0"/>
+                  <a:cs typeface="Lato" panose="020F0502020204030203" pitchFamily="34" charset="0"/>
+                </a:rPr>
+                <a:t>Introduce mapping procedure</a:t>
+              </a:r>
+              <a:endParaRPr lang="en-SG" dirty="0">
                 <a:latin typeface="Lato" panose="020F0502020204030203" pitchFamily="34" charset="0"/>
                 <a:ea typeface="Lato" panose="020F0502020204030203" pitchFamily="34" charset="0"/>
                 <a:cs typeface="Lato" panose="020F0502020204030203" pitchFamily="34" charset="0"/>
-              </a:rPr>
-              <a:t>Introduce mapping procedure</a:t>
-            </a:r>
-            <a:endParaRPr lang="en-SG" dirty="0">
-              <a:latin typeface="Lato" panose="020F0502020204030203" pitchFamily="34" charset="0"/>
-              <a:ea typeface="Lato" panose="020F0502020204030203" pitchFamily="34" charset="0"/>
-              <a:cs typeface="Lato" panose="020F0502020204030203" pitchFamily="34" charset="0"/>
-            </a:endParaRPr>
-          </a:p>
-        </p:txBody>
-      </p:sp>
-      <p:pic>
-        <p:nvPicPr>
-          <p:cNvPr id="7" name="Picture 6">
-            <a:extLst>
-              <a:ext uri="{FF2B5EF4-FFF2-40B4-BE49-F238E27FC236}">
-                <a16:creationId xmlns:a16="http://schemas.microsoft.com/office/drawing/2014/main" id="{430F7832-78A2-F75E-E31B-EB9D4F832B56}"/>
-              </a:ext>
-            </a:extLst>
-          </p:cNvPr>
-          <p:cNvPicPr>
-            <a:picLocks noChangeAspect="1"/>
-          </p:cNvPicPr>
-          <p:nvPr/>
-        </p:nvPicPr>
-        <p:blipFill>
-          <a:blip r:embed="rId3"/>
-          <a:stretch>
-            <a:fillRect/>
-          </a:stretch>
-        </p:blipFill>
-        <p:spPr>
-          <a:xfrm>
-            <a:off x="5011310" y="550608"/>
-            <a:ext cx="6319715" cy="4542502"/>
-          </a:xfrm>
-          <a:prstGeom prst="rect">
-            <a:avLst/>
-          </a:prstGeom>
-        </p:spPr>
-      </p:pic>
+              </a:endParaRPr>
+            </a:p>
+          </p:txBody>
+        </p:sp>
+        <p:pic>
+          <p:nvPicPr>
+            <p:cNvPr id="4" name="Picture 3">
+              <a:extLst>
+                <a:ext uri="{FF2B5EF4-FFF2-40B4-BE49-F238E27FC236}">
+                  <a16:creationId xmlns:a16="http://schemas.microsoft.com/office/drawing/2014/main" id="{BC2D708B-FB72-2F11-B215-DFA043580E0C}"/>
+                </a:ext>
+              </a:extLst>
+            </p:cNvPr>
+            <p:cNvPicPr>
+              <a:picLocks noChangeAspect="1"/>
+            </p:cNvPicPr>
+            <p:nvPr/>
+          </p:nvPicPr>
+          <p:blipFill>
+            <a:blip r:embed="rId3"/>
+            <a:stretch>
+              <a:fillRect/>
+            </a:stretch>
+          </p:blipFill>
+          <p:spPr>
+            <a:xfrm>
+              <a:off x="1143595" y="1455442"/>
+              <a:ext cx="3496016" cy="3947115"/>
+            </a:xfrm>
+            <a:prstGeom prst="rect">
+              <a:avLst/>
+            </a:prstGeom>
+          </p:spPr>
+        </p:pic>
+        <p:pic>
+          <p:nvPicPr>
+            <p:cNvPr id="8" name="Picture 7">
+              <a:extLst>
+                <a:ext uri="{FF2B5EF4-FFF2-40B4-BE49-F238E27FC236}">
+                  <a16:creationId xmlns:a16="http://schemas.microsoft.com/office/drawing/2014/main" id="{82C18C7B-DF7F-DF21-916A-AA595267596E}"/>
+                </a:ext>
+              </a:extLst>
+            </p:cNvPr>
+            <p:cNvPicPr>
+              <a:picLocks noChangeAspect="1"/>
+            </p:cNvPicPr>
+            <p:nvPr/>
+          </p:nvPicPr>
+          <p:blipFill>
+            <a:blip r:embed="rId4"/>
+            <a:stretch>
+              <a:fillRect/>
+            </a:stretch>
+          </p:blipFill>
+          <p:spPr>
+            <a:xfrm>
+              <a:off x="4856726" y="471073"/>
+              <a:ext cx="6196006" cy="4997039"/>
+            </a:xfrm>
+            <a:prstGeom prst="rect">
+              <a:avLst/>
+            </a:prstGeom>
+          </p:spPr>
+        </p:pic>
+      </p:grpSp>
     </p:spTree>
     <p:extLst>
       <p:ext uri="{BB962C8B-B14F-4D97-AF65-F5344CB8AC3E}">
@@ -18743,10 +19201,10 @@
       </p:grpSpPr>
       <p:pic>
         <p:nvPicPr>
-          <p:cNvPr id="2" name="Picture 1">
+          <p:cNvPr id="3" name="Picture 2">
             <a:extLst>
               <a:ext uri="{FF2B5EF4-FFF2-40B4-BE49-F238E27FC236}">
-                <a16:creationId xmlns:a16="http://schemas.microsoft.com/office/drawing/2014/main" id="{427852CC-0933-6653-36E3-F93B595295D4}"/>
+                <a16:creationId xmlns:a16="http://schemas.microsoft.com/office/drawing/2014/main" id="{871628F7-B975-14BA-355F-EE52A65E77BD}"/>
               </a:ext>
             </a:extLst>
           </p:cNvPr>
@@ -18757,13 +19215,13 @@
         </p:nvPicPr>
         <p:blipFill>
           <a:blip r:embed="rId2"/>
-          <a:srcRect b="27056"/>
+          <a:srcRect b="24887"/>
           <a:stretch/>
         </p:blipFill>
         <p:spPr>
           <a:xfrm>
-            <a:off x="5011310" y="550608"/>
-            <a:ext cx="6319715" cy="3313469"/>
+            <a:off x="4856726" y="471073"/>
+            <a:ext cx="6196006" cy="3753455"/>
           </a:xfrm>
           <a:prstGeom prst="rect">
             <a:avLst/>
@@ -19787,4 +20245,299 @@
     </a:ext>
   </a:extLst>
 </a:theme>
+</file>
+
+<file path=ppt/theme/theme2.xml><?xml version="1.0" encoding="utf-8"?>
+<a:theme xmlns:a="http://schemas.openxmlformats.org/drawingml/2006/main" name="Office Theme">
+  <a:themeElements>
+    <a:clrScheme name="Office">
+      <a:dk1>
+        <a:sysClr val="windowText" lastClr="000000"/>
+      </a:dk1>
+      <a:lt1>
+        <a:sysClr val="window" lastClr="FFFFFF"/>
+      </a:lt1>
+      <a:dk2>
+        <a:srgbClr val="44546A"/>
+      </a:dk2>
+      <a:lt2>
+        <a:srgbClr val="E7E6E6"/>
+      </a:lt2>
+      <a:accent1>
+        <a:srgbClr val="4472C4"/>
+      </a:accent1>
+      <a:accent2>
+        <a:srgbClr val="ED7D31"/>
+      </a:accent2>
+      <a:accent3>
+        <a:srgbClr val="A5A5A5"/>
+      </a:accent3>
+      <a:accent4>
+        <a:srgbClr val="FFC000"/>
+      </a:accent4>
+      <a:accent5>
+        <a:srgbClr val="5B9BD5"/>
+      </a:accent5>
+      <a:accent6>
+        <a:srgbClr val="70AD47"/>
+      </a:accent6>
+      <a:hlink>
+        <a:srgbClr val="0563C1"/>
+      </a:hlink>
+      <a:folHlink>
+        <a:srgbClr val="954F72"/>
+      </a:folHlink>
+    </a:clrScheme>
+    <a:fontScheme name="Office">
+      <a:majorFont>
+        <a:latin typeface="Calibri Light" panose="020F0302020204030204"/>
+        <a:ea typeface=""/>
+        <a:cs typeface=""/>
+        <a:font script="Jpan" typeface="游ゴシック Light"/>
+        <a:font script="Hang" typeface="맑은 고딕"/>
+        <a:font script="Hans" typeface="等线 Light"/>
+        <a:font script="Hant" typeface="新細明體"/>
+        <a:font script="Arab" typeface="Times New Roman"/>
+        <a:font script="Hebr" typeface="Times New Roman"/>
+        <a:font script="Thai" typeface="Angsana New"/>
+        <a:font script="Ethi" typeface="Nyala"/>
+        <a:font script="Beng" typeface="Vrinda"/>
+        <a:font script="Gujr" typeface="Shruti"/>
+        <a:font script="Khmr" typeface="MoolBoran"/>
+        <a:font script="Knda" typeface="Tunga"/>
+        <a:font script="Guru" typeface="Raavi"/>
+        <a:font script="Cans" typeface="Euphemia"/>
+        <a:font script="Cher" typeface="Plantagenet Cherokee"/>
+        <a:font script="Yiii" typeface="Microsoft Yi Baiti"/>
+        <a:font script="Tibt" typeface="Microsoft Himalaya"/>
+        <a:font script="Thaa" typeface="MV Boli"/>
+        <a:font script="Deva" typeface="Mangal"/>
+        <a:font script="Telu" typeface="Gautami"/>
+        <a:font script="Taml" typeface="Latha"/>
+        <a:font script="Syrc" typeface="Estrangelo Edessa"/>
+        <a:font script="Orya" typeface="Kalinga"/>
+        <a:font script="Mlym" typeface="Kartika"/>
+        <a:font script="Laoo" typeface="DokChampa"/>
+        <a:font script="Sinh" typeface="Iskoola Pota"/>
+        <a:font script="Mong" typeface="Mongolian Baiti"/>
+        <a:font script="Viet" typeface="Times New Roman"/>
+        <a:font script="Uigh" typeface="Microsoft Uighur"/>
+        <a:font script="Geor" typeface="Sylfaen"/>
+        <a:font script="Armn" typeface="Arial"/>
+        <a:font script="Bugi" typeface="Leelawadee UI"/>
+        <a:font script="Bopo" typeface="Microsoft JhengHei"/>
+        <a:font script="Java" typeface="Javanese Text"/>
+        <a:font script="Lisu" typeface="Segoe UI"/>
+        <a:font script="Mymr" typeface="Myanmar Text"/>
+        <a:font script="Nkoo" typeface="Ebrima"/>
+        <a:font script="Olck" typeface="Nirmala UI"/>
+        <a:font script="Osma" typeface="Ebrima"/>
+        <a:font script="Phag" typeface="Phagspa"/>
+        <a:font script="Syrn" typeface="Estrangelo Edessa"/>
+        <a:font script="Syrj" typeface="Estrangelo Edessa"/>
+        <a:font script="Syre" typeface="Estrangelo Edessa"/>
+        <a:font script="Sora" typeface="Nirmala UI"/>
+        <a:font script="Tale" typeface="Microsoft Tai Le"/>
+        <a:font script="Talu" typeface="Microsoft New Tai Lue"/>
+        <a:font script="Tfng" typeface="Ebrima"/>
+      </a:majorFont>
+      <a:minorFont>
+        <a:latin typeface="Calibri" panose="020F0502020204030204"/>
+        <a:ea typeface=""/>
+        <a:cs typeface=""/>
+        <a:font script="Jpan" typeface="游ゴシック"/>
+        <a:font script="Hang" typeface="맑은 고딕"/>
+        <a:font script="Hans" typeface="等线"/>
+        <a:font script="Hant" typeface="新細明體"/>
+        <a:font script="Arab" typeface="Arial"/>
+        <a:font script="Hebr" typeface="Arial"/>
+        <a:font script="Thai" typeface="Cordia New"/>
+        <a:font script="Ethi" typeface="Nyala"/>
+        <a:font script="Beng" typeface="Vrinda"/>
+        <a:font script="Gujr" typeface="Shruti"/>
+        <a:font script="Khmr" typeface="DaunPenh"/>
+        <a:font script="Knda" typeface="Tunga"/>
+        <a:font script="Guru" typeface="Raavi"/>
+        <a:font script="Cans" typeface="Euphemia"/>
+        <a:font script="Cher" typeface="Plantagenet Cherokee"/>
+        <a:font script="Yiii" typeface="Microsoft Yi Baiti"/>
+        <a:font script="Tibt" typeface="Microsoft Himalaya"/>
+        <a:font script="Thaa" typeface="MV Boli"/>
+        <a:font script="Deva" typeface="Mangal"/>
+        <a:font script="Telu" typeface="Gautami"/>
+        <a:font script="Taml" typeface="Latha"/>
+        <a:font script="Syrc" typeface="Estrangelo Edessa"/>
+        <a:font script="Orya" typeface="Kalinga"/>
+        <a:font script="Mlym" typeface="Kartika"/>
+        <a:font script="Laoo" typeface="DokChampa"/>
+        <a:font script="Sinh" typeface="Iskoola Pota"/>
+        <a:font script="Mong" typeface="Mongolian Baiti"/>
+        <a:font script="Viet" typeface="Arial"/>
+        <a:font script="Uigh" typeface="Microsoft Uighur"/>
+        <a:font script="Geor" typeface="Sylfaen"/>
+        <a:font script="Armn" typeface="Arial"/>
+        <a:font script="Bugi" typeface="Leelawadee UI"/>
+        <a:font script="Bopo" typeface="Microsoft JhengHei"/>
+        <a:font script="Java" typeface="Javanese Text"/>
+        <a:font script="Lisu" typeface="Segoe UI"/>
+        <a:font script="Mymr" typeface="Myanmar Text"/>
+        <a:font script="Nkoo" typeface="Ebrima"/>
+        <a:font script="Olck" typeface="Nirmala UI"/>
+        <a:font script="Osma" typeface="Ebrima"/>
+        <a:font script="Phag" typeface="Phagspa"/>
+        <a:font script="Syrn" typeface="Estrangelo Edessa"/>
+        <a:font script="Syrj" typeface="Estrangelo Edessa"/>
+        <a:font script="Syre" typeface="Estrangelo Edessa"/>
+        <a:font script="Sora" typeface="Nirmala UI"/>
+        <a:font script="Tale" typeface="Microsoft Tai Le"/>
+        <a:font script="Talu" typeface="Microsoft New Tai Lue"/>
+        <a:font script="Tfng" typeface="Ebrima"/>
+      </a:minorFont>
+    </a:fontScheme>
+    <a:fmtScheme name="Office">
+      <a:fillStyleLst>
+        <a:solidFill>
+          <a:schemeClr val="phClr"/>
+        </a:solidFill>
+        <a:gradFill rotWithShape="1">
+          <a:gsLst>
+            <a:gs pos="0">
+              <a:schemeClr val="phClr">
+                <a:lumMod val="110000"/>
+                <a:satMod val="105000"/>
+                <a:tint val="67000"/>
+              </a:schemeClr>
+            </a:gs>
+            <a:gs pos="50000">
+              <a:schemeClr val="phClr">
+                <a:lumMod val="105000"/>
+                <a:satMod val="103000"/>
+                <a:tint val="73000"/>
+              </a:schemeClr>
+            </a:gs>
+            <a:gs pos="100000">
+              <a:schemeClr val="phClr">
+                <a:lumMod val="105000"/>
+                <a:satMod val="109000"/>
+                <a:tint val="81000"/>
+              </a:schemeClr>
+            </a:gs>
+          </a:gsLst>
+          <a:lin ang="5400000" scaled="0"/>
+        </a:gradFill>
+        <a:gradFill rotWithShape="1">
+          <a:gsLst>
+            <a:gs pos="0">
+              <a:schemeClr val="phClr">
+                <a:satMod val="103000"/>
+                <a:lumMod val="102000"/>
+                <a:tint val="94000"/>
+              </a:schemeClr>
+            </a:gs>
+            <a:gs pos="50000">
+              <a:schemeClr val="phClr">
+                <a:satMod val="110000"/>
+                <a:lumMod val="100000"/>
+                <a:shade val="100000"/>
+              </a:schemeClr>
+            </a:gs>
+            <a:gs pos="100000">
+              <a:schemeClr val="phClr">
+                <a:lumMod val="99000"/>
+                <a:satMod val="120000"/>
+                <a:shade val="78000"/>
+              </a:schemeClr>
+            </a:gs>
+          </a:gsLst>
+          <a:lin ang="5400000" scaled="0"/>
+        </a:gradFill>
+      </a:fillStyleLst>
+      <a:lnStyleLst>
+        <a:ln w="6350" cap="flat" cmpd="sng" algn="ctr">
+          <a:solidFill>
+            <a:schemeClr val="phClr"/>
+          </a:solidFill>
+          <a:prstDash val="solid"/>
+          <a:miter lim="800000"/>
+        </a:ln>
+        <a:ln w="12700" cap="flat" cmpd="sng" algn="ctr">
+          <a:solidFill>
+            <a:schemeClr val="phClr"/>
+          </a:solidFill>
+          <a:prstDash val="solid"/>
+          <a:miter lim="800000"/>
+        </a:ln>
+        <a:ln w="19050" cap="flat" cmpd="sng" algn="ctr">
+          <a:solidFill>
+            <a:schemeClr val="phClr"/>
+          </a:solidFill>
+          <a:prstDash val="solid"/>
+          <a:miter lim="800000"/>
+        </a:ln>
+      </a:lnStyleLst>
+      <a:effectStyleLst>
+        <a:effectStyle>
+          <a:effectLst/>
+        </a:effectStyle>
+        <a:effectStyle>
+          <a:effectLst/>
+        </a:effectStyle>
+        <a:effectStyle>
+          <a:effectLst>
+            <a:outerShdw blurRad="57150" dist="19050" dir="5400000" algn="ctr" rotWithShape="0">
+              <a:srgbClr val="000000">
+                <a:alpha val="63000"/>
+              </a:srgbClr>
+            </a:outerShdw>
+          </a:effectLst>
+        </a:effectStyle>
+      </a:effectStyleLst>
+      <a:bgFillStyleLst>
+        <a:solidFill>
+          <a:schemeClr val="phClr"/>
+        </a:solidFill>
+        <a:solidFill>
+          <a:schemeClr val="phClr">
+            <a:tint val="95000"/>
+            <a:satMod val="170000"/>
+          </a:schemeClr>
+        </a:solidFill>
+        <a:gradFill rotWithShape="1">
+          <a:gsLst>
+            <a:gs pos="0">
+              <a:schemeClr val="phClr">
+                <a:tint val="93000"/>
+                <a:satMod val="150000"/>
+                <a:shade val="98000"/>
+                <a:lumMod val="102000"/>
+              </a:schemeClr>
+            </a:gs>
+            <a:gs pos="50000">
+              <a:schemeClr val="phClr">
+                <a:tint val="98000"/>
+                <a:satMod val="130000"/>
+                <a:shade val="90000"/>
+                <a:lumMod val="103000"/>
+              </a:schemeClr>
+            </a:gs>
+            <a:gs pos="100000">
+              <a:schemeClr val="phClr">
+                <a:shade val="63000"/>
+                <a:satMod val="120000"/>
+              </a:schemeClr>
+            </a:gs>
+          </a:gsLst>
+          <a:lin ang="5400000" scaled="0"/>
+        </a:gradFill>
+      </a:bgFillStyleLst>
+    </a:fmtScheme>
+  </a:themeElements>
+  <a:objectDefaults/>
+  <a:extraClrSchemeLst/>
+  <a:extLst>
+    <a:ext uri="{05A4C25C-085E-4340-85A3-A5531E510DB2}">
+      <thm15:themeFamily xmlns:thm15="http://schemas.microsoft.com/office/thememl/2012/main" name="Office Theme" id="{62F939B6-93AF-4DB8-9C6B-D6C7DFDC589F}" vid="{4A3C46E8-61CC-4603-A589-7422A47A8E4A}"/>
+    </a:ext>
+  </a:extLst>
+</a:theme>
 </file>